--- a/doc/eCAL.pptx
+++ b/doc/eCAL.pptx
@@ -5,36 +5,31 @@
     <p:sldMasterId id="2147483684" r:id="rId4"/>
   </p:sldMasterIdLst>
   <p:notesMasterIdLst>
-    <p:notesMasterId r:id="rId18"/>
+    <p:notesMasterId r:id="rId13"/>
   </p:notesMasterIdLst>
   <p:handoutMasterIdLst>
-    <p:handoutMasterId r:id="rId19"/>
+    <p:handoutMasterId r:id="rId14"/>
   </p:handoutMasterIdLst>
   <p:sldIdLst>
     <p:sldId id="352" r:id="rId5"/>
     <p:sldId id="392" r:id="rId6"/>
-    <p:sldId id="377" r:id="rId7"/>
-    <p:sldId id="379" r:id="rId8"/>
+    <p:sldId id="379" r:id="rId7"/>
+    <p:sldId id="411" r:id="rId8"/>
     <p:sldId id="404" r:id="rId9"/>
     <p:sldId id="410" r:id="rId10"/>
     <p:sldId id="406" r:id="rId11"/>
-    <p:sldId id="396" r:id="rId12"/>
-    <p:sldId id="397" r:id="rId13"/>
-    <p:sldId id="411" r:id="rId14"/>
-    <p:sldId id="403" r:id="rId15"/>
-    <p:sldId id="407" r:id="rId16"/>
-    <p:sldId id="395" r:id="rId17"/>
+    <p:sldId id="395" r:id="rId12"/>
   </p:sldIdLst>
   <p:sldSz cx="12192000" cy="6858000"/>
   <p:notesSz cx="6794500" cy="9906000"/>
   <p:embeddedFontLst>
     <p:embeddedFont>
-      <p:font typeface="Neuropolitical" panose="020B0604020202020204"/>
-      <p:regular r:id="rId20"/>
+      <p:font typeface="Neuropolitical" panose="020B0500000000000000" pitchFamily="34" charset="0"/>
+      <p:regular r:id="rId15"/>
     </p:embeddedFont>
   </p:embeddedFontLst>
   <p:custDataLst>
-    <p:tags r:id="rId21"/>
+    <p:tags r:id="rId16"/>
   </p:custDataLst>
   <p:defaultTextStyle>
     <a:defPPr>
@@ -327,7 +322,7 @@
             <a:fld id="{9482B374-514F-45E9-82B1-9EFE5957402D}" type="datetime1">
               <a:rPr lang="de-DE" sz="1000" smtClean="0"/>
               <a:pPr/>
-              <a:t>11.03.2019</a:t>
+              <a:t>04.12.2019</a:t>
             </a:fld>
             <a:endParaRPr lang="en-US" sz="1000"/>
           </a:p>
@@ -498,7 +493,7 @@
             <a:fld id="{323F5C47-E162-42FA-98C0-1ACA2E25758A}" type="datetime1">
               <a:rPr lang="de-DE" smtClean="0"/>
               <a:pPr/>
-              <a:t>11.03.2019</a:t>
+              <a:t>04.12.2019</a:t>
             </a:fld>
             <a:endParaRPr lang="en-US"/>
           </a:p>
@@ -846,7 +841,7 @@
             <a:fld id="{323F5C47-E162-42FA-98C0-1ACA2E25758A}" type="datetime1">
               <a:rPr lang="en-US" smtClean="0"/>
               <a:pPr/>
-              <a:t>3/11/2019</a:t>
+              <a:t>12/4/2019</a:t>
             </a:fld>
             <a:endParaRPr lang="en-US"/>
           </a:p>
@@ -957,10 +952,12 @@
         </p:nvSpPr>
         <p:spPr/>
         <p:txBody>
-          <a:bodyPr/>
+          <a:bodyPr>
+            <a:normAutofit/>
+          </a:bodyPr>
           <a:lstStyle/>
           <a:p>
-            <a:endParaRPr lang="de-DE" dirty="0"/>
+            <a:endParaRPr lang="en-US"/>
           </a:p>
         </p:txBody>
       </p:sp>
@@ -980,9 +977,9 @@
           <a:lstStyle/>
           <a:p>
             <a:fld id="{323F5C47-E162-42FA-98C0-1ACA2E25758A}" type="datetime1">
-              <a:rPr lang="de-DE" smtClean="0"/>
+              <a:rPr lang="en-US" smtClean="0"/>
               <a:pPr/>
-              <a:t>11.03.2019</a:t>
+              <a:t>12/4/2019</a:t>
             </a:fld>
             <a:endParaRPr lang="en-US"/>
           </a:p>
@@ -1028,144 +1025,6 @@
             <a:fld id="{14F3B0EB-BCD0-4177-BBAD-12CC6917385B}" type="slidenum">
               <a:rPr lang="en-US" smtClean="0"/>
               <a:pPr/>
-              <a:t>3</a:t>
-            </a:fld>
-            <a:endParaRPr lang="en-US"/>
-          </a:p>
-        </p:txBody>
-      </p:sp>
-    </p:spTree>
-    <p:extLst>
-      <p:ext uri="{BB962C8B-B14F-4D97-AF65-F5344CB8AC3E}">
-        <p14:creationId xmlns:p14="http://schemas.microsoft.com/office/powerpoint/2010/main" val="2620400660"/>
-      </p:ext>
-    </p:extLst>
-  </p:cSld>
-  <p:clrMapOvr>
-    <a:masterClrMapping/>
-  </p:clrMapOvr>
-</p:notes>
-</file>
-
-<file path=ppt/notesSlides/notesSlide3.xml><?xml version="1.0" encoding="utf-8"?>
-<p:notes xmlns:a="http://schemas.openxmlformats.org/drawingml/2006/main" xmlns:r="http://schemas.openxmlformats.org/officeDocument/2006/relationships" xmlns:p="http://schemas.openxmlformats.org/presentationml/2006/main">
-  <p:cSld>
-    <p:spTree>
-      <p:nvGrpSpPr>
-        <p:cNvPr id="1" name=""/>
-        <p:cNvGrpSpPr/>
-        <p:nvPr/>
-      </p:nvGrpSpPr>
-      <p:grpSpPr>
-        <a:xfrm>
-          <a:off x="0" y="0"/>
-          <a:ext cx="0" cy="0"/>
-          <a:chOff x="0" y="0"/>
-          <a:chExt cx="0" cy="0"/>
-        </a:xfrm>
-      </p:grpSpPr>
-      <p:sp>
-        <p:nvSpPr>
-          <p:cNvPr id="2" name="Folienbildplatzhalter 1"/>
-          <p:cNvSpPr>
-            <a:spLocks noGrp="1" noRot="1" noChangeAspect="1"/>
-          </p:cNvSpPr>
-          <p:nvPr>
-            <p:ph type="sldImg"/>
-          </p:nvPr>
-        </p:nvSpPr>
-        <p:spPr>
-          <a:xfrm>
-            <a:off x="95250" y="742950"/>
-            <a:ext cx="6604000" cy="3714750"/>
-          </a:xfrm>
-        </p:spPr>
-      </p:sp>
-      <p:sp>
-        <p:nvSpPr>
-          <p:cNvPr id="3" name="Notizenplatzhalter 2"/>
-          <p:cNvSpPr>
-            <a:spLocks noGrp="1"/>
-          </p:cNvSpPr>
-          <p:nvPr>
-            <p:ph type="body" idx="1"/>
-          </p:nvPr>
-        </p:nvSpPr>
-        <p:spPr/>
-        <p:txBody>
-          <a:bodyPr>
-            <a:normAutofit/>
-          </a:bodyPr>
-          <a:lstStyle/>
-          <a:p>
-            <a:endParaRPr lang="en-US"/>
-          </a:p>
-        </p:txBody>
-      </p:sp>
-      <p:sp>
-        <p:nvSpPr>
-          <p:cNvPr id="4" name="Datumsplatzhalter 3"/>
-          <p:cNvSpPr>
-            <a:spLocks noGrp="1"/>
-          </p:cNvSpPr>
-          <p:nvPr>
-            <p:ph type="dt" idx="10"/>
-          </p:nvPr>
-        </p:nvSpPr>
-        <p:spPr/>
-        <p:txBody>
-          <a:bodyPr/>
-          <a:lstStyle/>
-          <a:p>
-            <a:fld id="{323F5C47-E162-42FA-98C0-1ACA2E25758A}" type="datetime1">
-              <a:rPr lang="en-US" smtClean="0"/>
-              <a:pPr/>
-              <a:t>3/11/2019</a:t>
-            </a:fld>
-            <a:endParaRPr lang="en-US"/>
-          </a:p>
-        </p:txBody>
-      </p:sp>
-      <p:sp>
-        <p:nvSpPr>
-          <p:cNvPr id="5" name="Fußzeilenplatzhalter 4"/>
-          <p:cNvSpPr>
-            <a:spLocks noGrp="1"/>
-          </p:cNvSpPr>
-          <p:nvPr>
-            <p:ph type="ftr" sz="quarter" idx="11"/>
-          </p:nvPr>
-        </p:nvSpPr>
-        <p:spPr/>
-        <p:txBody>
-          <a:bodyPr/>
-          <a:lstStyle/>
-          <a:p>
-            <a:r>
-              <a:rPr lang="en-US"/>
-              <a:t>Author,   © Continental AG</a:t>
-            </a:r>
-          </a:p>
-        </p:txBody>
-      </p:sp>
-      <p:sp>
-        <p:nvSpPr>
-          <p:cNvPr id="6" name="Foliennummernplatzhalter 5"/>
-          <p:cNvSpPr>
-            <a:spLocks noGrp="1"/>
-          </p:cNvSpPr>
-          <p:nvPr>
-            <p:ph type="sldNum" sz="quarter" idx="12"/>
-          </p:nvPr>
-        </p:nvSpPr>
-        <p:spPr/>
-        <p:txBody>
-          <a:bodyPr/>
-          <a:lstStyle/>
-          <a:p>
-            <a:fld id="{14F3B0EB-BCD0-4177-BBAD-12CC6917385B}" type="slidenum">
-              <a:rPr lang="en-US" smtClean="0"/>
-              <a:pPr/>
               <a:t>7</a:t>
             </a:fld>
             <a:endParaRPr lang="en-US"/>
@@ -1185,7 +1044,7 @@
 </p:notes>
 </file>
 
-<file path=ppt/notesSlides/notesSlide4.xml><?xml version="1.0" encoding="utf-8"?>
+<file path=ppt/notesSlides/notesSlide3.xml><?xml version="1.0" encoding="utf-8"?>
 <p:notes xmlns:a="http://schemas.openxmlformats.org/drawingml/2006/main" xmlns:r="http://schemas.openxmlformats.org/officeDocument/2006/relationships" xmlns:p="http://schemas.openxmlformats.org/presentationml/2006/main">
   <p:cSld>
     <p:spTree>
@@ -1265,7 +1124,7 @@
             <a:fld id="{FA8CA14D-6852-46AA-B36A-4437D0482A78}" type="datetime1">
               <a:rPr lang="en-US" smtClean="0"/>
               <a:pPr/>
-              <a:t>3/11/2019</a:t>
+              <a:t>12/4/2019</a:t>
             </a:fld>
             <a:endParaRPr lang="en-US"/>
           </a:p>
@@ -1289,7 +1148,7 @@
             <a:fld id="{85C809E2-A699-42BB-ABC4-0EEDC136ABDC}" type="slidenum">
               <a:rPr lang="en-US" smtClean="0"/>
               <a:pPr/>
-              <a:t>13</a:t>
+              <a:t>8</a:t>
             </a:fld>
             <a:endParaRPr lang="en-US"/>
           </a:p>
@@ -2427,7 +2286,7 @@
             <a:fld id="{C0CEF923-CC27-4F42-A3CA-3535FDEA38A8}" type="datetime4">
               <a:rPr lang="en-US" noProof="0" smtClean="0"/>
               <a:pPr/>
-              <a:t>March 11, 2019</a:t>
+              <a:t>December 4, 2019</a:t>
             </a:fld>
             <a:endParaRPr lang="en-US" noProof="0"/>
           </a:p>
@@ -2939,7 +2798,7 @@
             <a:fld id="{AE903120-3BAB-48D5-8178-C932D0FCD2E2}" type="datetime4">
               <a:rPr lang="en-US" noProof="0" smtClean="0"/>
               <a:pPr/>
-              <a:t>March 11, 2019</a:t>
+              <a:t>December 4, 2019</a:t>
             </a:fld>
             <a:endParaRPr lang="en-US" noProof="0"/>
           </a:p>
@@ -3274,7 +3133,7 @@
             <a:fld id="{A88E913E-A622-4FF1-B97B-42C8AFF19EFD}" type="datetime4">
               <a:rPr lang="en-US" noProof="0" smtClean="0"/>
               <a:pPr/>
-              <a:t>March 11, 2019</a:t>
+              <a:t>December 4, 2019</a:t>
             </a:fld>
             <a:endParaRPr lang="en-US" noProof="0"/>
           </a:p>
@@ -3903,7 +3762,7 @@
             <a:fld id="{9857078E-6325-488D-A844-6B585767C8A3}" type="datetime4">
               <a:rPr lang="en-US" noProof="0" smtClean="0"/>
               <a:pPr/>
-              <a:t>March 11, 2019</a:t>
+              <a:t>December 4, 2019</a:t>
             </a:fld>
             <a:endParaRPr lang="en-US" noProof="0"/>
           </a:p>
@@ -4412,7 +4271,7 @@
             <a:fld id="{E59B82B3-D0E1-436E-87BF-63B7462754E4}" type="datetime4">
               <a:rPr lang="en-US" noProof="0" smtClean="0"/>
               <a:pPr/>
-              <a:t>March 11, 2019</a:t>
+              <a:t>December 4, 2019</a:t>
             </a:fld>
             <a:endParaRPr lang="en-US" noProof="0"/>
           </a:p>
@@ -4920,7 +4779,7 @@
             <a:fld id="{1778E95C-90A9-47F3-94FC-26BB930BF367}" type="datetime4">
               <a:rPr lang="en-US" noProof="0" smtClean="0"/>
               <a:pPr/>
-              <a:t>March 11, 2019</a:t>
+              <a:t>December 4, 2019</a:t>
             </a:fld>
             <a:endParaRPr lang="en-US" noProof="0"/>
           </a:p>
@@ -5047,7 +4906,7 @@
             <a:fld id="{5C1C0433-6B39-4E2B-8F5B-6B4B244C3ECE}" type="datetime4">
               <a:rPr lang="en-US" noProof="0" smtClean="0"/>
               <a:pPr/>
-              <a:t>March 11, 2019</a:t>
+              <a:t>December 4, 2019</a:t>
             </a:fld>
             <a:endParaRPr lang="en-US" noProof="0"/>
           </a:p>
@@ -5336,7 +5195,7 @@
             <a:fld id="{5B9F1013-C68F-45DE-A2A8-ABB1776BF6C1}" type="datetime4">
               <a:rPr lang="en-US" noProof="0" smtClean="0"/>
               <a:pPr/>
-              <a:t>March 11, 2019</a:t>
+              <a:t>December 4, 2019</a:t>
             </a:fld>
             <a:endParaRPr lang="en-US" noProof="0"/>
           </a:p>
@@ -5996,7 +5855,7 @@
             <a:fld id="{F903D1D1-7F42-43C4-ADD4-518F62B4B1A7}" type="datetime4">
               <a:rPr lang="en-US" noProof="0" smtClean="0"/>
               <a:pPr/>
-              <a:t>March 11, 2019</a:t>
+              <a:t>December 4, 2019</a:t>
             </a:fld>
             <a:endParaRPr lang="en-US" noProof="0"/>
           </a:p>
@@ -6648,7 +6507,7 @@
             <a:fld id="{A391F275-0A79-47DF-8CE0-6E5191350150}" type="datetime4">
               <a:rPr lang="en-US" noProof="0" smtClean="0"/>
               <a:pPr/>
-              <a:t>March 11, 2019</a:t>
+              <a:t>December 4, 2019</a:t>
             </a:fld>
             <a:endParaRPr lang="en-US" noProof="0"/>
           </a:p>
@@ -7132,7 +6991,7 @@
             <a:fld id="{A52FEDD3-893C-49FF-8882-6FC7BC61D6E5}" type="datetime4">
               <a:rPr lang="en-US" noProof="0" smtClean="0"/>
               <a:pPr/>
-              <a:t>March 11, 2019</a:t>
+              <a:t>December 4, 2019</a:t>
             </a:fld>
             <a:endParaRPr lang="en-US" noProof="0"/>
           </a:p>
@@ -7410,7 +7269,7 @@
             <a:fld id="{754CC1F9-E5C4-4DE1-A8E3-E6949A1E558A}" type="datetime4">
               <a:rPr lang="en-US" noProof="0" smtClean="0"/>
               <a:pPr/>
-              <a:t>March 11, 2019</a:t>
+              <a:t>December 4, 2019</a:t>
             </a:fld>
             <a:endParaRPr lang="en-US" noProof="0"/>
           </a:p>
@@ -9568,7 +9427,7 @@
             <a:fld id="{04D55E88-34B4-42E5-9DA2-8E866D3D3D47}" type="datetime4">
               <a:rPr lang="en-US" noProof="0" smtClean="0"/>
               <a:pPr/>
-              <a:t>March 11, 2019</a:t>
+              <a:t>December 4, 2019</a:t>
             </a:fld>
             <a:endParaRPr lang="en-US" noProof="0"/>
           </a:p>
@@ -10254,7 +10113,7 @@
             <a:fld id="{0B39444B-FB5A-407E-88EB-64BE3DC64896}" type="datetime4">
               <a:rPr lang="en-US" noProof="0" smtClean="0"/>
               <a:pPr/>
-              <a:t>March 11, 2019</a:t>
+              <a:t>December 4, 2019</a:t>
             </a:fld>
             <a:endParaRPr lang="en-US" noProof="0"/>
           </a:p>
@@ -10920,7 +10779,7 @@
             <a:fld id="{B71451C9-93A8-4493-A949-834F0A4C621C}" type="datetime4">
               <a:rPr lang="en-US" noProof="0" smtClean="0"/>
               <a:pPr/>
-              <a:t>March 11, 2019</a:t>
+              <a:t>December 4, 2019</a:t>
             </a:fld>
             <a:endParaRPr lang="en-US" noProof="0"/>
           </a:p>
@@ -11212,7 +11071,7 @@
             <a:fld id="{823E2FF0-B26C-4EFC-BF0E-956DFE4C933C}" type="datetime4">
               <a:rPr lang="en-US" noProof="0" smtClean="0"/>
               <a:pPr/>
-              <a:t>March 11, 2019</a:t>
+              <a:t>December 4, 2019</a:t>
             </a:fld>
             <a:endParaRPr lang="en-US" noProof="0"/>
           </a:p>
@@ -11873,7 +11732,7 @@
             <a:fld id="{18724406-19C3-4AAF-923B-8B877F8F9929}" type="datetime4">
               <a:rPr lang="en-US" noProof="0" smtClean="0"/>
               <a:pPr/>
-              <a:t>March 11, 2019</a:t>
+              <a:t>December 4, 2019</a:t>
             </a:fld>
             <a:endParaRPr lang="en-US" noProof="0"/>
           </a:p>
@@ -12176,7 +12035,7 @@
             <a:fld id="{C61B0F03-4438-41D6-A13D-82FE00E669C6}" type="datetime4">
               <a:rPr lang="en-US" noProof="0" smtClean="0"/>
               <a:pPr/>
-              <a:t>March 11, 2019</a:t>
+              <a:t>December 4, 2019</a:t>
             </a:fld>
             <a:endParaRPr lang="en-US" noProof="0"/>
           </a:p>
@@ -12950,44 +12809,6 @@
       </p:sp>
       <p:sp>
         <p:nvSpPr>
-          <p:cNvPr id="3" name="Textplatzhalter 2">
-            <a:extLst>
-              <a:ext uri="{FF2B5EF4-FFF2-40B4-BE49-F238E27FC236}">
-                <a16:creationId xmlns:a16="http://schemas.microsoft.com/office/drawing/2014/main" id="{F99E8BD3-53EF-4832-B0E8-4411A1169A2A}"/>
-              </a:ext>
-            </a:extLst>
-          </p:cNvPr>
-          <p:cNvSpPr>
-            <a:spLocks noGrp="1"/>
-          </p:cNvSpPr>
-          <p:nvPr>
-            <p:ph type="body" sz="quarter" idx="11"/>
-          </p:nvPr>
-        </p:nvSpPr>
-        <p:spPr/>
-        <p:txBody>
-          <a:bodyPr>
-            <a:normAutofit/>
-          </a:bodyPr>
-          <a:lstStyle/>
-          <a:p>
-            <a:r>
-              <a:rPr lang="de-DE" sz="1200" dirty="0"/>
-              <a:t>Chassis &amp; </a:t>
-            </a:r>
-            <a:r>
-              <a:rPr lang="de-DE" sz="1200" dirty="0" err="1"/>
-              <a:t>Safety</a:t>
-            </a:r>
-            <a:r>
-              <a:rPr lang="de-DE" sz="1200" dirty="0"/>
-              <a:t> Division</a:t>
-            </a:r>
-          </a:p>
-        </p:txBody>
-      </p:sp>
-      <p:sp>
-        <p:nvSpPr>
           <p:cNvPr id="5" name="Textplatzhalter 4">
             <a:extLst>
               <a:ext uri="{FF2B5EF4-FFF2-40B4-BE49-F238E27FC236}">
@@ -13010,157 +12831,21 @@
           <a:lstStyle/>
           <a:p>
             <a:r>
-              <a:rPr lang="de-DE" sz="1200" dirty="0">
+              <a:rPr lang="en-US" sz="1200" dirty="0">
                 <a:hlinkClick r:id="rId4"/>
               </a:rPr>
-              <a:t>http://github.conti.de/CTZS/ecal</a:t>
+              <a:t>https://github.com/continental/ecal</a:t>
             </a:r>
             <a:endParaRPr lang="de-DE" sz="1200" dirty="0"/>
-          </a:p>
-        </p:txBody>
-      </p:sp>
-    </p:spTree>
-  </p:cSld>
-  <p:clrMapOvr>
-    <a:masterClrMapping/>
-  </p:clrMapOvr>
-  <p:transition>
-    <p:fade/>
-  </p:transition>
-</p:sld>
-</file>
-
-<file path=ppt/slides/slide10.xml><?xml version="1.0" encoding="utf-8"?>
-<p:sld xmlns:a="http://schemas.openxmlformats.org/drawingml/2006/main" xmlns:r="http://schemas.openxmlformats.org/officeDocument/2006/relationships" xmlns:p="http://schemas.openxmlformats.org/presentationml/2006/main">
-  <p:cSld>
-    <p:spTree>
-      <p:nvGrpSpPr>
-        <p:cNvPr id="1" name=""/>
-        <p:cNvGrpSpPr/>
-        <p:nvPr/>
-      </p:nvGrpSpPr>
-      <p:grpSpPr>
-        <a:xfrm>
-          <a:off x="0" y="0"/>
-          <a:ext cx="0" cy="0"/>
-          <a:chOff x="0" y="0"/>
-          <a:chExt cx="0" cy="0"/>
-        </a:xfrm>
-      </p:grpSpPr>
-      <p:sp>
-        <p:nvSpPr>
-          <p:cNvPr id="3" name="Datumsplatzhalter 2"/>
-          <p:cNvSpPr>
-            <a:spLocks noGrp="1"/>
-          </p:cNvSpPr>
-          <p:nvPr>
-            <p:ph type="dt" sz="half" idx="10"/>
-          </p:nvPr>
-        </p:nvSpPr>
-        <p:spPr/>
-        <p:txBody>
-          <a:bodyPr/>
-          <a:lstStyle/>
-          <a:p>
-            <a:fld id="{1778E95C-90A9-47F3-94FC-26BB930BF367}" type="datetime4">
-              <a:rPr lang="en-US" noProof="0" smtClean="0"/>
-              <a:pPr/>
-              <a:t>March 11, 2019</a:t>
-            </a:fld>
-            <a:endParaRPr lang="en-US" noProof="0" dirty="0"/>
           </a:p>
         </p:txBody>
       </p:sp>
       <p:sp>
         <p:nvSpPr>
-          <p:cNvPr id="4" name="Foliennummernplatzhalter 3"/>
-          <p:cNvSpPr>
-            <a:spLocks noGrp="1"/>
-          </p:cNvSpPr>
-          <p:nvPr>
-            <p:ph type="sldNum" sz="quarter" idx="11"/>
-          </p:nvPr>
-        </p:nvSpPr>
-        <p:spPr/>
-        <p:txBody>
-          <a:bodyPr/>
-          <a:lstStyle/>
-          <a:p>
-            <a:fld id="{ADA48181-2C78-49CB-8C52-912A07842C2E}" type="slidenum">
-              <a:rPr lang="en-US" noProof="0" smtClean="0"/>
-              <a:pPr/>
-              <a:t>10</a:t>
-            </a:fld>
-            <a:endParaRPr lang="en-US" noProof="0" dirty="0"/>
-          </a:p>
-        </p:txBody>
-      </p:sp>
-      <p:sp>
-        <p:nvSpPr>
-          <p:cNvPr id="5" name="Fußzeilenplatzhalter 4"/>
-          <p:cNvSpPr>
-            <a:spLocks noGrp="1"/>
-          </p:cNvSpPr>
-          <p:nvPr>
-            <p:ph type="ftr" sz="quarter" idx="12"/>
-          </p:nvPr>
-        </p:nvSpPr>
-        <p:spPr/>
-        <p:txBody>
-          <a:bodyPr/>
-          <a:lstStyle/>
-          <a:p>
-            <a:r>
-              <a:rPr lang="en-US" dirty="0" err="1"/>
-              <a:t>Schilasky</a:t>
-            </a:r>
-            <a:r>
-              <a:rPr lang="en-US" dirty="0"/>
-              <a:t> R.,   </a:t>
-            </a:r>
-            <a:r>
-              <a:rPr lang="en-US" noProof="0" dirty="0"/>
-              <a:t>© Continental AG</a:t>
-            </a:r>
-          </a:p>
-        </p:txBody>
-      </p:sp>
-      <p:pic>
-        <p:nvPicPr>
-          <p:cNvPr id="8" name="Grafik 7">
+          <p:cNvPr id="4" name="Textplatzhalter 3">
             <a:extLst>
               <a:ext uri="{FF2B5EF4-FFF2-40B4-BE49-F238E27FC236}">
-                <a16:creationId xmlns:a16="http://schemas.microsoft.com/office/drawing/2014/main" id="{729CD4A9-6F81-4024-A54E-B2A8FC156CB3}"/>
-              </a:ext>
-            </a:extLst>
-          </p:cNvPr>
-          <p:cNvPicPr>
-            <a:picLocks noChangeAspect="1"/>
-          </p:cNvPicPr>
-          <p:nvPr/>
-        </p:nvPicPr>
-        <p:blipFill>
-          <a:blip r:embed="rId2"/>
-          <a:stretch>
-            <a:fillRect/>
-          </a:stretch>
-        </p:blipFill>
-        <p:spPr>
-          <a:xfrm>
-            <a:off x="1410490" y="872716"/>
-            <a:ext cx="8862224" cy="5016920"/>
-          </a:xfrm>
-          <a:prstGeom prst="rect">
-            <a:avLst/>
-          </a:prstGeom>
-        </p:spPr>
-      </p:pic>
-      <p:sp>
-        <p:nvSpPr>
-          <p:cNvPr id="10" name="Titel 1">
-            <a:extLst>
-              <a:ext uri="{FF2B5EF4-FFF2-40B4-BE49-F238E27FC236}">
-                <a16:creationId xmlns:a16="http://schemas.microsoft.com/office/drawing/2014/main" id="{C350848A-3D67-4CE0-98A5-852B8CC622BD}"/>
+                <a16:creationId xmlns:a16="http://schemas.microsoft.com/office/drawing/2014/main" id="{AED5CC22-10C0-4527-95F3-9B55CCDD0F65}"/>
               </a:ext>
             </a:extLst>
           </p:cNvPr>
@@ -13168,110 +12853,7 @@
             <a:spLocks noGrp="1"/>
           </p:cNvSpPr>
           <p:nvPr>
-            <p:ph type="title"/>
-          </p:nvPr>
-        </p:nvSpPr>
-        <p:spPr>
-          <a:xfrm>
-            <a:off x="623393" y="296863"/>
-            <a:ext cx="11041558" cy="719137"/>
-          </a:xfrm>
-        </p:spPr>
-        <p:txBody>
-          <a:bodyPr/>
-          <a:lstStyle/>
-          <a:p>
-            <a:r>
-              <a:rPr lang="en-US" dirty="0"/>
-              <a:t>     </a:t>
-            </a:r>
-            <a:r>
-              <a:rPr lang="en-US" dirty="0" err="1"/>
-              <a:t>eCAL</a:t>
-            </a:r>
-            <a:r>
-              <a:rPr lang="en-US" dirty="0"/>
-              <a:t> Monitor – layer diagnostic</a:t>
-            </a:r>
-            <a:br>
-              <a:rPr lang="en-US" dirty="0"/>
-            </a:br>
-            <a:endParaRPr lang="de-DE" dirty="0"/>
-          </a:p>
-        </p:txBody>
-      </p:sp>
-      <p:pic>
-        <p:nvPicPr>
-          <p:cNvPr id="11" name="Picture 9" descr="C:\Users\vasilescuc\Desktop\eCALPlayGUI.png">
-            <a:extLst>
-              <a:ext uri="{FF2B5EF4-FFF2-40B4-BE49-F238E27FC236}">
-                <a16:creationId xmlns:a16="http://schemas.microsoft.com/office/drawing/2014/main" id="{C485B984-9C4C-4E58-BA4D-3699DC9AC426}"/>
-              </a:ext>
-            </a:extLst>
-          </p:cNvPr>
-          <p:cNvPicPr>
-            <a:picLocks noChangeAspect="1" noChangeArrowheads="1"/>
-          </p:cNvPicPr>
-          <p:nvPr/>
-        </p:nvPicPr>
-        <p:blipFill>
-          <a:blip r:embed="rId3"/>
-          <a:stretch>
-            <a:fillRect/>
-          </a:stretch>
-        </p:blipFill>
-        <p:spPr bwMode="auto">
-          <a:xfrm>
-            <a:off x="515380" y="296652"/>
-            <a:ext cx="360040" cy="360040"/>
-          </a:xfrm>
-          <a:prstGeom prst="rect">
-            <a:avLst/>
-          </a:prstGeom>
-          <a:noFill/>
-        </p:spPr>
-      </p:pic>
-    </p:spTree>
-    <p:extLst>
-      <p:ext uri="{BB962C8B-B14F-4D97-AF65-F5344CB8AC3E}">
-        <p14:creationId xmlns:p14="http://schemas.microsoft.com/office/powerpoint/2010/main" val="2384124924"/>
-      </p:ext>
-    </p:extLst>
-  </p:cSld>
-  <p:clrMapOvr>
-    <a:masterClrMapping/>
-  </p:clrMapOvr>
-  <p:transition>
-    <p:fade/>
-  </p:transition>
-</p:sld>
-</file>
-
-<file path=ppt/slides/slide11.xml><?xml version="1.0" encoding="utf-8"?>
-<p:sld xmlns:a="http://schemas.openxmlformats.org/drawingml/2006/main" xmlns:r="http://schemas.openxmlformats.org/officeDocument/2006/relationships" xmlns:p="http://schemas.openxmlformats.org/presentationml/2006/main">
-  <p:cSld>
-    <p:spTree>
-      <p:nvGrpSpPr>
-        <p:cNvPr id="1" name=""/>
-        <p:cNvGrpSpPr/>
-        <p:nvPr/>
-      </p:nvGrpSpPr>
-      <p:grpSpPr>
-        <a:xfrm>
-          <a:off x="0" y="0"/>
-          <a:ext cx="0" cy="0"/>
-          <a:chOff x="0" y="0"/>
-          <a:chExt cx="0" cy="0"/>
-        </a:xfrm>
-      </p:grpSpPr>
-      <p:sp>
-        <p:nvSpPr>
-          <p:cNvPr id="3" name="Datumsplatzhalter 2"/>
-          <p:cNvSpPr>
-            <a:spLocks noGrp="1"/>
-          </p:cNvSpPr>
-          <p:nvPr>
-            <p:ph type="dt" sz="half" idx="10"/>
+            <p:ph type="body" sz="quarter" idx="11"/>
           </p:nvPr>
         </p:nvSpPr>
         <p:spPr/>
@@ -13279,499 +12861,11 @@
           <a:bodyPr/>
           <a:lstStyle/>
           <a:p>
-            <a:fld id="{1778E95C-90A9-47F3-94FC-26BB930BF367}" type="datetime4">
-              <a:rPr lang="en-US" noProof="0" smtClean="0"/>
-              <a:pPr/>
-              <a:t>March 11, 2019</a:t>
-            </a:fld>
-            <a:endParaRPr lang="en-US" noProof="0" dirty="0"/>
-          </a:p>
-        </p:txBody>
-      </p:sp>
-      <p:sp>
-        <p:nvSpPr>
-          <p:cNvPr id="4" name="Foliennummernplatzhalter 3"/>
-          <p:cNvSpPr>
-            <a:spLocks noGrp="1"/>
-          </p:cNvSpPr>
-          <p:nvPr>
-            <p:ph type="sldNum" sz="quarter" idx="11"/>
-          </p:nvPr>
-        </p:nvSpPr>
-        <p:spPr/>
-        <p:txBody>
-          <a:bodyPr/>
-          <a:lstStyle/>
-          <a:p>
-            <a:fld id="{ADA48181-2C78-49CB-8C52-912A07842C2E}" type="slidenum">
-              <a:rPr lang="en-US" noProof="0" smtClean="0"/>
-              <a:pPr/>
-              <a:t>11</a:t>
-            </a:fld>
-            <a:endParaRPr lang="en-US" noProof="0" dirty="0"/>
-          </a:p>
-        </p:txBody>
-      </p:sp>
-      <p:sp>
-        <p:nvSpPr>
-          <p:cNvPr id="5" name="Fußzeilenplatzhalter 4"/>
-          <p:cNvSpPr>
-            <a:spLocks noGrp="1"/>
-          </p:cNvSpPr>
-          <p:nvPr>
-            <p:ph type="ftr" sz="quarter" idx="12"/>
-          </p:nvPr>
-        </p:nvSpPr>
-        <p:spPr/>
-        <p:txBody>
-          <a:bodyPr/>
-          <a:lstStyle/>
-          <a:p>
-            <a:r>
-              <a:rPr lang="en-US" dirty="0" err="1"/>
-              <a:t>Schilasky</a:t>
-            </a:r>
-            <a:r>
-              <a:rPr lang="en-US" dirty="0"/>
-              <a:t> R.,   </a:t>
-            </a:r>
-            <a:r>
-              <a:rPr lang="en-US" noProof="0" dirty="0"/>
-              <a:t>© Continental AG</a:t>
-            </a:r>
-          </a:p>
-        </p:txBody>
-      </p:sp>
-      <p:pic>
-        <p:nvPicPr>
-          <p:cNvPr id="13" name="Picture 9" descr="C:\Users\vasilescuc\Desktop\eCALPlayGUI.png"/>
-          <p:cNvPicPr>
-            <a:picLocks noChangeAspect="1" noChangeArrowheads="1"/>
-          </p:cNvPicPr>
-          <p:nvPr/>
-        </p:nvPicPr>
-        <p:blipFill>
-          <a:blip r:embed="rId2"/>
-          <a:srcRect/>
-          <a:stretch>
-            <a:fillRect/>
-          </a:stretch>
-        </p:blipFill>
-        <p:spPr bwMode="auto">
-          <a:xfrm>
-            <a:off x="515380" y="296652"/>
-            <a:ext cx="360040" cy="360040"/>
-          </a:xfrm>
-          <a:prstGeom prst="rect">
-            <a:avLst/>
-          </a:prstGeom>
-          <a:noFill/>
-        </p:spPr>
-      </p:pic>
-      <p:pic>
-        <p:nvPicPr>
-          <p:cNvPr id="7" name="Grafik 6">
-            <a:extLst>
-              <a:ext uri="{FF2B5EF4-FFF2-40B4-BE49-F238E27FC236}">
-                <a16:creationId xmlns:a16="http://schemas.microsoft.com/office/drawing/2014/main" id="{3F58C2DA-C89F-4E7D-B0B6-BE3B1FD8A037}"/>
-              </a:ext>
-            </a:extLst>
-          </p:cNvPr>
-          <p:cNvPicPr>
-            <a:picLocks noChangeAspect="1"/>
-          </p:cNvPicPr>
-          <p:nvPr/>
-        </p:nvPicPr>
-        <p:blipFill>
-          <a:blip r:embed="rId3"/>
-          <a:stretch>
-            <a:fillRect/>
-          </a:stretch>
-        </p:blipFill>
-        <p:spPr>
-          <a:xfrm>
-            <a:off x="1955540" y="823901"/>
-            <a:ext cx="7630934" cy="5089376"/>
-          </a:xfrm>
-          <a:prstGeom prst="rect">
-            <a:avLst/>
-          </a:prstGeom>
-        </p:spPr>
-      </p:pic>
-      <p:sp>
-        <p:nvSpPr>
-          <p:cNvPr id="10" name="Titel 1">
-            <a:extLst>
-              <a:ext uri="{FF2B5EF4-FFF2-40B4-BE49-F238E27FC236}">
-                <a16:creationId xmlns:a16="http://schemas.microsoft.com/office/drawing/2014/main" id="{E0AC7F28-C33A-4298-8486-FAA093CD4F6A}"/>
-              </a:ext>
-            </a:extLst>
-          </p:cNvPr>
-          <p:cNvSpPr>
-            <a:spLocks noGrp="1"/>
-          </p:cNvSpPr>
-          <p:nvPr>
-            <p:ph type="title"/>
-          </p:nvPr>
-        </p:nvSpPr>
-        <p:spPr>
-          <a:xfrm>
-            <a:off x="623393" y="296863"/>
-            <a:ext cx="11041558" cy="719137"/>
-          </a:xfrm>
-        </p:spPr>
-        <p:txBody>
-          <a:bodyPr/>
-          <a:lstStyle/>
-          <a:p>
-            <a:r>
-              <a:rPr lang="en-US" dirty="0"/>
-              <a:t>     </a:t>
-            </a:r>
-            <a:r>
-              <a:rPr lang="en-US" dirty="0" err="1"/>
-              <a:t>eCAL</a:t>
-            </a:r>
-            <a:r>
-              <a:rPr lang="en-US" dirty="0"/>
-              <a:t> Player</a:t>
-            </a:r>
-            <a:br>
-              <a:rPr lang="en-US" dirty="0"/>
-            </a:br>
-            <a:endParaRPr lang="de-DE" dirty="0"/>
+            <a:endParaRPr lang="en-US"/>
           </a:p>
         </p:txBody>
       </p:sp>
     </p:spTree>
-  </p:cSld>
-  <p:clrMapOvr>
-    <a:masterClrMapping/>
-  </p:clrMapOvr>
-  <p:transition>
-    <p:fade/>
-  </p:transition>
-</p:sld>
-</file>
-
-<file path=ppt/slides/slide12.xml><?xml version="1.0" encoding="utf-8"?>
-<p:sld xmlns:a="http://schemas.openxmlformats.org/drawingml/2006/main" xmlns:r="http://schemas.openxmlformats.org/officeDocument/2006/relationships" xmlns:p="http://schemas.openxmlformats.org/presentationml/2006/main">
-  <p:cSld>
-    <p:spTree>
-      <p:nvGrpSpPr>
-        <p:cNvPr id="1" name=""/>
-        <p:cNvGrpSpPr/>
-        <p:nvPr/>
-      </p:nvGrpSpPr>
-      <p:grpSpPr>
-        <a:xfrm>
-          <a:off x="0" y="0"/>
-          <a:ext cx="0" cy="0"/>
-          <a:chOff x="0" y="0"/>
-          <a:chExt cx="0" cy="0"/>
-        </a:xfrm>
-      </p:grpSpPr>
-      <p:sp>
-        <p:nvSpPr>
-          <p:cNvPr id="4" name="Slide Number Placeholder 3"/>
-          <p:cNvSpPr>
-            <a:spLocks noGrp="1"/>
-          </p:cNvSpPr>
-          <p:nvPr>
-            <p:ph type="sldNum" sz="quarter" idx="11"/>
-          </p:nvPr>
-        </p:nvSpPr>
-        <p:spPr/>
-        <p:txBody>
-          <a:bodyPr/>
-          <a:lstStyle/>
-          <a:p>
-            <a:fld id="{ADA48181-2C78-49CB-8C52-912A07842C2E}" type="slidenum">
-              <a:rPr lang="en-US" noProof="0" smtClean="0"/>
-              <a:pPr/>
-              <a:t>12</a:t>
-            </a:fld>
-            <a:endParaRPr lang="en-US" noProof="0"/>
-          </a:p>
-        </p:txBody>
-      </p:sp>
-      <p:sp>
-        <p:nvSpPr>
-          <p:cNvPr id="5" name="Footer Placeholder 4"/>
-          <p:cNvSpPr>
-            <a:spLocks noGrp="1"/>
-          </p:cNvSpPr>
-          <p:nvPr>
-            <p:ph type="ftr" sz="quarter" idx="12"/>
-          </p:nvPr>
-        </p:nvSpPr>
-        <p:spPr/>
-        <p:txBody>
-          <a:bodyPr/>
-          <a:lstStyle/>
-          <a:p>
-            <a:r>
-              <a:rPr lang="en-US" noProof="0"/>
-              <a:t>Author,   © Continental AG</a:t>
-            </a:r>
-          </a:p>
-        </p:txBody>
-      </p:sp>
-      <p:pic>
-        <p:nvPicPr>
-          <p:cNvPr id="9218" name="Picture 2" descr="D:\work\ecal_master\doc\mockups\assets\eCALSys.png"/>
-          <p:cNvPicPr>
-            <a:picLocks noChangeAspect="1" noChangeArrowheads="1"/>
-          </p:cNvPicPr>
-          <p:nvPr/>
-        </p:nvPicPr>
-        <p:blipFill>
-          <a:blip r:embed="rId2"/>
-          <a:srcRect/>
-          <a:stretch>
-            <a:fillRect/>
-          </a:stretch>
-        </p:blipFill>
-        <p:spPr bwMode="auto">
-          <a:xfrm>
-            <a:off x="506057" y="296652"/>
-            <a:ext cx="382513" cy="382513"/>
-          </a:xfrm>
-          <a:prstGeom prst="rect">
-            <a:avLst/>
-          </a:prstGeom>
-          <a:noFill/>
-        </p:spPr>
-      </p:pic>
-      <p:pic>
-        <p:nvPicPr>
-          <p:cNvPr id="7" name="Grafik 6">
-            <a:extLst>
-              <a:ext uri="{FF2B5EF4-FFF2-40B4-BE49-F238E27FC236}">
-                <a16:creationId xmlns:a16="http://schemas.microsoft.com/office/drawing/2014/main" id="{21031891-2D16-448E-94BD-45C8263CB58F}"/>
-              </a:ext>
-            </a:extLst>
-          </p:cNvPr>
-          <p:cNvPicPr>
-            <a:picLocks noChangeAspect="1"/>
-          </p:cNvPicPr>
-          <p:nvPr/>
-        </p:nvPicPr>
-        <p:blipFill>
-          <a:blip r:embed="rId3"/>
-          <a:stretch>
-            <a:fillRect/>
-          </a:stretch>
-        </p:blipFill>
-        <p:spPr>
-          <a:xfrm>
-            <a:off x="2063552" y="764704"/>
-            <a:ext cx="6696744" cy="5111341"/>
-          </a:xfrm>
-          <a:prstGeom prst="rect">
-            <a:avLst/>
-          </a:prstGeom>
-        </p:spPr>
-      </p:pic>
-      <p:sp>
-        <p:nvSpPr>
-          <p:cNvPr id="10" name="Titel 1">
-            <a:extLst>
-              <a:ext uri="{FF2B5EF4-FFF2-40B4-BE49-F238E27FC236}">
-                <a16:creationId xmlns:a16="http://schemas.microsoft.com/office/drawing/2014/main" id="{22CD5ED3-D718-421C-95E1-8F7AEB1505F8}"/>
-              </a:ext>
-            </a:extLst>
-          </p:cNvPr>
-          <p:cNvSpPr>
-            <a:spLocks noGrp="1"/>
-          </p:cNvSpPr>
-          <p:nvPr>
-            <p:ph type="title"/>
-          </p:nvPr>
-        </p:nvSpPr>
-        <p:spPr>
-          <a:xfrm>
-            <a:off x="623393" y="296863"/>
-            <a:ext cx="11041558" cy="719137"/>
-          </a:xfrm>
-        </p:spPr>
-        <p:txBody>
-          <a:bodyPr/>
-          <a:lstStyle/>
-          <a:p>
-            <a:r>
-              <a:rPr lang="en-US" dirty="0"/>
-              <a:t>     </a:t>
-            </a:r>
-            <a:r>
-              <a:rPr lang="en-US" dirty="0" err="1"/>
-              <a:t>eCAL</a:t>
-            </a:r>
-            <a:r>
-              <a:rPr lang="en-US" dirty="0"/>
-              <a:t> Sys</a:t>
-            </a:r>
-            <a:br>
-              <a:rPr lang="en-US" dirty="0"/>
-            </a:br>
-            <a:endParaRPr lang="de-DE" dirty="0"/>
-          </a:p>
-        </p:txBody>
-      </p:sp>
-    </p:spTree>
-  </p:cSld>
-  <p:clrMapOvr>
-    <a:masterClrMapping/>
-  </p:clrMapOvr>
-  <p:transition>
-    <p:fade/>
-  </p:transition>
-</p:sld>
-</file>
-
-<file path=ppt/slides/slide13.xml><?xml version="1.0" encoding="utf-8"?>
-<p:sld xmlns:a="http://schemas.openxmlformats.org/drawingml/2006/main" xmlns:r="http://schemas.openxmlformats.org/officeDocument/2006/relationships" xmlns:p="http://schemas.openxmlformats.org/presentationml/2006/main">
-  <p:cSld>
-    <p:spTree>
-      <p:nvGrpSpPr>
-        <p:cNvPr id="1" name=""/>
-        <p:cNvGrpSpPr/>
-        <p:nvPr/>
-      </p:nvGrpSpPr>
-      <p:grpSpPr>
-        <a:xfrm>
-          <a:off x="0" y="0"/>
-          <a:ext cx="0" cy="0"/>
-          <a:chOff x="0" y="0"/>
-          <a:chExt cx="0" cy="0"/>
-        </a:xfrm>
-      </p:grpSpPr>
-      <p:sp>
-        <p:nvSpPr>
-          <p:cNvPr id="10" name="Inhaltsplatzhalter 9"/>
-          <p:cNvSpPr>
-            <a:spLocks noGrp="1"/>
-          </p:cNvSpPr>
-          <p:nvPr>
-            <p:ph idx="1"/>
-          </p:nvPr>
-        </p:nvSpPr>
-        <p:spPr/>
-        <p:txBody>
-          <a:bodyPr/>
-          <a:lstStyle/>
-          <a:p>
-            <a:r>
-              <a:rPr lang="en-US" dirty="0"/>
-              <a:t>for your attention!</a:t>
-            </a:r>
-          </a:p>
-        </p:txBody>
-      </p:sp>
-      <p:sp>
-        <p:nvSpPr>
-          <p:cNvPr id="6" name="Titel 5"/>
-          <p:cNvSpPr>
-            <a:spLocks noGrp="1"/>
-          </p:cNvSpPr>
-          <p:nvPr>
-            <p:ph type="title"/>
-          </p:nvPr>
-        </p:nvSpPr>
-        <p:spPr/>
-        <p:txBody>
-          <a:bodyPr/>
-          <a:lstStyle/>
-          <a:p>
-            <a:r>
-              <a:rPr lang="en-US" dirty="0"/>
-              <a:t>Thank you</a:t>
-            </a:r>
-          </a:p>
-        </p:txBody>
-      </p:sp>
-      <p:sp>
-        <p:nvSpPr>
-          <p:cNvPr id="7" name="Datumsplatzhalter 6"/>
-          <p:cNvSpPr>
-            <a:spLocks noGrp="1"/>
-          </p:cNvSpPr>
-          <p:nvPr>
-            <p:ph type="dt" sz="half" idx="10"/>
-          </p:nvPr>
-        </p:nvSpPr>
-        <p:spPr/>
-        <p:txBody>
-          <a:bodyPr/>
-          <a:lstStyle/>
-          <a:p>
-            <a:fld id="{16319B54-2BFB-42AC-8934-6FE8400019D1}" type="datetime4">
-              <a:rPr lang="en-US" noProof="0" smtClean="0"/>
-              <a:pPr/>
-              <a:t>March 11, 2019</a:t>
-            </a:fld>
-            <a:endParaRPr lang="en-US" noProof="0"/>
-          </a:p>
-        </p:txBody>
-      </p:sp>
-      <p:sp>
-        <p:nvSpPr>
-          <p:cNvPr id="8" name="Foliennummernplatzhalter 7"/>
-          <p:cNvSpPr>
-            <a:spLocks noGrp="1"/>
-          </p:cNvSpPr>
-          <p:nvPr>
-            <p:ph type="sldNum" sz="quarter" idx="11"/>
-          </p:nvPr>
-        </p:nvSpPr>
-        <p:spPr/>
-        <p:txBody>
-          <a:bodyPr/>
-          <a:lstStyle/>
-          <a:p>
-            <a:fld id="{ADA48181-2C78-49CB-8C52-912A07842C2E}" type="slidenum">
-              <a:rPr lang="en-US" noProof="0" smtClean="0"/>
-              <a:pPr/>
-              <a:t>13</a:t>
-            </a:fld>
-            <a:endParaRPr lang="en-US" noProof="0"/>
-          </a:p>
-        </p:txBody>
-      </p:sp>
-      <p:sp>
-        <p:nvSpPr>
-          <p:cNvPr id="11" name="Fußzeilenplatzhalter 10"/>
-          <p:cNvSpPr>
-            <a:spLocks noGrp="1"/>
-          </p:cNvSpPr>
-          <p:nvPr>
-            <p:ph type="ftr" sz="quarter" idx="12"/>
-          </p:nvPr>
-        </p:nvSpPr>
-        <p:spPr/>
-        <p:txBody>
-          <a:bodyPr/>
-          <a:lstStyle/>
-          <a:p>
-            <a:r>
-              <a:rPr lang="en-US" dirty="0" err="1"/>
-              <a:t>Schilasky</a:t>
-            </a:r>
-            <a:r>
-              <a:rPr lang="en-US" dirty="0"/>
-              <a:t> R.</a:t>
-            </a:r>
-            <a:r>
-              <a:rPr lang="en-US" noProof="0" dirty="0"/>
-              <a:t>,   © Continental AG</a:t>
-            </a:r>
-          </a:p>
-        </p:txBody>
-      </p:sp>
-    </p:spTree>
-    <p:custDataLst>
-      <p:tags r:id="rId1"/>
-    </p:custDataLst>
   </p:cSld>
   <p:clrMapOvr>
     <a:masterClrMapping/>
@@ -13845,7 +12939,7 @@
             <a:fld id="{1778E95C-90A9-47F3-94FC-26BB930BF367}" type="datetime4">
               <a:rPr lang="en-US" noProof="0" smtClean="0"/>
               <a:pPr/>
-              <a:t>March 11, 2019</a:t>
+              <a:t>December 4, 2019</a:t>
             </a:fld>
             <a:endParaRPr lang="en-US" noProof="0"/>
           </a:p>
@@ -14582,14 +13676,12 @@
         </p:nvSpPr>
         <p:spPr/>
         <p:txBody>
-          <a:bodyPr>
-            <a:normAutofit/>
-          </a:bodyPr>
+          <a:bodyPr/>
           <a:lstStyle/>
           <a:p>
             <a:r>
               <a:rPr lang="en-US" dirty="0"/>
-              <a:t>Overview</a:t>
+              <a:t>Features</a:t>
             </a:r>
             <a:br>
               <a:rPr lang="en-US" dirty="0"/>
@@ -14616,9 +13708,9 @@
             <a:fld id="{1778E95C-90A9-47F3-94FC-26BB930BF367}" type="datetime4">
               <a:rPr lang="en-US" noProof="0" smtClean="0"/>
               <a:pPr/>
-              <a:t>March 11, 2019</a:t>
+              <a:t>December 4, 2019</a:t>
             </a:fld>
-            <a:endParaRPr lang="en-US" noProof="0"/>
+            <a:endParaRPr lang="en-US" noProof="0" dirty="0"/>
           </a:p>
         </p:txBody>
       </p:sp>
@@ -14641,1516 +13733,6 @@
               <a:rPr lang="en-US" noProof="0" smtClean="0"/>
               <a:pPr/>
               <a:t>3</a:t>
-            </a:fld>
-            <a:endParaRPr lang="en-US" noProof="0"/>
-          </a:p>
-        </p:txBody>
-      </p:sp>
-      <p:sp>
-        <p:nvSpPr>
-          <p:cNvPr id="5" name="Fußzeilenplatzhalter 4"/>
-          <p:cNvSpPr>
-            <a:spLocks noGrp="1"/>
-          </p:cNvSpPr>
-          <p:nvPr>
-            <p:ph type="ftr" sz="quarter" idx="12"/>
-          </p:nvPr>
-        </p:nvSpPr>
-        <p:spPr/>
-        <p:txBody>
-          <a:bodyPr/>
-          <a:lstStyle/>
-          <a:p>
-            <a:r>
-              <a:rPr lang="en-US" dirty="0" err="1"/>
-              <a:t>Schilasky</a:t>
-            </a:r>
-            <a:r>
-              <a:rPr lang="en-US" dirty="0"/>
-              <a:t> R.</a:t>
-            </a:r>
-            <a:r>
-              <a:rPr lang="en-US" noProof="0" dirty="0"/>
-              <a:t>,   © Continental AG</a:t>
-            </a:r>
-          </a:p>
-        </p:txBody>
-      </p:sp>
-      <p:sp>
-        <p:nvSpPr>
-          <p:cNvPr id="8" name="Inhaltsplatzhalter 17"/>
-          <p:cNvSpPr txBox="1">
-            <a:spLocks/>
-          </p:cNvSpPr>
-          <p:nvPr/>
-        </p:nvSpPr>
-        <p:spPr>
-          <a:xfrm>
-            <a:off x="527051" y="1016733"/>
-            <a:ext cx="11077561" cy="4752529"/>
-          </a:xfrm>
-          <a:prstGeom prst="rect">
-            <a:avLst/>
-          </a:prstGeom>
-        </p:spPr>
-        <p:txBody>
-          <a:bodyPr vert="horz" lIns="0" tIns="18000" rIns="0" bIns="18000" rtlCol="0">
-            <a:normAutofit/>
-          </a:bodyPr>
-          <a:lstStyle/>
-          <a:p>
-            <a:pPr marL="177800" indent="-177800">
-              <a:spcAft>
-                <a:spcPts val="1200"/>
-              </a:spcAft>
-              <a:buClr>
-                <a:schemeClr val="accent1"/>
-              </a:buClr>
-              <a:buSzPct val="125000"/>
-              <a:buFont typeface="Arial" pitchFamily="34" charset="0"/>
-              <a:buChar char="›"/>
-              <a:defRPr/>
-            </a:pPr>
-            <a:r>
-              <a:rPr lang="en-US" dirty="0">
-                <a:cs typeface="Arial" pitchFamily="34" charset="0"/>
-              </a:rPr>
-              <a:t>implementation language: C++11</a:t>
-            </a:r>
-          </a:p>
-          <a:p>
-            <a:pPr marL="177800" indent="-177800">
-              <a:spcAft>
-                <a:spcPts val="1200"/>
-              </a:spcAft>
-              <a:buClr>
-                <a:schemeClr val="accent1"/>
-              </a:buClr>
-              <a:buSzPct val="125000"/>
-              <a:buFont typeface="Arial" pitchFamily="34" charset="0"/>
-              <a:buChar char="›"/>
-              <a:defRPr/>
-            </a:pPr>
-            <a:endParaRPr lang="en-US" i="1" dirty="0">
-              <a:cs typeface="Arial" pitchFamily="34" charset="0"/>
-            </a:endParaRPr>
-          </a:p>
-          <a:p>
-            <a:pPr marL="177800" indent="-177800">
-              <a:spcAft>
-                <a:spcPts val="1200"/>
-              </a:spcAft>
-              <a:buClr>
-                <a:schemeClr val="accent1"/>
-              </a:buClr>
-              <a:buSzPct val="125000"/>
-              <a:buFont typeface="Arial" pitchFamily="34" charset="0"/>
-              <a:buChar char="›"/>
-              <a:defRPr/>
-            </a:pPr>
-            <a:endParaRPr lang="en-US" i="1" dirty="0">
-              <a:cs typeface="Arial" pitchFamily="34" charset="0"/>
-            </a:endParaRPr>
-          </a:p>
-          <a:p>
-            <a:pPr marL="177800" indent="-177800">
-              <a:spcAft>
-                <a:spcPts val="1200"/>
-              </a:spcAft>
-              <a:buClr>
-                <a:schemeClr val="accent1"/>
-              </a:buClr>
-              <a:buSzPct val="125000"/>
-              <a:buFont typeface="Arial" pitchFamily="34" charset="0"/>
-              <a:buChar char="›"/>
-              <a:defRPr/>
-            </a:pPr>
-            <a:endParaRPr lang="en-US" i="1" dirty="0">
-              <a:cs typeface="Arial" pitchFamily="34" charset="0"/>
-            </a:endParaRPr>
-          </a:p>
-          <a:p>
-            <a:pPr marL="177800" indent="-177800">
-              <a:spcAft>
-                <a:spcPts val="1200"/>
-              </a:spcAft>
-              <a:buClr>
-                <a:schemeClr val="accent1"/>
-              </a:buClr>
-              <a:buSzPct val="125000"/>
-              <a:buFont typeface="Arial" pitchFamily="34" charset="0"/>
-              <a:buChar char="›"/>
-              <a:defRPr/>
-            </a:pPr>
-            <a:endParaRPr lang="en-US" i="1" dirty="0">
-              <a:cs typeface="Arial" pitchFamily="34" charset="0"/>
-            </a:endParaRPr>
-          </a:p>
-          <a:p>
-            <a:pPr marL="177800" indent="-177800">
-              <a:spcAft>
-                <a:spcPts val="1200"/>
-              </a:spcAft>
-              <a:buClr>
-                <a:schemeClr val="accent1"/>
-              </a:buClr>
-              <a:buSzPct val="125000"/>
-              <a:buFont typeface="Arial" pitchFamily="34" charset="0"/>
-              <a:buChar char="›"/>
-              <a:defRPr/>
-            </a:pPr>
-            <a:endParaRPr lang="en-US" i="1" dirty="0">
-              <a:cs typeface="Arial" pitchFamily="34" charset="0"/>
-            </a:endParaRPr>
-          </a:p>
-          <a:p>
-            <a:pPr marL="177800" indent="-177800">
-              <a:spcAft>
-                <a:spcPts val="1200"/>
-              </a:spcAft>
-              <a:buClr>
-                <a:schemeClr val="accent1"/>
-              </a:buClr>
-              <a:buSzPct val="125000"/>
-              <a:buFont typeface="Arial" pitchFamily="34" charset="0"/>
-              <a:buChar char="›"/>
-              <a:defRPr/>
-            </a:pPr>
-            <a:endParaRPr lang="en-US" i="1" dirty="0">
-              <a:cs typeface="Arial" pitchFamily="34" charset="0"/>
-            </a:endParaRPr>
-          </a:p>
-          <a:p>
-            <a:pPr marL="177800" indent="-177800">
-              <a:spcAft>
-                <a:spcPts val="1200"/>
-              </a:spcAft>
-              <a:buClr>
-                <a:schemeClr val="accent1"/>
-              </a:buClr>
-              <a:buSzPct val="125000"/>
-              <a:buFont typeface="Arial" pitchFamily="34" charset="0"/>
-              <a:buChar char="›"/>
-              <a:defRPr/>
-            </a:pPr>
-            <a:endParaRPr lang="en-US" dirty="0">
-              <a:cs typeface="Arial" pitchFamily="34" charset="0"/>
-            </a:endParaRPr>
-          </a:p>
-          <a:p>
-            <a:pPr marL="177800" indent="-177800">
-              <a:spcAft>
-                <a:spcPts val="600"/>
-              </a:spcAft>
-              <a:buClr>
-                <a:schemeClr val="accent1"/>
-              </a:buClr>
-              <a:buSzPct val="125000"/>
-              <a:buFont typeface="Arial" pitchFamily="34" charset="0"/>
-              <a:buChar char="›"/>
-              <a:defRPr/>
-            </a:pPr>
-            <a:endParaRPr lang="en-US" sz="1600" dirty="0">
-              <a:cs typeface="Arial" pitchFamily="34" charset="0"/>
-            </a:endParaRPr>
-          </a:p>
-        </p:txBody>
-      </p:sp>
-      <p:sp>
-        <p:nvSpPr>
-          <p:cNvPr id="9" name="Rechteck 16"/>
-          <p:cNvSpPr/>
-          <p:nvPr/>
-        </p:nvSpPr>
-        <p:spPr>
-          <a:xfrm flipV="1">
-            <a:off x="1235460" y="2097516"/>
-            <a:ext cx="2019130" cy="94054"/>
-          </a:xfrm>
-          <a:prstGeom prst="rect">
-            <a:avLst/>
-          </a:prstGeom>
-          <a:solidFill>
-            <a:schemeClr val="accent2"/>
-          </a:solidFill>
-          <a:ln w="9525">
-            <a:noFill/>
-          </a:ln>
-        </p:spPr>
-        <p:style>
-          <a:lnRef idx="1">
-            <a:schemeClr val="accent1"/>
-          </a:lnRef>
-          <a:fillRef idx="0">
-            <a:schemeClr val="accent1"/>
-          </a:fillRef>
-          <a:effectRef idx="0">
-            <a:schemeClr val="accent1"/>
-          </a:effectRef>
-          <a:fontRef idx="minor">
-            <a:schemeClr val="tx1"/>
-          </a:fontRef>
-        </p:style>
-        <p:txBody>
-          <a:bodyPr rtlCol="0" anchor="ctr"/>
-          <a:lstStyle/>
-          <a:p>
-            <a:pPr algn="ctr"/>
-            <a:endParaRPr lang="en-US" sz="1600" dirty="0" err="1">
-              <a:solidFill>
-                <a:schemeClr val="bg2">
-                  <a:lumMod val="10000"/>
-                </a:schemeClr>
-              </a:solidFill>
-            </a:endParaRPr>
-          </a:p>
-        </p:txBody>
-      </p:sp>
-      <p:sp>
-        <p:nvSpPr>
-          <p:cNvPr id="10" name="Rechteck 17"/>
-          <p:cNvSpPr/>
-          <p:nvPr/>
-        </p:nvSpPr>
-        <p:spPr>
-          <a:xfrm flipV="1">
-            <a:off x="4619836" y="2096852"/>
-            <a:ext cx="2160000" cy="108000"/>
-          </a:xfrm>
-          <a:prstGeom prst="rect">
-            <a:avLst/>
-          </a:prstGeom>
-          <a:solidFill>
-            <a:schemeClr val="accent3"/>
-          </a:solidFill>
-          <a:ln w="9525">
-            <a:noFill/>
-          </a:ln>
-        </p:spPr>
-        <p:style>
-          <a:lnRef idx="1">
-            <a:schemeClr val="accent1"/>
-          </a:lnRef>
-          <a:fillRef idx="0">
-            <a:schemeClr val="accent1"/>
-          </a:fillRef>
-          <a:effectRef idx="0">
-            <a:schemeClr val="accent1"/>
-          </a:effectRef>
-          <a:fontRef idx="minor">
-            <a:schemeClr val="tx1"/>
-          </a:fontRef>
-        </p:style>
-        <p:txBody>
-          <a:bodyPr rtlCol="0" anchor="ctr"/>
-          <a:lstStyle/>
-          <a:p>
-            <a:pPr algn="ctr"/>
-            <a:endParaRPr lang="en-US" sz="1600" dirty="0" err="1">
-              <a:solidFill>
-                <a:schemeClr val="bg2">
-                  <a:lumMod val="10000"/>
-                </a:schemeClr>
-              </a:solidFill>
-            </a:endParaRPr>
-          </a:p>
-        </p:txBody>
-      </p:sp>
-      <p:sp>
-        <p:nvSpPr>
-          <p:cNvPr id="11" name="Rechteck 18"/>
-          <p:cNvSpPr/>
-          <p:nvPr/>
-        </p:nvSpPr>
-        <p:spPr>
-          <a:xfrm flipV="1">
-            <a:off x="8256240" y="2096852"/>
-            <a:ext cx="2160000" cy="108000"/>
-          </a:xfrm>
-          <a:prstGeom prst="rect">
-            <a:avLst/>
-          </a:prstGeom>
-          <a:solidFill>
-            <a:schemeClr val="accent4"/>
-          </a:solidFill>
-          <a:ln w="9525">
-            <a:noFill/>
-          </a:ln>
-        </p:spPr>
-        <p:style>
-          <a:lnRef idx="1">
-            <a:schemeClr val="accent1"/>
-          </a:lnRef>
-          <a:fillRef idx="0">
-            <a:schemeClr val="accent1"/>
-          </a:fillRef>
-          <a:effectRef idx="0">
-            <a:schemeClr val="accent1"/>
-          </a:effectRef>
-          <a:fontRef idx="minor">
-            <a:schemeClr val="tx1"/>
-          </a:fontRef>
-        </p:style>
-        <p:txBody>
-          <a:bodyPr rtlCol="0" anchor="ctr"/>
-          <a:lstStyle/>
-          <a:p>
-            <a:pPr algn="ctr"/>
-            <a:endParaRPr lang="en-US" sz="1600" dirty="0" err="1">
-              <a:solidFill>
-                <a:schemeClr val="bg2">
-                  <a:lumMod val="10000"/>
-                </a:schemeClr>
-              </a:solidFill>
-            </a:endParaRPr>
-          </a:p>
-        </p:txBody>
-      </p:sp>
-      <p:pic>
-        <p:nvPicPr>
-          <p:cNvPr id="1026" name="Picture 2"/>
-          <p:cNvPicPr>
-            <a:picLocks noChangeAspect="1" noChangeArrowheads="1"/>
-          </p:cNvPicPr>
-          <p:nvPr/>
-        </p:nvPicPr>
-        <p:blipFill>
-          <a:blip r:embed="rId3"/>
-          <a:srcRect/>
-          <a:stretch>
-            <a:fillRect/>
-          </a:stretch>
-        </p:blipFill>
-        <p:spPr bwMode="auto">
-          <a:xfrm>
-            <a:off x="1320890" y="2368177"/>
-            <a:ext cx="1829301" cy="520182"/>
-          </a:xfrm>
-          <a:prstGeom prst="rect">
-            <a:avLst/>
-          </a:prstGeom>
-          <a:noFill/>
-          <a:ln w="9525">
-            <a:noFill/>
-            <a:miter lim="800000"/>
-            <a:headEnd/>
-            <a:tailEnd/>
-          </a:ln>
-        </p:spPr>
-      </p:pic>
-      <p:pic>
-        <p:nvPicPr>
-          <p:cNvPr id="1036" name="Picture 12"/>
-          <p:cNvPicPr>
-            <a:picLocks noChangeAspect="1" noChangeArrowheads="1"/>
-          </p:cNvPicPr>
-          <p:nvPr/>
-        </p:nvPicPr>
-        <p:blipFill>
-          <a:blip r:embed="rId4"/>
-          <a:srcRect/>
-          <a:stretch>
-            <a:fillRect/>
-          </a:stretch>
-        </p:blipFill>
-        <p:spPr bwMode="auto">
-          <a:xfrm>
-            <a:off x="4764222" y="2384885"/>
-            <a:ext cx="1914730" cy="503474"/>
-          </a:xfrm>
-          <a:prstGeom prst="rect">
-            <a:avLst/>
-          </a:prstGeom>
-          <a:noFill/>
-          <a:ln w="9525">
-            <a:noFill/>
-            <a:miter lim="800000"/>
-            <a:headEnd/>
-            <a:tailEnd/>
-          </a:ln>
-        </p:spPr>
-      </p:pic>
-      <p:pic>
-        <p:nvPicPr>
-          <p:cNvPr id="1039" name="Picture 15"/>
-          <p:cNvPicPr>
-            <a:picLocks noChangeAspect="1" noChangeArrowheads="1"/>
-          </p:cNvPicPr>
-          <p:nvPr/>
-        </p:nvPicPr>
-        <p:blipFill>
-          <a:blip r:embed="rId5"/>
-          <a:srcRect/>
-          <a:stretch>
-            <a:fillRect/>
-          </a:stretch>
-        </p:blipFill>
-        <p:spPr bwMode="auto">
-          <a:xfrm>
-            <a:off x="4907869" y="3264758"/>
-            <a:ext cx="1620180" cy="709968"/>
-          </a:xfrm>
-          <a:prstGeom prst="rect">
-            <a:avLst/>
-          </a:prstGeom>
-          <a:noFill/>
-          <a:ln w="9525">
-            <a:noFill/>
-            <a:miter lim="800000"/>
-            <a:headEnd/>
-            <a:tailEnd/>
-          </a:ln>
-        </p:spPr>
-      </p:pic>
-      <p:pic>
-        <p:nvPicPr>
-          <p:cNvPr id="1043" name="Picture 19"/>
-          <p:cNvPicPr>
-            <a:picLocks noChangeAspect="1" noChangeArrowheads="1"/>
-          </p:cNvPicPr>
-          <p:nvPr/>
-        </p:nvPicPr>
-        <p:blipFill>
-          <a:blip r:embed="rId6"/>
-          <a:srcRect/>
-          <a:stretch>
-            <a:fillRect/>
-          </a:stretch>
-        </p:blipFill>
-        <p:spPr bwMode="auto">
-          <a:xfrm>
-            <a:off x="9120336" y="3540687"/>
-            <a:ext cx="576064" cy="392370"/>
-          </a:xfrm>
-          <a:prstGeom prst="rect">
-            <a:avLst/>
-          </a:prstGeom>
-          <a:noFill/>
-          <a:ln w="9525">
-            <a:noFill/>
-            <a:miter lim="800000"/>
-            <a:headEnd/>
-            <a:tailEnd/>
-          </a:ln>
-        </p:spPr>
-      </p:pic>
-      <p:pic>
-        <p:nvPicPr>
-          <p:cNvPr id="1048" name="Picture 24"/>
-          <p:cNvPicPr>
-            <a:picLocks noChangeAspect="1" noChangeArrowheads="1"/>
-          </p:cNvPicPr>
-          <p:nvPr/>
-        </p:nvPicPr>
-        <p:blipFill>
-          <a:blip r:embed="rId7"/>
-          <a:srcRect/>
-          <a:stretch>
-            <a:fillRect/>
-          </a:stretch>
-        </p:blipFill>
-        <p:spPr bwMode="auto">
-          <a:xfrm>
-            <a:off x="9137471" y="2949927"/>
-            <a:ext cx="624840" cy="316178"/>
-          </a:xfrm>
-          <a:prstGeom prst="rect">
-            <a:avLst/>
-          </a:prstGeom>
-          <a:noFill/>
-          <a:ln w="9525">
-            <a:noFill/>
-            <a:miter lim="800000"/>
-            <a:headEnd/>
-            <a:tailEnd/>
-          </a:ln>
-        </p:spPr>
-      </p:pic>
-      <p:pic>
-        <p:nvPicPr>
-          <p:cNvPr id="1049" name="Picture 25"/>
-          <p:cNvPicPr>
-            <a:picLocks noChangeAspect="1" noChangeArrowheads="1"/>
-          </p:cNvPicPr>
-          <p:nvPr/>
-        </p:nvPicPr>
-        <p:blipFill>
-          <a:blip r:embed="rId8"/>
-          <a:srcRect/>
-          <a:stretch>
-            <a:fillRect/>
-          </a:stretch>
-        </p:blipFill>
-        <p:spPr bwMode="auto">
-          <a:xfrm>
-            <a:off x="9137888" y="2373863"/>
-            <a:ext cx="281942" cy="316178"/>
-          </a:xfrm>
-          <a:prstGeom prst="rect">
-            <a:avLst/>
-          </a:prstGeom>
-          <a:noFill/>
-          <a:ln w="9525">
-            <a:noFill/>
-            <a:miter lim="800000"/>
-            <a:headEnd/>
-            <a:tailEnd/>
-          </a:ln>
-        </p:spPr>
-      </p:pic>
-      <p:pic>
-        <p:nvPicPr>
-          <p:cNvPr id="24" name="Picture 18"/>
-          <p:cNvPicPr>
-            <a:picLocks noChangeAspect="1" noChangeArrowheads="1"/>
-          </p:cNvPicPr>
-          <p:nvPr/>
-        </p:nvPicPr>
-        <p:blipFill>
-          <a:blip r:embed="rId9"/>
-          <a:srcRect/>
-          <a:stretch>
-            <a:fillRect/>
-          </a:stretch>
-        </p:blipFill>
-        <p:spPr bwMode="auto">
-          <a:xfrm>
-            <a:off x="8495267" y="4163746"/>
-            <a:ext cx="1642442" cy="555776"/>
-          </a:xfrm>
-          <a:prstGeom prst="rect">
-            <a:avLst/>
-          </a:prstGeom>
-          <a:noFill/>
-          <a:ln w="9525">
-            <a:noFill/>
-            <a:miter lim="800000"/>
-            <a:headEnd/>
-            <a:tailEnd/>
-          </a:ln>
-        </p:spPr>
-      </p:pic>
-      <p:pic>
-        <p:nvPicPr>
-          <p:cNvPr id="6" name="Picture 2" descr="D:\hdf_logo.jpg"/>
-          <p:cNvPicPr>
-            <a:picLocks noChangeAspect="1" noChangeArrowheads="1"/>
-          </p:cNvPicPr>
-          <p:nvPr/>
-        </p:nvPicPr>
-        <p:blipFill>
-          <a:blip r:embed="rId10"/>
-          <a:srcRect/>
-          <a:stretch>
-            <a:fillRect/>
-          </a:stretch>
-        </p:blipFill>
-        <p:spPr bwMode="auto">
-          <a:xfrm>
-            <a:off x="1330375" y="3162963"/>
-            <a:ext cx="1741536" cy="586362"/>
-          </a:xfrm>
-          <a:prstGeom prst="rect">
-            <a:avLst/>
-          </a:prstGeom>
-          <a:noFill/>
-        </p:spPr>
-      </p:pic>
-      <p:pic>
-        <p:nvPicPr>
-          <p:cNvPr id="15" name="Grafik 14">
-            <a:extLst>
-              <a:ext uri="{FF2B5EF4-FFF2-40B4-BE49-F238E27FC236}">
-                <a16:creationId xmlns:a16="http://schemas.microsoft.com/office/drawing/2014/main" id="{DBD33029-BB36-48B8-A2C9-21209BC49958}"/>
-              </a:ext>
-            </a:extLst>
-          </p:cNvPr>
-          <p:cNvPicPr>
-            <a:picLocks noChangeAspect="1"/>
-          </p:cNvPicPr>
-          <p:nvPr/>
-        </p:nvPicPr>
-        <p:blipFill>
-          <a:blip r:embed="rId11"/>
-          <a:stretch>
-            <a:fillRect/>
-          </a:stretch>
-        </p:blipFill>
-        <p:spPr>
-          <a:xfrm>
-            <a:off x="1717447" y="3986586"/>
-            <a:ext cx="1011720" cy="1011720"/>
-          </a:xfrm>
-          <a:prstGeom prst="rect">
-            <a:avLst/>
-          </a:prstGeom>
-        </p:spPr>
-      </p:pic>
-      <p:sp>
-        <p:nvSpPr>
-          <p:cNvPr id="16" name="Textfeld 15">
-            <a:extLst>
-              <a:ext uri="{FF2B5EF4-FFF2-40B4-BE49-F238E27FC236}">
-                <a16:creationId xmlns:a16="http://schemas.microsoft.com/office/drawing/2014/main" id="{7CEA62AC-EDDE-4616-AD84-1A77330D0BDB}"/>
-              </a:ext>
-            </a:extLst>
-          </p:cNvPr>
-          <p:cNvSpPr txBox="1"/>
-          <p:nvPr/>
-        </p:nvSpPr>
-        <p:spPr>
-          <a:xfrm>
-            <a:off x="1235460" y="1736812"/>
-            <a:ext cx="2019130" cy="338554"/>
-          </a:xfrm>
-          <a:prstGeom prst="rect">
-            <a:avLst/>
-          </a:prstGeom>
-          <a:noFill/>
-        </p:spPr>
-        <p:txBody>
-          <a:bodyPr wrap="square" rtlCol="0">
-            <a:spAutoFit/>
-          </a:bodyPr>
-          <a:lstStyle/>
-          <a:p>
-            <a:pPr algn="ctr"/>
-            <a:r>
-              <a:rPr lang="de-DE" sz="1600" b="1" dirty="0" err="1"/>
-              <a:t>Dependencies</a:t>
-            </a:r>
-            <a:endParaRPr lang="de-DE" sz="1600" b="1" dirty="0"/>
-          </a:p>
-        </p:txBody>
-      </p:sp>
-      <p:sp>
-        <p:nvSpPr>
-          <p:cNvPr id="25" name="Textfeld 24">
-            <a:extLst>
-              <a:ext uri="{FF2B5EF4-FFF2-40B4-BE49-F238E27FC236}">
-                <a16:creationId xmlns:a16="http://schemas.microsoft.com/office/drawing/2014/main" id="{602D01EC-55EF-4A61-850B-3E61BEF79D82}"/>
-              </a:ext>
-            </a:extLst>
-          </p:cNvPr>
-          <p:cNvSpPr txBox="1"/>
-          <p:nvPr/>
-        </p:nvSpPr>
-        <p:spPr>
-          <a:xfrm>
-            <a:off x="4688938" y="1736812"/>
-            <a:ext cx="2019130" cy="338554"/>
-          </a:xfrm>
-          <a:prstGeom prst="rect">
-            <a:avLst/>
-          </a:prstGeom>
-          <a:noFill/>
-        </p:spPr>
-        <p:txBody>
-          <a:bodyPr wrap="square" rtlCol="0">
-            <a:spAutoFit/>
-          </a:bodyPr>
-          <a:lstStyle/>
-          <a:p>
-            <a:pPr algn="ctr"/>
-            <a:r>
-              <a:rPr lang="de-DE" sz="1600" b="1" dirty="0" err="1"/>
-              <a:t>Plattforms</a:t>
-            </a:r>
-            <a:endParaRPr lang="de-DE" sz="1600" b="1" dirty="0"/>
-          </a:p>
-        </p:txBody>
-      </p:sp>
-      <p:sp>
-        <p:nvSpPr>
-          <p:cNvPr id="26" name="Textfeld 25">
-            <a:extLst>
-              <a:ext uri="{FF2B5EF4-FFF2-40B4-BE49-F238E27FC236}">
-                <a16:creationId xmlns:a16="http://schemas.microsoft.com/office/drawing/2014/main" id="{A19A35C0-80E7-434D-88EC-9211E6603124}"/>
-              </a:ext>
-            </a:extLst>
-          </p:cNvPr>
-          <p:cNvSpPr txBox="1"/>
-          <p:nvPr/>
-        </p:nvSpPr>
-        <p:spPr>
-          <a:xfrm>
-            <a:off x="8325341" y="1736812"/>
-            <a:ext cx="2019130" cy="338554"/>
-          </a:xfrm>
-          <a:prstGeom prst="rect">
-            <a:avLst/>
-          </a:prstGeom>
-          <a:noFill/>
-        </p:spPr>
-        <p:txBody>
-          <a:bodyPr wrap="square" rtlCol="0">
-            <a:spAutoFit/>
-          </a:bodyPr>
-          <a:lstStyle/>
-          <a:p>
-            <a:pPr algn="ctr"/>
-            <a:r>
-              <a:rPr lang="de-DE" sz="1600" b="1" dirty="0" err="1"/>
-              <a:t>Languages</a:t>
-            </a:r>
-            <a:endParaRPr lang="de-DE" sz="1600" b="1" dirty="0"/>
-          </a:p>
-        </p:txBody>
-      </p:sp>
-      <p:pic>
-        <p:nvPicPr>
-          <p:cNvPr id="18" name="Grafik 17">
-            <a:extLst>
-              <a:ext uri="{FF2B5EF4-FFF2-40B4-BE49-F238E27FC236}">
-                <a16:creationId xmlns:a16="http://schemas.microsoft.com/office/drawing/2014/main" id="{C38E445C-D32D-485D-915F-42E647392F00}"/>
-              </a:ext>
-            </a:extLst>
-          </p:cNvPr>
-          <p:cNvPicPr>
-            <a:picLocks noChangeAspect="1"/>
-          </p:cNvPicPr>
-          <p:nvPr/>
-        </p:nvPicPr>
-        <p:blipFill>
-          <a:blip r:embed="rId12"/>
-          <a:stretch>
-            <a:fillRect/>
-          </a:stretch>
-        </p:blipFill>
-        <p:spPr>
-          <a:xfrm>
-            <a:off x="8457584" y="5017997"/>
-            <a:ext cx="2043265" cy="772751"/>
-          </a:xfrm>
-          <a:prstGeom prst="rect">
-            <a:avLst/>
-          </a:prstGeom>
-        </p:spPr>
-      </p:pic>
-      <p:pic>
-        <p:nvPicPr>
-          <p:cNvPr id="20" name="Grafik 19">
-            <a:extLst>
-              <a:ext uri="{FF2B5EF4-FFF2-40B4-BE49-F238E27FC236}">
-                <a16:creationId xmlns:a16="http://schemas.microsoft.com/office/drawing/2014/main" id="{7E776572-6DBC-400F-8EEB-9EB5A1D88E0D}"/>
-              </a:ext>
-            </a:extLst>
-          </p:cNvPr>
-          <p:cNvPicPr>
-            <a:picLocks noChangeAspect="1"/>
-          </p:cNvPicPr>
-          <p:nvPr/>
-        </p:nvPicPr>
-        <p:blipFill>
-          <a:blip r:embed="rId13"/>
-          <a:stretch>
-            <a:fillRect/>
-          </a:stretch>
-        </p:blipFill>
-        <p:spPr>
-          <a:xfrm>
-            <a:off x="4849910" y="4163746"/>
-            <a:ext cx="1829043" cy="1029748"/>
-          </a:xfrm>
-          <a:prstGeom prst="rect">
-            <a:avLst/>
-          </a:prstGeom>
-        </p:spPr>
-      </p:pic>
-    </p:spTree>
-  </p:cSld>
-  <p:clrMapOvr>
-    <a:masterClrMapping/>
-  </p:clrMapOvr>
-  <p:transition>
-    <p:fade/>
-  </p:transition>
-  <p:timing>
-    <p:tnLst>
-      <p:par>
-        <p:cTn id="1" dur="indefinite" restart="never" nodeType="tmRoot">
-          <p:childTnLst>
-            <p:seq concurrent="1" nextAc="seek">
-              <p:cTn id="2" dur="indefinite" nodeType="mainSeq">
-                <p:childTnLst>
-                  <p:par>
-                    <p:cTn id="3" fill="hold">
-                      <p:stCondLst>
-                        <p:cond delay="indefinite"/>
-                      </p:stCondLst>
-                      <p:childTnLst>
-                        <p:par>
-                          <p:cTn id="4" fill="hold">
-                            <p:stCondLst>
-                              <p:cond delay="0"/>
-                            </p:stCondLst>
-                            <p:childTnLst>
-                              <p:par>
-                                <p:cTn id="5" presetID="1" presetClass="entr" presetSubtype="0" fill="hold" grpId="0" nodeType="clickEffect">
-                                  <p:stCondLst>
-                                    <p:cond delay="0"/>
-                                  </p:stCondLst>
-                                  <p:childTnLst>
-                                    <p:set>
-                                      <p:cBhvr>
-                                        <p:cTn id="6" dur="1" fill="hold">
-                                          <p:stCondLst>
-                                            <p:cond delay="0"/>
-                                          </p:stCondLst>
-                                        </p:cTn>
-                                        <p:tgtEl>
-                                          <p:spTgt spid="8"/>
-                                        </p:tgtEl>
-                                        <p:attrNameLst>
-                                          <p:attrName>style.visibility</p:attrName>
-                                        </p:attrNameLst>
-                                      </p:cBhvr>
-                                      <p:to>
-                                        <p:strVal val="visible"/>
-                                      </p:to>
-                                    </p:set>
-                                  </p:childTnLst>
-                                </p:cTn>
-                              </p:par>
-                            </p:childTnLst>
-                          </p:cTn>
-                        </p:par>
-                      </p:childTnLst>
-                    </p:cTn>
-                  </p:par>
-                  <p:par>
-                    <p:cTn id="7" fill="hold">
-                      <p:stCondLst>
-                        <p:cond delay="indefinite"/>
-                      </p:stCondLst>
-                      <p:childTnLst>
-                        <p:par>
-                          <p:cTn id="8" fill="hold">
-                            <p:stCondLst>
-                              <p:cond delay="0"/>
-                            </p:stCondLst>
-                            <p:childTnLst>
-                              <p:par>
-                                <p:cTn id="9" presetID="1" presetClass="entr" presetSubtype="0" fill="hold" grpId="0" nodeType="clickEffect">
-                                  <p:stCondLst>
-                                    <p:cond delay="0"/>
-                                  </p:stCondLst>
-                                  <p:childTnLst>
-                                    <p:set>
-                                      <p:cBhvr>
-                                        <p:cTn id="10" dur="1" fill="hold">
-                                          <p:stCondLst>
-                                            <p:cond delay="0"/>
-                                          </p:stCondLst>
-                                        </p:cTn>
-                                        <p:tgtEl>
-                                          <p:spTgt spid="9"/>
-                                        </p:tgtEl>
-                                        <p:attrNameLst>
-                                          <p:attrName>style.visibility</p:attrName>
-                                        </p:attrNameLst>
-                                      </p:cBhvr>
-                                      <p:to>
-                                        <p:strVal val="visible"/>
-                                      </p:to>
-                                    </p:set>
-                                  </p:childTnLst>
-                                </p:cTn>
-                              </p:par>
-                              <p:par>
-                                <p:cTn id="11" presetID="1" presetClass="entr" presetSubtype="0" fill="hold" nodeType="withEffect">
-                                  <p:stCondLst>
-                                    <p:cond delay="0"/>
-                                  </p:stCondLst>
-                                  <p:childTnLst>
-                                    <p:set>
-                                      <p:cBhvr>
-                                        <p:cTn id="12" dur="1" fill="hold">
-                                          <p:stCondLst>
-                                            <p:cond delay="0"/>
-                                          </p:stCondLst>
-                                        </p:cTn>
-                                        <p:tgtEl>
-                                          <p:spTgt spid="1026"/>
-                                        </p:tgtEl>
-                                        <p:attrNameLst>
-                                          <p:attrName>style.visibility</p:attrName>
-                                        </p:attrNameLst>
-                                      </p:cBhvr>
-                                      <p:to>
-                                        <p:strVal val="visible"/>
-                                      </p:to>
-                                    </p:set>
-                                  </p:childTnLst>
-                                </p:cTn>
-                              </p:par>
-                              <p:par>
-                                <p:cTn id="13" presetID="1" presetClass="entr" presetSubtype="0" fill="hold" nodeType="withEffect">
-                                  <p:stCondLst>
-                                    <p:cond delay="0"/>
-                                  </p:stCondLst>
-                                  <p:childTnLst>
-                                    <p:set>
-                                      <p:cBhvr>
-                                        <p:cTn id="14" dur="1" fill="hold">
-                                          <p:stCondLst>
-                                            <p:cond delay="0"/>
-                                          </p:stCondLst>
-                                        </p:cTn>
-                                        <p:tgtEl>
-                                          <p:spTgt spid="6"/>
-                                        </p:tgtEl>
-                                        <p:attrNameLst>
-                                          <p:attrName>style.visibility</p:attrName>
-                                        </p:attrNameLst>
-                                      </p:cBhvr>
-                                      <p:to>
-                                        <p:strVal val="visible"/>
-                                      </p:to>
-                                    </p:set>
-                                  </p:childTnLst>
-                                </p:cTn>
-                              </p:par>
-                              <p:par>
-                                <p:cTn id="15" presetID="1" presetClass="entr" presetSubtype="0" fill="hold" nodeType="withEffect">
-                                  <p:stCondLst>
-                                    <p:cond delay="0"/>
-                                  </p:stCondLst>
-                                  <p:childTnLst>
-                                    <p:set>
-                                      <p:cBhvr>
-                                        <p:cTn id="16" dur="1" fill="hold">
-                                          <p:stCondLst>
-                                            <p:cond delay="0"/>
-                                          </p:stCondLst>
-                                        </p:cTn>
-                                        <p:tgtEl>
-                                          <p:spTgt spid="15"/>
-                                        </p:tgtEl>
-                                        <p:attrNameLst>
-                                          <p:attrName>style.visibility</p:attrName>
-                                        </p:attrNameLst>
-                                      </p:cBhvr>
-                                      <p:to>
-                                        <p:strVal val="visible"/>
-                                      </p:to>
-                                    </p:set>
-                                  </p:childTnLst>
-                                </p:cTn>
-                              </p:par>
-                              <p:par>
-                                <p:cTn id="17" presetID="1" presetClass="entr" presetSubtype="0" fill="hold" grpId="0" nodeType="withEffect">
-                                  <p:stCondLst>
-                                    <p:cond delay="0"/>
-                                  </p:stCondLst>
-                                  <p:childTnLst>
-                                    <p:set>
-                                      <p:cBhvr>
-                                        <p:cTn id="18" dur="1" fill="hold">
-                                          <p:stCondLst>
-                                            <p:cond delay="0"/>
-                                          </p:stCondLst>
-                                        </p:cTn>
-                                        <p:tgtEl>
-                                          <p:spTgt spid="16"/>
-                                        </p:tgtEl>
-                                        <p:attrNameLst>
-                                          <p:attrName>style.visibility</p:attrName>
-                                        </p:attrNameLst>
-                                      </p:cBhvr>
-                                      <p:to>
-                                        <p:strVal val="visible"/>
-                                      </p:to>
-                                    </p:set>
-                                  </p:childTnLst>
-                                </p:cTn>
-                              </p:par>
-                            </p:childTnLst>
-                          </p:cTn>
-                        </p:par>
-                      </p:childTnLst>
-                    </p:cTn>
-                  </p:par>
-                  <p:par>
-                    <p:cTn id="19" fill="hold">
-                      <p:stCondLst>
-                        <p:cond delay="indefinite"/>
-                      </p:stCondLst>
-                      <p:childTnLst>
-                        <p:par>
-                          <p:cTn id="20" fill="hold">
-                            <p:stCondLst>
-                              <p:cond delay="0"/>
-                            </p:stCondLst>
-                            <p:childTnLst>
-                              <p:par>
-                                <p:cTn id="21" presetID="1" presetClass="entr" presetSubtype="0" fill="hold" grpId="0" nodeType="clickEffect">
-                                  <p:stCondLst>
-                                    <p:cond delay="0"/>
-                                  </p:stCondLst>
-                                  <p:childTnLst>
-                                    <p:set>
-                                      <p:cBhvr>
-                                        <p:cTn id="22" dur="1" fill="hold">
-                                          <p:stCondLst>
-                                            <p:cond delay="0"/>
-                                          </p:stCondLst>
-                                        </p:cTn>
-                                        <p:tgtEl>
-                                          <p:spTgt spid="10"/>
-                                        </p:tgtEl>
-                                        <p:attrNameLst>
-                                          <p:attrName>style.visibility</p:attrName>
-                                        </p:attrNameLst>
-                                      </p:cBhvr>
-                                      <p:to>
-                                        <p:strVal val="visible"/>
-                                      </p:to>
-                                    </p:set>
-                                  </p:childTnLst>
-                                </p:cTn>
-                              </p:par>
-                              <p:par>
-                                <p:cTn id="23" presetID="1" presetClass="entr" presetSubtype="0" fill="hold" nodeType="withEffect">
-                                  <p:stCondLst>
-                                    <p:cond delay="0"/>
-                                  </p:stCondLst>
-                                  <p:childTnLst>
-                                    <p:set>
-                                      <p:cBhvr>
-                                        <p:cTn id="24" dur="1" fill="hold">
-                                          <p:stCondLst>
-                                            <p:cond delay="0"/>
-                                          </p:stCondLst>
-                                        </p:cTn>
-                                        <p:tgtEl>
-                                          <p:spTgt spid="1036"/>
-                                        </p:tgtEl>
-                                        <p:attrNameLst>
-                                          <p:attrName>style.visibility</p:attrName>
-                                        </p:attrNameLst>
-                                      </p:cBhvr>
-                                      <p:to>
-                                        <p:strVal val="visible"/>
-                                      </p:to>
-                                    </p:set>
-                                  </p:childTnLst>
-                                </p:cTn>
-                              </p:par>
-                              <p:par>
-                                <p:cTn id="25" presetID="1" presetClass="entr" presetSubtype="0" fill="hold" nodeType="withEffect">
-                                  <p:stCondLst>
-                                    <p:cond delay="0"/>
-                                  </p:stCondLst>
-                                  <p:childTnLst>
-                                    <p:set>
-                                      <p:cBhvr>
-                                        <p:cTn id="26" dur="1" fill="hold">
-                                          <p:stCondLst>
-                                            <p:cond delay="0"/>
-                                          </p:stCondLst>
-                                        </p:cTn>
-                                        <p:tgtEl>
-                                          <p:spTgt spid="1039"/>
-                                        </p:tgtEl>
-                                        <p:attrNameLst>
-                                          <p:attrName>style.visibility</p:attrName>
-                                        </p:attrNameLst>
-                                      </p:cBhvr>
-                                      <p:to>
-                                        <p:strVal val="visible"/>
-                                      </p:to>
-                                    </p:set>
-                                  </p:childTnLst>
-                                </p:cTn>
-                              </p:par>
-                              <p:par>
-                                <p:cTn id="27" presetID="1" presetClass="entr" presetSubtype="0" fill="hold" grpId="0" nodeType="withEffect">
-                                  <p:stCondLst>
-                                    <p:cond delay="0"/>
-                                  </p:stCondLst>
-                                  <p:childTnLst>
-                                    <p:set>
-                                      <p:cBhvr>
-                                        <p:cTn id="28" dur="1" fill="hold">
-                                          <p:stCondLst>
-                                            <p:cond delay="0"/>
-                                          </p:stCondLst>
-                                        </p:cTn>
-                                        <p:tgtEl>
-                                          <p:spTgt spid="25"/>
-                                        </p:tgtEl>
-                                        <p:attrNameLst>
-                                          <p:attrName>style.visibility</p:attrName>
-                                        </p:attrNameLst>
-                                      </p:cBhvr>
-                                      <p:to>
-                                        <p:strVal val="visible"/>
-                                      </p:to>
-                                    </p:set>
-                                  </p:childTnLst>
-                                </p:cTn>
-                              </p:par>
-                              <p:par>
-                                <p:cTn id="29" presetID="1" presetClass="entr" presetSubtype="0" fill="hold" nodeType="withEffect">
-                                  <p:stCondLst>
-                                    <p:cond delay="0"/>
-                                  </p:stCondLst>
-                                  <p:childTnLst>
-                                    <p:set>
-                                      <p:cBhvr>
-                                        <p:cTn id="30" dur="1" fill="hold">
-                                          <p:stCondLst>
-                                            <p:cond delay="0"/>
-                                          </p:stCondLst>
-                                        </p:cTn>
-                                        <p:tgtEl>
-                                          <p:spTgt spid="20"/>
-                                        </p:tgtEl>
-                                        <p:attrNameLst>
-                                          <p:attrName>style.visibility</p:attrName>
-                                        </p:attrNameLst>
-                                      </p:cBhvr>
-                                      <p:to>
-                                        <p:strVal val="visible"/>
-                                      </p:to>
-                                    </p:set>
-                                  </p:childTnLst>
-                                </p:cTn>
-                              </p:par>
-                            </p:childTnLst>
-                          </p:cTn>
-                        </p:par>
-                      </p:childTnLst>
-                    </p:cTn>
-                  </p:par>
-                  <p:par>
-                    <p:cTn id="31" fill="hold">
-                      <p:stCondLst>
-                        <p:cond delay="indefinite"/>
-                      </p:stCondLst>
-                      <p:childTnLst>
-                        <p:par>
-                          <p:cTn id="32" fill="hold">
-                            <p:stCondLst>
-                              <p:cond delay="0"/>
-                            </p:stCondLst>
-                            <p:childTnLst>
-                              <p:par>
-                                <p:cTn id="33" presetID="1" presetClass="entr" presetSubtype="0" fill="hold" grpId="0" nodeType="clickEffect">
-                                  <p:stCondLst>
-                                    <p:cond delay="0"/>
-                                  </p:stCondLst>
-                                  <p:childTnLst>
-                                    <p:set>
-                                      <p:cBhvr>
-                                        <p:cTn id="34" dur="1" fill="hold">
-                                          <p:stCondLst>
-                                            <p:cond delay="0"/>
-                                          </p:stCondLst>
-                                        </p:cTn>
-                                        <p:tgtEl>
-                                          <p:spTgt spid="11"/>
-                                        </p:tgtEl>
-                                        <p:attrNameLst>
-                                          <p:attrName>style.visibility</p:attrName>
-                                        </p:attrNameLst>
-                                      </p:cBhvr>
-                                      <p:to>
-                                        <p:strVal val="visible"/>
-                                      </p:to>
-                                    </p:set>
-                                  </p:childTnLst>
-                                </p:cTn>
-                              </p:par>
-                              <p:par>
-                                <p:cTn id="35" presetID="1" presetClass="entr" presetSubtype="0" fill="hold" nodeType="withEffect">
-                                  <p:stCondLst>
-                                    <p:cond delay="0"/>
-                                  </p:stCondLst>
-                                  <p:childTnLst>
-                                    <p:set>
-                                      <p:cBhvr>
-                                        <p:cTn id="36" dur="1" fill="hold">
-                                          <p:stCondLst>
-                                            <p:cond delay="0"/>
-                                          </p:stCondLst>
-                                        </p:cTn>
-                                        <p:tgtEl>
-                                          <p:spTgt spid="1043"/>
-                                        </p:tgtEl>
-                                        <p:attrNameLst>
-                                          <p:attrName>style.visibility</p:attrName>
-                                        </p:attrNameLst>
-                                      </p:cBhvr>
-                                      <p:to>
-                                        <p:strVal val="visible"/>
-                                      </p:to>
-                                    </p:set>
-                                  </p:childTnLst>
-                                </p:cTn>
-                              </p:par>
-                              <p:par>
-                                <p:cTn id="37" presetID="1" presetClass="entr" presetSubtype="0" fill="hold" nodeType="withEffect">
-                                  <p:stCondLst>
-                                    <p:cond delay="0"/>
-                                  </p:stCondLst>
-                                  <p:childTnLst>
-                                    <p:set>
-                                      <p:cBhvr>
-                                        <p:cTn id="38" dur="1" fill="hold">
-                                          <p:stCondLst>
-                                            <p:cond delay="0"/>
-                                          </p:stCondLst>
-                                        </p:cTn>
-                                        <p:tgtEl>
-                                          <p:spTgt spid="1048"/>
-                                        </p:tgtEl>
-                                        <p:attrNameLst>
-                                          <p:attrName>style.visibility</p:attrName>
-                                        </p:attrNameLst>
-                                      </p:cBhvr>
-                                      <p:to>
-                                        <p:strVal val="visible"/>
-                                      </p:to>
-                                    </p:set>
-                                  </p:childTnLst>
-                                </p:cTn>
-                              </p:par>
-                              <p:par>
-                                <p:cTn id="39" presetID="1" presetClass="entr" presetSubtype="0" fill="hold" nodeType="withEffect">
-                                  <p:stCondLst>
-                                    <p:cond delay="0"/>
-                                  </p:stCondLst>
-                                  <p:childTnLst>
-                                    <p:set>
-                                      <p:cBhvr>
-                                        <p:cTn id="40" dur="1" fill="hold">
-                                          <p:stCondLst>
-                                            <p:cond delay="0"/>
-                                          </p:stCondLst>
-                                        </p:cTn>
-                                        <p:tgtEl>
-                                          <p:spTgt spid="1049"/>
-                                        </p:tgtEl>
-                                        <p:attrNameLst>
-                                          <p:attrName>style.visibility</p:attrName>
-                                        </p:attrNameLst>
-                                      </p:cBhvr>
-                                      <p:to>
-                                        <p:strVal val="visible"/>
-                                      </p:to>
-                                    </p:set>
-                                  </p:childTnLst>
-                                </p:cTn>
-                              </p:par>
-                              <p:par>
-                                <p:cTn id="41" presetID="1" presetClass="entr" presetSubtype="0" fill="hold" nodeType="withEffect">
-                                  <p:stCondLst>
-                                    <p:cond delay="0"/>
-                                  </p:stCondLst>
-                                  <p:childTnLst>
-                                    <p:set>
-                                      <p:cBhvr>
-                                        <p:cTn id="42" dur="1" fill="hold">
-                                          <p:stCondLst>
-                                            <p:cond delay="0"/>
-                                          </p:stCondLst>
-                                        </p:cTn>
-                                        <p:tgtEl>
-                                          <p:spTgt spid="24"/>
-                                        </p:tgtEl>
-                                        <p:attrNameLst>
-                                          <p:attrName>style.visibility</p:attrName>
-                                        </p:attrNameLst>
-                                      </p:cBhvr>
-                                      <p:to>
-                                        <p:strVal val="visible"/>
-                                      </p:to>
-                                    </p:set>
-                                  </p:childTnLst>
-                                </p:cTn>
-                              </p:par>
-                              <p:par>
-                                <p:cTn id="43" presetID="1" presetClass="entr" presetSubtype="0" fill="hold" grpId="0" nodeType="withEffect">
-                                  <p:stCondLst>
-                                    <p:cond delay="0"/>
-                                  </p:stCondLst>
-                                  <p:childTnLst>
-                                    <p:set>
-                                      <p:cBhvr>
-                                        <p:cTn id="44" dur="1" fill="hold">
-                                          <p:stCondLst>
-                                            <p:cond delay="0"/>
-                                          </p:stCondLst>
-                                        </p:cTn>
-                                        <p:tgtEl>
-                                          <p:spTgt spid="26"/>
-                                        </p:tgtEl>
-                                        <p:attrNameLst>
-                                          <p:attrName>style.visibility</p:attrName>
-                                        </p:attrNameLst>
-                                      </p:cBhvr>
-                                      <p:to>
-                                        <p:strVal val="visible"/>
-                                      </p:to>
-                                    </p:set>
-                                  </p:childTnLst>
-                                </p:cTn>
-                              </p:par>
-                              <p:par>
-                                <p:cTn id="45" presetID="1" presetClass="entr" presetSubtype="0" fill="hold" nodeType="withEffect">
-                                  <p:stCondLst>
-                                    <p:cond delay="0"/>
-                                  </p:stCondLst>
-                                  <p:childTnLst>
-                                    <p:set>
-                                      <p:cBhvr>
-                                        <p:cTn id="46" dur="1" fill="hold">
-                                          <p:stCondLst>
-                                            <p:cond delay="0"/>
-                                          </p:stCondLst>
-                                        </p:cTn>
-                                        <p:tgtEl>
-                                          <p:spTgt spid="18"/>
-                                        </p:tgtEl>
-                                        <p:attrNameLst>
-                                          <p:attrName>style.visibility</p:attrName>
-                                        </p:attrNameLst>
-                                      </p:cBhvr>
-                                      <p:to>
-                                        <p:strVal val="visible"/>
-                                      </p:to>
-                                    </p:set>
-                                  </p:childTnLst>
-                                </p:cTn>
-                              </p:par>
-                            </p:childTnLst>
-                          </p:cTn>
-                        </p:par>
-                      </p:childTnLst>
-                    </p:cTn>
-                  </p:par>
-                </p:childTnLst>
-              </p:cTn>
-              <p:prevCondLst>
-                <p:cond evt="onPrev" delay="0">
-                  <p:tgtEl>
-                    <p:sldTgt/>
-                  </p:tgtEl>
-                </p:cond>
-              </p:prevCondLst>
-              <p:nextCondLst>
-                <p:cond evt="onNext" delay="0">
-                  <p:tgtEl>
-                    <p:sldTgt/>
-                  </p:tgtEl>
-                </p:cond>
-              </p:nextCondLst>
-            </p:seq>
-          </p:childTnLst>
-        </p:cTn>
-      </p:par>
-    </p:tnLst>
-    <p:bldLst>
-      <p:bldP spid="8" grpId="0"/>
-      <p:bldP spid="9" grpId="0" animBg="1"/>
-      <p:bldP spid="10" grpId="0" animBg="1"/>
-      <p:bldP spid="11" grpId="0" animBg="1"/>
-      <p:bldP spid="16" grpId="0"/>
-      <p:bldP spid="25" grpId="0"/>
-      <p:bldP spid="26" grpId="0"/>
-    </p:bldLst>
-  </p:timing>
-</p:sld>
-</file>
-
-<file path=ppt/slides/slide4.xml><?xml version="1.0" encoding="utf-8"?>
-<p:sld xmlns:a="http://schemas.openxmlformats.org/drawingml/2006/main" xmlns:r="http://schemas.openxmlformats.org/officeDocument/2006/relationships" xmlns:p="http://schemas.openxmlformats.org/presentationml/2006/main">
-  <p:cSld>
-    <p:spTree>
-      <p:nvGrpSpPr>
-        <p:cNvPr id="1" name=""/>
-        <p:cNvGrpSpPr/>
-        <p:nvPr/>
-      </p:nvGrpSpPr>
-      <p:grpSpPr>
-        <a:xfrm>
-          <a:off x="0" y="0"/>
-          <a:ext cx="0" cy="0"/>
-          <a:chOff x="0" y="0"/>
-          <a:chExt cx="0" cy="0"/>
-        </a:xfrm>
-      </p:grpSpPr>
-      <p:sp>
-        <p:nvSpPr>
-          <p:cNvPr id="2" name="Titel 1"/>
-          <p:cNvSpPr>
-            <a:spLocks noGrp="1"/>
-          </p:cNvSpPr>
-          <p:nvPr>
-            <p:ph type="title"/>
-          </p:nvPr>
-        </p:nvSpPr>
-        <p:spPr/>
-        <p:txBody>
-          <a:bodyPr/>
-          <a:lstStyle/>
-          <a:p>
-            <a:r>
-              <a:rPr lang="en-US" dirty="0"/>
-              <a:t>Features</a:t>
-            </a:r>
-            <a:br>
-              <a:rPr lang="en-US" dirty="0"/>
-            </a:br>
-            <a:endParaRPr lang="de-DE" dirty="0"/>
-          </a:p>
-        </p:txBody>
-      </p:sp>
-      <p:sp>
-        <p:nvSpPr>
-          <p:cNvPr id="3" name="Datumsplatzhalter 2"/>
-          <p:cNvSpPr>
-            <a:spLocks noGrp="1"/>
-          </p:cNvSpPr>
-          <p:nvPr>
-            <p:ph type="dt" sz="half" idx="10"/>
-          </p:nvPr>
-        </p:nvSpPr>
-        <p:spPr/>
-        <p:txBody>
-          <a:bodyPr/>
-          <a:lstStyle/>
-          <a:p>
-            <a:fld id="{1778E95C-90A9-47F3-94FC-26BB930BF367}" type="datetime4">
-              <a:rPr lang="en-US" noProof="0" smtClean="0"/>
-              <a:pPr/>
-              <a:t>March 11, 2019</a:t>
-            </a:fld>
-            <a:endParaRPr lang="en-US" noProof="0" dirty="0"/>
-          </a:p>
-        </p:txBody>
-      </p:sp>
-      <p:sp>
-        <p:nvSpPr>
-          <p:cNvPr id="4" name="Foliennummernplatzhalter 3"/>
-          <p:cNvSpPr>
-            <a:spLocks noGrp="1"/>
-          </p:cNvSpPr>
-          <p:nvPr>
-            <p:ph type="sldNum" sz="quarter" idx="11"/>
-          </p:nvPr>
-        </p:nvSpPr>
-        <p:spPr/>
-        <p:txBody>
-          <a:bodyPr/>
-          <a:lstStyle/>
-          <a:p>
-            <a:fld id="{ADA48181-2C78-49CB-8C52-912A07842C2E}" type="slidenum">
-              <a:rPr lang="en-US" noProof="0" smtClean="0"/>
-              <a:pPr/>
-              <a:t>4</a:t>
             </a:fld>
             <a:endParaRPr lang="en-US" noProof="0" dirty="0"/>
           </a:p>
@@ -16361,7 +13943,7 @@
               <a:rPr lang="en-US" sz="1600" dirty="0">
                 <a:cs typeface="Arial" pitchFamily="34" charset="0"/>
               </a:rPr>
-              <a:t> (reflection supported)</a:t>
+              <a:t> (monitor reflection supported)</a:t>
             </a:r>
           </a:p>
           <a:p>
@@ -16387,7 +13969,7 @@
               <a:rPr lang="en-US" sz="1600" dirty="0">
                 <a:cs typeface="Arial" pitchFamily="34" charset="0"/>
               </a:rPr>
-              <a:t> (reflection supported)</a:t>
+              <a:t> (monitor reflection supported)</a:t>
             </a:r>
           </a:p>
           <a:p>
@@ -16555,49 +14137,6 @@
               </a:rPr>
               <a:t>: message replay with modern user interface or via command line</a:t>
             </a:r>
-          </a:p>
-          <a:p>
-            <a:pPr marL="635000" lvl="1" indent="-177800">
-              <a:spcAft>
-                <a:spcPts val="1100"/>
-              </a:spcAft>
-              <a:buClr>
-                <a:schemeClr val="accent1"/>
-              </a:buClr>
-              <a:buSzPct val="125000"/>
-              <a:buFont typeface="Arial" pitchFamily="34" charset="0"/>
-              <a:buChar char="›"/>
-              <a:defRPr/>
-            </a:pPr>
-            <a:r>
-              <a:rPr lang="en-US" sz="1600" dirty="0" err="1">
-                <a:cs typeface="Arial" pitchFamily="34" charset="0"/>
-              </a:rPr>
-              <a:t>eCALSys</a:t>
-            </a:r>
-            <a:r>
-              <a:rPr lang="en-US" sz="1600" dirty="0">
-                <a:cs typeface="Arial" pitchFamily="34" charset="0"/>
-              </a:rPr>
-              <a:t>: system start / stop</a:t>
-            </a:r>
-          </a:p>
-          <a:p>
-            <a:pPr marL="177800" indent="-177800">
-              <a:spcAft>
-                <a:spcPts val="1100"/>
-              </a:spcAft>
-              <a:buClr>
-                <a:schemeClr val="accent1"/>
-              </a:buClr>
-              <a:buSzPct val="125000"/>
-              <a:buFont typeface="Arial" pitchFamily="34" charset="0"/>
-              <a:buChar char="›"/>
-              <a:defRPr/>
-            </a:pPr>
-            <a:endParaRPr lang="en-US" sz="1600" dirty="0">
-              <a:cs typeface="Arial" pitchFamily="34" charset="0"/>
-            </a:endParaRPr>
           </a:p>
         </p:txBody>
       </p:sp>
@@ -17037,8 +14576,3012 @@
                                   </p:childTnLst>
                                 </p:cTn>
                               </p:par>
+                            </p:childTnLst>
+                          </p:cTn>
+                        </p:par>
+                      </p:childTnLst>
+                    </p:cTn>
+                  </p:par>
+                </p:childTnLst>
+              </p:cTn>
+              <p:prevCondLst>
+                <p:cond evt="onPrev" delay="0">
+                  <p:tgtEl>
+                    <p:sldTgt/>
+                  </p:tgtEl>
+                </p:cond>
+              </p:prevCondLst>
+              <p:nextCondLst>
+                <p:cond evt="onNext" delay="0">
+                  <p:tgtEl>
+                    <p:sldTgt/>
+                  </p:tgtEl>
+                </p:cond>
+              </p:nextCondLst>
+            </p:seq>
+          </p:childTnLst>
+        </p:cTn>
+      </p:par>
+    </p:tnLst>
+  </p:timing>
+</p:sld>
+</file>
+
+<file path=ppt/slides/slide4.xml><?xml version="1.0" encoding="utf-8"?>
+<p:sld xmlns:a="http://schemas.openxmlformats.org/drawingml/2006/main" xmlns:r="http://schemas.openxmlformats.org/officeDocument/2006/relationships" xmlns:p="http://schemas.openxmlformats.org/presentationml/2006/main">
+  <p:cSld>
+    <p:spTree>
+      <p:nvGrpSpPr>
+        <p:cNvPr id="1" name=""/>
+        <p:cNvGrpSpPr/>
+        <p:nvPr/>
+      </p:nvGrpSpPr>
+      <p:grpSpPr>
+        <a:xfrm>
+          <a:off x="0" y="0"/>
+          <a:ext cx="0" cy="0"/>
+          <a:chOff x="0" y="0"/>
+          <a:chExt cx="0" cy="0"/>
+        </a:xfrm>
+      </p:grpSpPr>
+      <p:sp>
+        <p:nvSpPr>
+          <p:cNvPr id="2" name="Titel 1"/>
+          <p:cNvSpPr>
+            <a:spLocks noGrp="1"/>
+          </p:cNvSpPr>
+          <p:nvPr>
+            <p:ph type="title"/>
+          </p:nvPr>
+        </p:nvSpPr>
+        <p:spPr/>
+        <p:txBody>
+          <a:bodyPr/>
+          <a:lstStyle/>
+          <a:p>
+            <a:r>
+              <a:rPr lang="en-US" dirty="0"/>
+              <a:t>Architecture</a:t>
+            </a:r>
+            <a:br>
+              <a:rPr lang="en-US" dirty="0"/>
+            </a:br>
+            <a:endParaRPr lang="de-DE" dirty="0"/>
+          </a:p>
+        </p:txBody>
+      </p:sp>
+      <p:sp>
+        <p:nvSpPr>
+          <p:cNvPr id="3" name="Datumsplatzhalter 2"/>
+          <p:cNvSpPr>
+            <a:spLocks noGrp="1"/>
+          </p:cNvSpPr>
+          <p:nvPr>
+            <p:ph type="dt" sz="half" idx="10"/>
+          </p:nvPr>
+        </p:nvSpPr>
+        <p:spPr/>
+        <p:txBody>
+          <a:bodyPr/>
+          <a:lstStyle/>
+          <a:p>
+            <a:fld id="{1778E95C-90A9-47F3-94FC-26BB930BF367}" type="datetime4">
+              <a:rPr lang="en-US" noProof="0" smtClean="0"/>
+              <a:pPr/>
+              <a:t>December 4, 2019</a:t>
+            </a:fld>
+            <a:endParaRPr lang="en-US" noProof="0" dirty="0"/>
+          </a:p>
+        </p:txBody>
+      </p:sp>
+      <p:sp>
+        <p:nvSpPr>
+          <p:cNvPr id="4" name="Foliennummernplatzhalter 3"/>
+          <p:cNvSpPr>
+            <a:spLocks noGrp="1"/>
+          </p:cNvSpPr>
+          <p:nvPr>
+            <p:ph type="sldNum" sz="quarter" idx="11"/>
+          </p:nvPr>
+        </p:nvSpPr>
+        <p:spPr/>
+        <p:txBody>
+          <a:bodyPr/>
+          <a:lstStyle/>
+          <a:p>
+            <a:fld id="{ADA48181-2C78-49CB-8C52-912A07842C2E}" type="slidenum">
+              <a:rPr lang="en-US" noProof="0" smtClean="0"/>
+              <a:pPr/>
+              <a:t>4</a:t>
+            </a:fld>
+            <a:endParaRPr lang="en-US" noProof="0" dirty="0"/>
+          </a:p>
+        </p:txBody>
+      </p:sp>
+      <p:sp>
+        <p:nvSpPr>
+          <p:cNvPr id="5" name="Fußzeilenplatzhalter 4"/>
+          <p:cNvSpPr>
+            <a:spLocks noGrp="1"/>
+          </p:cNvSpPr>
+          <p:nvPr>
+            <p:ph type="ftr" sz="quarter" idx="12"/>
+          </p:nvPr>
+        </p:nvSpPr>
+        <p:spPr/>
+        <p:txBody>
+          <a:bodyPr/>
+          <a:lstStyle/>
+          <a:p>
+            <a:r>
+              <a:rPr lang="en-US" dirty="0" err="1"/>
+              <a:t>Schilasky</a:t>
+            </a:r>
+            <a:r>
+              <a:rPr lang="en-US" dirty="0"/>
+              <a:t> R.,   </a:t>
+            </a:r>
+            <a:r>
+              <a:rPr lang="en-US" noProof="0" dirty="0"/>
+              <a:t>© Continental AG</a:t>
+            </a:r>
+          </a:p>
+        </p:txBody>
+      </p:sp>
+      <p:sp>
+        <p:nvSpPr>
+          <p:cNvPr id="7" name="Abgerundetes Rechteck 6">
+            <a:extLst>
+              <a:ext uri="{FF2B5EF4-FFF2-40B4-BE49-F238E27FC236}">
+                <a16:creationId xmlns:a16="http://schemas.microsoft.com/office/drawing/2014/main" id="{87FA66A7-58B8-4721-AF84-A670FE4DFADD}"/>
+              </a:ext>
+            </a:extLst>
+          </p:cNvPr>
+          <p:cNvSpPr/>
+          <p:nvPr/>
+        </p:nvSpPr>
+        <p:spPr>
+          <a:xfrm>
+            <a:off x="2165166" y="3847084"/>
+            <a:ext cx="9037778" cy="508310"/>
+          </a:xfrm>
+          <a:prstGeom prst="roundRect">
+            <a:avLst/>
+          </a:prstGeom>
+          <a:solidFill>
+            <a:srgbClr val="0070C0"/>
+          </a:solidFill>
+          <a:ln>
+            <a:solidFill>
+              <a:srgbClr val="0070C0"/>
+            </a:solidFill>
+          </a:ln>
+          <a:effectLst>
+            <a:outerShdw blurRad="63500" sx="102000" sy="102000" algn="ctr" rotWithShape="0">
+              <a:prstClr val="black">
+                <a:alpha val="40000"/>
+              </a:prstClr>
+            </a:outerShdw>
+          </a:effectLst>
+        </p:spPr>
+        <p:style>
+          <a:lnRef idx="1">
+            <a:schemeClr val="accent1"/>
+          </a:lnRef>
+          <a:fillRef idx="3">
+            <a:schemeClr val="accent1"/>
+          </a:fillRef>
+          <a:effectRef idx="2">
+            <a:schemeClr val="accent1"/>
+          </a:effectRef>
+          <a:fontRef idx="minor">
+            <a:schemeClr val="lt1"/>
+          </a:fontRef>
+        </p:style>
+        <p:txBody>
+          <a:bodyPr rtlCol="0" anchor="ctr"/>
+          <a:lstStyle>
+            <a:defPPr>
+              <a:defRPr lang="de-DE"/>
+            </a:defPPr>
+            <a:lvl1pPr marL="0" algn="l" defTabSz="914400" rtl="0" eaLnBrk="1" latinLnBrk="0" hangingPunct="1">
+              <a:defRPr sz="1800" kern="1200">
+                <a:solidFill>
+                  <a:schemeClr val="lt1"/>
+                </a:solidFill>
+                <a:latin typeface="+mn-lt"/>
+                <a:ea typeface="+mn-ea"/>
+                <a:cs typeface="+mn-cs"/>
+              </a:defRPr>
+            </a:lvl1pPr>
+            <a:lvl2pPr marL="457200" algn="l" defTabSz="914400" rtl="0" eaLnBrk="1" latinLnBrk="0" hangingPunct="1">
+              <a:defRPr sz="1800" kern="1200">
+                <a:solidFill>
+                  <a:schemeClr val="lt1"/>
+                </a:solidFill>
+                <a:latin typeface="+mn-lt"/>
+                <a:ea typeface="+mn-ea"/>
+                <a:cs typeface="+mn-cs"/>
+              </a:defRPr>
+            </a:lvl2pPr>
+            <a:lvl3pPr marL="914400" algn="l" defTabSz="914400" rtl="0" eaLnBrk="1" latinLnBrk="0" hangingPunct="1">
+              <a:defRPr sz="1800" kern="1200">
+                <a:solidFill>
+                  <a:schemeClr val="lt1"/>
+                </a:solidFill>
+                <a:latin typeface="+mn-lt"/>
+                <a:ea typeface="+mn-ea"/>
+                <a:cs typeface="+mn-cs"/>
+              </a:defRPr>
+            </a:lvl3pPr>
+            <a:lvl4pPr marL="1371600" algn="l" defTabSz="914400" rtl="0" eaLnBrk="1" latinLnBrk="0" hangingPunct="1">
+              <a:defRPr sz="1800" kern="1200">
+                <a:solidFill>
+                  <a:schemeClr val="lt1"/>
+                </a:solidFill>
+                <a:latin typeface="+mn-lt"/>
+                <a:ea typeface="+mn-ea"/>
+                <a:cs typeface="+mn-cs"/>
+              </a:defRPr>
+            </a:lvl4pPr>
+            <a:lvl5pPr marL="1828800" algn="l" defTabSz="914400" rtl="0" eaLnBrk="1" latinLnBrk="0" hangingPunct="1">
+              <a:defRPr sz="1800" kern="1200">
+                <a:solidFill>
+                  <a:schemeClr val="lt1"/>
+                </a:solidFill>
+                <a:latin typeface="+mn-lt"/>
+                <a:ea typeface="+mn-ea"/>
+                <a:cs typeface="+mn-cs"/>
+              </a:defRPr>
+            </a:lvl5pPr>
+            <a:lvl6pPr marL="2286000" algn="l" defTabSz="914400" rtl="0" eaLnBrk="1" latinLnBrk="0" hangingPunct="1">
+              <a:defRPr sz="1800" kern="1200">
+                <a:solidFill>
+                  <a:schemeClr val="lt1"/>
+                </a:solidFill>
+                <a:latin typeface="+mn-lt"/>
+                <a:ea typeface="+mn-ea"/>
+                <a:cs typeface="+mn-cs"/>
+              </a:defRPr>
+            </a:lvl6pPr>
+            <a:lvl7pPr marL="2743200" algn="l" defTabSz="914400" rtl="0" eaLnBrk="1" latinLnBrk="0" hangingPunct="1">
+              <a:defRPr sz="1800" kern="1200">
+                <a:solidFill>
+                  <a:schemeClr val="lt1"/>
+                </a:solidFill>
+                <a:latin typeface="+mn-lt"/>
+                <a:ea typeface="+mn-ea"/>
+                <a:cs typeface="+mn-cs"/>
+              </a:defRPr>
+            </a:lvl7pPr>
+            <a:lvl8pPr marL="3200400" algn="l" defTabSz="914400" rtl="0" eaLnBrk="1" latinLnBrk="0" hangingPunct="1">
+              <a:defRPr sz="1800" kern="1200">
+                <a:solidFill>
+                  <a:schemeClr val="lt1"/>
+                </a:solidFill>
+                <a:latin typeface="+mn-lt"/>
+                <a:ea typeface="+mn-ea"/>
+                <a:cs typeface="+mn-cs"/>
+              </a:defRPr>
+            </a:lvl8pPr>
+            <a:lvl9pPr marL="3657600" algn="l" defTabSz="914400" rtl="0" eaLnBrk="1" latinLnBrk="0" hangingPunct="1">
+              <a:defRPr sz="1800" kern="1200">
+                <a:solidFill>
+                  <a:schemeClr val="lt1"/>
+                </a:solidFill>
+                <a:latin typeface="+mn-lt"/>
+                <a:ea typeface="+mn-ea"/>
+                <a:cs typeface="+mn-cs"/>
+              </a:defRPr>
+            </a:lvl9pPr>
+          </a:lstStyle>
+          <a:p>
+            <a:pPr algn="ctr"/>
+            <a:r>
+              <a:rPr lang="de-DE" sz="1400" dirty="0">
+                <a:solidFill>
+                  <a:schemeClr val="bg1">
+                    <a:lumMod val="95000"/>
+                  </a:schemeClr>
+                </a:solidFill>
+              </a:rPr>
+              <a:t>UDP / </a:t>
+            </a:r>
+            <a:r>
+              <a:rPr lang="de-DE" sz="1400" dirty="0" err="1">
+                <a:solidFill>
+                  <a:schemeClr val="bg1">
+                    <a:lumMod val="95000"/>
+                  </a:schemeClr>
+                </a:solidFill>
+              </a:rPr>
+              <a:t>Shared</a:t>
+            </a:r>
+            <a:r>
+              <a:rPr lang="de-DE" sz="1400" dirty="0">
+                <a:solidFill>
+                  <a:schemeClr val="bg1">
+                    <a:lumMod val="95000"/>
+                  </a:schemeClr>
+                </a:solidFill>
+              </a:rPr>
+              <a:t> Memory</a:t>
+            </a:r>
+          </a:p>
+        </p:txBody>
+      </p:sp>
+      <p:sp>
+        <p:nvSpPr>
+          <p:cNvPr id="9" name="Abgerundetes Rechteck 17">
+            <a:extLst>
+              <a:ext uri="{FF2B5EF4-FFF2-40B4-BE49-F238E27FC236}">
+                <a16:creationId xmlns:a16="http://schemas.microsoft.com/office/drawing/2014/main" id="{A1708C71-595F-42B2-BBEA-7F258BCE9836}"/>
+              </a:ext>
+            </a:extLst>
+          </p:cNvPr>
+          <p:cNvSpPr/>
+          <p:nvPr/>
+        </p:nvSpPr>
+        <p:spPr>
+          <a:xfrm>
+            <a:off x="2165166" y="4515817"/>
+            <a:ext cx="9037778" cy="508310"/>
+          </a:xfrm>
+          <a:prstGeom prst="roundRect">
+            <a:avLst/>
+          </a:prstGeom>
+          <a:solidFill>
+            <a:srgbClr val="002060"/>
+          </a:solidFill>
+          <a:ln>
+            <a:solidFill>
+              <a:srgbClr val="0070C0"/>
+            </a:solidFill>
+          </a:ln>
+          <a:effectLst>
+            <a:outerShdw blurRad="63500" sx="102000" sy="102000" algn="ctr" rotWithShape="0">
+              <a:prstClr val="black">
+                <a:alpha val="40000"/>
+              </a:prstClr>
+            </a:outerShdw>
+          </a:effectLst>
+        </p:spPr>
+        <p:style>
+          <a:lnRef idx="1">
+            <a:schemeClr val="accent1"/>
+          </a:lnRef>
+          <a:fillRef idx="3">
+            <a:schemeClr val="accent1"/>
+          </a:fillRef>
+          <a:effectRef idx="2">
+            <a:schemeClr val="accent1"/>
+          </a:effectRef>
+          <a:fontRef idx="minor">
+            <a:schemeClr val="lt1"/>
+          </a:fontRef>
+        </p:style>
+        <p:txBody>
+          <a:bodyPr rtlCol="0" anchor="ctr"/>
+          <a:lstStyle>
+            <a:defPPr>
+              <a:defRPr lang="de-DE"/>
+            </a:defPPr>
+            <a:lvl1pPr marL="0" algn="l" defTabSz="914400" rtl="0" eaLnBrk="1" latinLnBrk="0" hangingPunct="1">
+              <a:defRPr sz="1800" kern="1200">
+                <a:solidFill>
+                  <a:schemeClr val="lt1"/>
+                </a:solidFill>
+                <a:latin typeface="+mn-lt"/>
+                <a:ea typeface="+mn-ea"/>
+                <a:cs typeface="+mn-cs"/>
+              </a:defRPr>
+            </a:lvl1pPr>
+            <a:lvl2pPr marL="457200" algn="l" defTabSz="914400" rtl="0" eaLnBrk="1" latinLnBrk="0" hangingPunct="1">
+              <a:defRPr sz="1800" kern="1200">
+                <a:solidFill>
+                  <a:schemeClr val="lt1"/>
+                </a:solidFill>
+                <a:latin typeface="+mn-lt"/>
+                <a:ea typeface="+mn-ea"/>
+                <a:cs typeface="+mn-cs"/>
+              </a:defRPr>
+            </a:lvl2pPr>
+            <a:lvl3pPr marL="914400" algn="l" defTabSz="914400" rtl="0" eaLnBrk="1" latinLnBrk="0" hangingPunct="1">
+              <a:defRPr sz="1800" kern="1200">
+                <a:solidFill>
+                  <a:schemeClr val="lt1"/>
+                </a:solidFill>
+                <a:latin typeface="+mn-lt"/>
+                <a:ea typeface="+mn-ea"/>
+                <a:cs typeface="+mn-cs"/>
+              </a:defRPr>
+            </a:lvl3pPr>
+            <a:lvl4pPr marL="1371600" algn="l" defTabSz="914400" rtl="0" eaLnBrk="1" latinLnBrk="0" hangingPunct="1">
+              <a:defRPr sz="1800" kern="1200">
+                <a:solidFill>
+                  <a:schemeClr val="lt1"/>
+                </a:solidFill>
+                <a:latin typeface="+mn-lt"/>
+                <a:ea typeface="+mn-ea"/>
+                <a:cs typeface="+mn-cs"/>
+              </a:defRPr>
+            </a:lvl4pPr>
+            <a:lvl5pPr marL="1828800" algn="l" defTabSz="914400" rtl="0" eaLnBrk="1" latinLnBrk="0" hangingPunct="1">
+              <a:defRPr sz="1800" kern="1200">
+                <a:solidFill>
+                  <a:schemeClr val="lt1"/>
+                </a:solidFill>
+                <a:latin typeface="+mn-lt"/>
+                <a:ea typeface="+mn-ea"/>
+                <a:cs typeface="+mn-cs"/>
+              </a:defRPr>
+            </a:lvl5pPr>
+            <a:lvl6pPr marL="2286000" algn="l" defTabSz="914400" rtl="0" eaLnBrk="1" latinLnBrk="0" hangingPunct="1">
+              <a:defRPr sz="1800" kern="1200">
+                <a:solidFill>
+                  <a:schemeClr val="lt1"/>
+                </a:solidFill>
+                <a:latin typeface="+mn-lt"/>
+                <a:ea typeface="+mn-ea"/>
+                <a:cs typeface="+mn-cs"/>
+              </a:defRPr>
+            </a:lvl6pPr>
+            <a:lvl7pPr marL="2743200" algn="l" defTabSz="914400" rtl="0" eaLnBrk="1" latinLnBrk="0" hangingPunct="1">
+              <a:defRPr sz="1800" kern="1200">
+                <a:solidFill>
+                  <a:schemeClr val="lt1"/>
+                </a:solidFill>
+                <a:latin typeface="+mn-lt"/>
+                <a:ea typeface="+mn-ea"/>
+                <a:cs typeface="+mn-cs"/>
+              </a:defRPr>
+            </a:lvl7pPr>
+            <a:lvl8pPr marL="3200400" algn="l" defTabSz="914400" rtl="0" eaLnBrk="1" latinLnBrk="0" hangingPunct="1">
+              <a:defRPr sz="1800" kern="1200">
+                <a:solidFill>
+                  <a:schemeClr val="lt1"/>
+                </a:solidFill>
+                <a:latin typeface="+mn-lt"/>
+                <a:ea typeface="+mn-ea"/>
+                <a:cs typeface="+mn-cs"/>
+              </a:defRPr>
+            </a:lvl8pPr>
+            <a:lvl9pPr marL="3657600" algn="l" defTabSz="914400" rtl="0" eaLnBrk="1" latinLnBrk="0" hangingPunct="1">
+              <a:defRPr sz="1800" kern="1200">
+                <a:solidFill>
+                  <a:schemeClr val="lt1"/>
+                </a:solidFill>
+                <a:latin typeface="+mn-lt"/>
+                <a:ea typeface="+mn-ea"/>
+                <a:cs typeface="+mn-cs"/>
+              </a:defRPr>
+            </a:lvl9pPr>
+          </a:lstStyle>
+          <a:p>
+            <a:pPr algn="ctr"/>
+            <a:r>
+              <a:rPr lang="de-DE" sz="1400" dirty="0">
+                <a:solidFill>
+                  <a:schemeClr val="bg1">
+                    <a:lumMod val="95000"/>
+                  </a:schemeClr>
+                </a:solidFill>
+              </a:rPr>
+              <a:t>Windows / POSIX</a:t>
+            </a:r>
+          </a:p>
+        </p:txBody>
+      </p:sp>
+      <p:sp>
+        <p:nvSpPr>
+          <p:cNvPr id="10" name="Abgerundetes Rechteck 45">
+            <a:extLst>
+              <a:ext uri="{FF2B5EF4-FFF2-40B4-BE49-F238E27FC236}">
+                <a16:creationId xmlns:a16="http://schemas.microsoft.com/office/drawing/2014/main" id="{7286BD3A-C38E-4D1D-9557-8BD1791FB292}"/>
+              </a:ext>
+            </a:extLst>
+          </p:cNvPr>
+          <p:cNvSpPr/>
+          <p:nvPr/>
+        </p:nvSpPr>
+        <p:spPr>
+          <a:xfrm>
+            <a:off x="2172660" y="5128391"/>
+            <a:ext cx="4482085" cy="467295"/>
+          </a:xfrm>
+          <a:prstGeom prst="roundRect">
+            <a:avLst/>
+          </a:prstGeom>
+          <a:solidFill>
+            <a:schemeClr val="tx1">
+              <a:lumMod val="85000"/>
+              <a:lumOff val="15000"/>
+            </a:schemeClr>
+          </a:solidFill>
+          <a:ln>
+            <a:solidFill>
+              <a:srgbClr val="0070C0"/>
+            </a:solidFill>
+          </a:ln>
+          <a:effectLst>
+            <a:outerShdw blurRad="63500" sx="102000" sy="102000" algn="ctr" rotWithShape="0">
+              <a:prstClr val="black">
+                <a:alpha val="40000"/>
+              </a:prstClr>
+            </a:outerShdw>
+          </a:effectLst>
+        </p:spPr>
+        <p:style>
+          <a:lnRef idx="1">
+            <a:schemeClr val="accent1"/>
+          </a:lnRef>
+          <a:fillRef idx="3">
+            <a:schemeClr val="accent1"/>
+          </a:fillRef>
+          <a:effectRef idx="2">
+            <a:schemeClr val="accent1"/>
+          </a:effectRef>
+          <a:fontRef idx="minor">
+            <a:schemeClr val="lt1"/>
+          </a:fontRef>
+        </p:style>
+        <p:txBody>
+          <a:bodyPr rtlCol="0" anchor="ctr"/>
+          <a:lstStyle>
+            <a:defPPr>
+              <a:defRPr lang="de-DE"/>
+            </a:defPPr>
+            <a:lvl1pPr marL="0" algn="l" defTabSz="914400" rtl="0" eaLnBrk="1" latinLnBrk="0" hangingPunct="1">
+              <a:defRPr sz="1800" kern="1200">
+                <a:solidFill>
+                  <a:schemeClr val="lt1"/>
+                </a:solidFill>
+                <a:latin typeface="+mn-lt"/>
+                <a:ea typeface="+mn-ea"/>
+                <a:cs typeface="+mn-cs"/>
+              </a:defRPr>
+            </a:lvl1pPr>
+            <a:lvl2pPr marL="457200" algn="l" defTabSz="914400" rtl="0" eaLnBrk="1" latinLnBrk="0" hangingPunct="1">
+              <a:defRPr sz="1800" kern="1200">
+                <a:solidFill>
+                  <a:schemeClr val="lt1"/>
+                </a:solidFill>
+                <a:latin typeface="+mn-lt"/>
+                <a:ea typeface="+mn-ea"/>
+                <a:cs typeface="+mn-cs"/>
+              </a:defRPr>
+            </a:lvl2pPr>
+            <a:lvl3pPr marL="914400" algn="l" defTabSz="914400" rtl="0" eaLnBrk="1" latinLnBrk="0" hangingPunct="1">
+              <a:defRPr sz="1800" kern="1200">
+                <a:solidFill>
+                  <a:schemeClr val="lt1"/>
+                </a:solidFill>
+                <a:latin typeface="+mn-lt"/>
+                <a:ea typeface="+mn-ea"/>
+                <a:cs typeface="+mn-cs"/>
+              </a:defRPr>
+            </a:lvl3pPr>
+            <a:lvl4pPr marL="1371600" algn="l" defTabSz="914400" rtl="0" eaLnBrk="1" latinLnBrk="0" hangingPunct="1">
+              <a:defRPr sz="1800" kern="1200">
+                <a:solidFill>
+                  <a:schemeClr val="lt1"/>
+                </a:solidFill>
+                <a:latin typeface="+mn-lt"/>
+                <a:ea typeface="+mn-ea"/>
+                <a:cs typeface="+mn-cs"/>
+              </a:defRPr>
+            </a:lvl4pPr>
+            <a:lvl5pPr marL="1828800" algn="l" defTabSz="914400" rtl="0" eaLnBrk="1" latinLnBrk="0" hangingPunct="1">
+              <a:defRPr sz="1800" kern="1200">
+                <a:solidFill>
+                  <a:schemeClr val="lt1"/>
+                </a:solidFill>
+                <a:latin typeface="+mn-lt"/>
+                <a:ea typeface="+mn-ea"/>
+                <a:cs typeface="+mn-cs"/>
+              </a:defRPr>
+            </a:lvl5pPr>
+            <a:lvl6pPr marL="2286000" algn="l" defTabSz="914400" rtl="0" eaLnBrk="1" latinLnBrk="0" hangingPunct="1">
+              <a:defRPr sz="1800" kern="1200">
+                <a:solidFill>
+                  <a:schemeClr val="lt1"/>
+                </a:solidFill>
+                <a:latin typeface="+mn-lt"/>
+                <a:ea typeface="+mn-ea"/>
+                <a:cs typeface="+mn-cs"/>
+              </a:defRPr>
+            </a:lvl6pPr>
+            <a:lvl7pPr marL="2743200" algn="l" defTabSz="914400" rtl="0" eaLnBrk="1" latinLnBrk="0" hangingPunct="1">
+              <a:defRPr sz="1800" kern="1200">
+                <a:solidFill>
+                  <a:schemeClr val="lt1"/>
+                </a:solidFill>
+                <a:latin typeface="+mn-lt"/>
+                <a:ea typeface="+mn-ea"/>
+                <a:cs typeface="+mn-cs"/>
+              </a:defRPr>
+            </a:lvl7pPr>
+            <a:lvl8pPr marL="3200400" algn="l" defTabSz="914400" rtl="0" eaLnBrk="1" latinLnBrk="0" hangingPunct="1">
+              <a:defRPr sz="1800" kern="1200">
+                <a:solidFill>
+                  <a:schemeClr val="lt1"/>
+                </a:solidFill>
+                <a:latin typeface="+mn-lt"/>
+                <a:ea typeface="+mn-ea"/>
+                <a:cs typeface="+mn-cs"/>
+              </a:defRPr>
+            </a:lvl8pPr>
+            <a:lvl9pPr marL="3657600" algn="l" defTabSz="914400" rtl="0" eaLnBrk="1" latinLnBrk="0" hangingPunct="1">
+              <a:defRPr sz="1800" kern="1200">
+                <a:solidFill>
+                  <a:schemeClr val="lt1"/>
+                </a:solidFill>
+                <a:latin typeface="+mn-lt"/>
+                <a:ea typeface="+mn-ea"/>
+                <a:cs typeface="+mn-cs"/>
+              </a:defRPr>
+            </a:lvl9pPr>
+          </a:lstStyle>
+          <a:p>
+            <a:pPr algn="ctr"/>
+            <a:r>
+              <a:rPr lang="de-DE" sz="1400" dirty="0">
+                <a:solidFill>
+                  <a:schemeClr val="bg1">
+                    <a:lumMod val="95000"/>
+                  </a:schemeClr>
+                </a:solidFill>
+              </a:rPr>
+              <a:t>AMD64</a:t>
+            </a:r>
+          </a:p>
+        </p:txBody>
+      </p:sp>
+      <p:sp>
+        <p:nvSpPr>
+          <p:cNvPr id="11" name="Abgerundetes Rechteck 48">
+            <a:extLst>
+              <a:ext uri="{FF2B5EF4-FFF2-40B4-BE49-F238E27FC236}">
+                <a16:creationId xmlns:a16="http://schemas.microsoft.com/office/drawing/2014/main" id="{539AB2BD-146E-4C1D-8C08-B9A13B12CEEE}"/>
+              </a:ext>
+            </a:extLst>
+          </p:cNvPr>
+          <p:cNvSpPr/>
+          <p:nvPr/>
+        </p:nvSpPr>
+        <p:spPr>
+          <a:xfrm>
+            <a:off x="6718989" y="5128391"/>
+            <a:ext cx="4482085" cy="467295"/>
+          </a:xfrm>
+          <a:prstGeom prst="roundRect">
+            <a:avLst/>
+          </a:prstGeom>
+          <a:solidFill>
+            <a:schemeClr val="tx1">
+              <a:lumMod val="85000"/>
+              <a:lumOff val="15000"/>
+            </a:schemeClr>
+          </a:solidFill>
+          <a:ln>
+            <a:solidFill>
+              <a:srgbClr val="0070C0"/>
+            </a:solidFill>
+          </a:ln>
+          <a:effectLst>
+            <a:outerShdw blurRad="63500" sx="102000" sy="102000" algn="ctr" rotWithShape="0">
+              <a:prstClr val="black">
+                <a:alpha val="40000"/>
+              </a:prstClr>
+            </a:outerShdw>
+          </a:effectLst>
+        </p:spPr>
+        <p:style>
+          <a:lnRef idx="1">
+            <a:schemeClr val="accent1"/>
+          </a:lnRef>
+          <a:fillRef idx="3">
+            <a:schemeClr val="accent1"/>
+          </a:fillRef>
+          <a:effectRef idx="2">
+            <a:schemeClr val="accent1"/>
+          </a:effectRef>
+          <a:fontRef idx="minor">
+            <a:schemeClr val="lt1"/>
+          </a:fontRef>
+        </p:style>
+        <p:txBody>
+          <a:bodyPr rtlCol="0" anchor="ctr"/>
+          <a:lstStyle>
+            <a:defPPr>
+              <a:defRPr lang="de-DE"/>
+            </a:defPPr>
+            <a:lvl1pPr marL="0" algn="l" defTabSz="914400" rtl="0" eaLnBrk="1" latinLnBrk="0" hangingPunct="1">
+              <a:defRPr sz="1800" kern="1200">
+                <a:solidFill>
+                  <a:schemeClr val="lt1"/>
+                </a:solidFill>
+                <a:latin typeface="+mn-lt"/>
+                <a:ea typeface="+mn-ea"/>
+                <a:cs typeface="+mn-cs"/>
+              </a:defRPr>
+            </a:lvl1pPr>
+            <a:lvl2pPr marL="457200" algn="l" defTabSz="914400" rtl="0" eaLnBrk="1" latinLnBrk="0" hangingPunct="1">
+              <a:defRPr sz="1800" kern="1200">
+                <a:solidFill>
+                  <a:schemeClr val="lt1"/>
+                </a:solidFill>
+                <a:latin typeface="+mn-lt"/>
+                <a:ea typeface="+mn-ea"/>
+                <a:cs typeface="+mn-cs"/>
+              </a:defRPr>
+            </a:lvl2pPr>
+            <a:lvl3pPr marL="914400" algn="l" defTabSz="914400" rtl="0" eaLnBrk="1" latinLnBrk="0" hangingPunct="1">
+              <a:defRPr sz="1800" kern="1200">
+                <a:solidFill>
+                  <a:schemeClr val="lt1"/>
+                </a:solidFill>
+                <a:latin typeface="+mn-lt"/>
+                <a:ea typeface="+mn-ea"/>
+                <a:cs typeface="+mn-cs"/>
+              </a:defRPr>
+            </a:lvl3pPr>
+            <a:lvl4pPr marL="1371600" algn="l" defTabSz="914400" rtl="0" eaLnBrk="1" latinLnBrk="0" hangingPunct="1">
+              <a:defRPr sz="1800" kern="1200">
+                <a:solidFill>
+                  <a:schemeClr val="lt1"/>
+                </a:solidFill>
+                <a:latin typeface="+mn-lt"/>
+                <a:ea typeface="+mn-ea"/>
+                <a:cs typeface="+mn-cs"/>
+              </a:defRPr>
+            </a:lvl4pPr>
+            <a:lvl5pPr marL="1828800" algn="l" defTabSz="914400" rtl="0" eaLnBrk="1" latinLnBrk="0" hangingPunct="1">
+              <a:defRPr sz="1800" kern="1200">
+                <a:solidFill>
+                  <a:schemeClr val="lt1"/>
+                </a:solidFill>
+                <a:latin typeface="+mn-lt"/>
+                <a:ea typeface="+mn-ea"/>
+                <a:cs typeface="+mn-cs"/>
+              </a:defRPr>
+            </a:lvl5pPr>
+            <a:lvl6pPr marL="2286000" algn="l" defTabSz="914400" rtl="0" eaLnBrk="1" latinLnBrk="0" hangingPunct="1">
+              <a:defRPr sz="1800" kern="1200">
+                <a:solidFill>
+                  <a:schemeClr val="lt1"/>
+                </a:solidFill>
+                <a:latin typeface="+mn-lt"/>
+                <a:ea typeface="+mn-ea"/>
+                <a:cs typeface="+mn-cs"/>
+              </a:defRPr>
+            </a:lvl6pPr>
+            <a:lvl7pPr marL="2743200" algn="l" defTabSz="914400" rtl="0" eaLnBrk="1" latinLnBrk="0" hangingPunct="1">
+              <a:defRPr sz="1800" kern="1200">
+                <a:solidFill>
+                  <a:schemeClr val="lt1"/>
+                </a:solidFill>
+                <a:latin typeface="+mn-lt"/>
+                <a:ea typeface="+mn-ea"/>
+                <a:cs typeface="+mn-cs"/>
+              </a:defRPr>
+            </a:lvl7pPr>
+            <a:lvl8pPr marL="3200400" algn="l" defTabSz="914400" rtl="0" eaLnBrk="1" latinLnBrk="0" hangingPunct="1">
+              <a:defRPr sz="1800" kern="1200">
+                <a:solidFill>
+                  <a:schemeClr val="lt1"/>
+                </a:solidFill>
+                <a:latin typeface="+mn-lt"/>
+                <a:ea typeface="+mn-ea"/>
+                <a:cs typeface="+mn-cs"/>
+              </a:defRPr>
+            </a:lvl8pPr>
+            <a:lvl9pPr marL="3657600" algn="l" defTabSz="914400" rtl="0" eaLnBrk="1" latinLnBrk="0" hangingPunct="1">
+              <a:defRPr sz="1800" kern="1200">
+                <a:solidFill>
+                  <a:schemeClr val="lt1"/>
+                </a:solidFill>
+                <a:latin typeface="+mn-lt"/>
+                <a:ea typeface="+mn-ea"/>
+                <a:cs typeface="+mn-cs"/>
+              </a:defRPr>
+            </a:lvl9pPr>
+          </a:lstStyle>
+          <a:p>
+            <a:pPr algn="ctr"/>
+            <a:r>
+              <a:rPr lang="de-DE" sz="1400" dirty="0">
+                <a:solidFill>
+                  <a:schemeClr val="bg1">
+                    <a:lumMod val="95000"/>
+                  </a:schemeClr>
+                </a:solidFill>
+              </a:rPr>
+              <a:t>ARM64</a:t>
+            </a:r>
+          </a:p>
+        </p:txBody>
+      </p:sp>
+      <p:sp>
+        <p:nvSpPr>
+          <p:cNvPr id="12" name="Textfeld 49">
+            <a:extLst>
+              <a:ext uri="{FF2B5EF4-FFF2-40B4-BE49-F238E27FC236}">
+                <a16:creationId xmlns:a16="http://schemas.microsoft.com/office/drawing/2014/main" id="{762CBD0B-456A-43D7-9C96-9C1852E1C969}"/>
+              </a:ext>
+            </a:extLst>
+          </p:cNvPr>
+          <p:cNvSpPr txBox="1"/>
+          <p:nvPr/>
+        </p:nvSpPr>
+        <p:spPr>
+          <a:xfrm>
+            <a:off x="527051" y="5191780"/>
+            <a:ext cx="1572504" cy="307777"/>
+          </a:xfrm>
+          <a:prstGeom prst="rect">
+            <a:avLst/>
+          </a:prstGeom>
+          <a:noFill/>
+        </p:spPr>
+        <p:txBody>
+          <a:bodyPr wrap="square" rtlCol="0">
+            <a:spAutoFit/>
+          </a:bodyPr>
+          <a:lstStyle>
+            <a:defPPr>
+              <a:defRPr lang="de-DE"/>
+            </a:defPPr>
+            <a:lvl1pPr marL="0" algn="l" defTabSz="914400" rtl="0" eaLnBrk="1" latinLnBrk="0" hangingPunct="1">
+              <a:defRPr sz="1800" kern="1200">
+                <a:solidFill>
+                  <a:schemeClr val="tx1"/>
+                </a:solidFill>
+                <a:latin typeface="+mn-lt"/>
+                <a:ea typeface="+mn-ea"/>
+                <a:cs typeface="+mn-cs"/>
+              </a:defRPr>
+            </a:lvl1pPr>
+            <a:lvl2pPr marL="457200" algn="l" defTabSz="914400" rtl="0" eaLnBrk="1" latinLnBrk="0" hangingPunct="1">
+              <a:defRPr sz="1800" kern="1200">
+                <a:solidFill>
+                  <a:schemeClr val="tx1"/>
+                </a:solidFill>
+                <a:latin typeface="+mn-lt"/>
+                <a:ea typeface="+mn-ea"/>
+                <a:cs typeface="+mn-cs"/>
+              </a:defRPr>
+            </a:lvl2pPr>
+            <a:lvl3pPr marL="914400" algn="l" defTabSz="914400" rtl="0" eaLnBrk="1" latinLnBrk="0" hangingPunct="1">
+              <a:defRPr sz="1800" kern="1200">
+                <a:solidFill>
+                  <a:schemeClr val="tx1"/>
+                </a:solidFill>
+                <a:latin typeface="+mn-lt"/>
+                <a:ea typeface="+mn-ea"/>
+                <a:cs typeface="+mn-cs"/>
+              </a:defRPr>
+            </a:lvl3pPr>
+            <a:lvl4pPr marL="1371600" algn="l" defTabSz="914400" rtl="0" eaLnBrk="1" latinLnBrk="0" hangingPunct="1">
+              <a:defRPr sz="1800" kern="1200">
+                <a:solidFill>
+                  <a:schemeClr val="tx1"/>
+                </a:solidFill>
+                <a:latin typeface="+mn-lt"/>
+                <a:ea typeface="+mn-ea"/>
+                <a:cs typeface="+mn-cs"/>
+              </a:defRPr>
+            </a:lvl4pPr>
+            <a:lvl5pPr marL="1828800" algn="l" defTabSz="914400" rtl="0" eaLnBrk="1" latinLnBrk="0" hangingPunct="1">
+              <a:defRPr sz="1800" kern="1200">
+                <a:solidFill>
+                  <a:schemeClr val="tx1"/>
+                </a:solidFill>
+                <a:latin typeface="+mn-lt"/>
+                <a:ea typeface="+mn-ea"/>
+                <a:cs typeface="+mn-cs"/>
+              </a:defRPr>
+            </a:lvl5pPr>
+            <a:lvl6pPr marL="2286000" algn="l" defTabSz="914400" rtl="0" eaLnBrk="1" latinLnBrk="0" hangingPunct="1">
+              <a:defRPr sz="1800" kern="1200">
+                <a:solidFill>
+                  <a:schemeClr val="tx1"/>
+                </a:solidFill>
+                <a:latin typeface="+mn-lt"/>
+                <a:ea typeface="+mn-ea"/>
+                <a:cs typeface="+mn-cs"/>
+              </a:defRPr>
+            </a:lvl6pPr>
+            <a:lvl7pPr marL="2743200" algn="l" defTabSz="914400" rtl="0" eaLnBrk="1" latinLnBrk="0" hangingPunct="1">
+              <a:defRPr sz="1800" kern="1200">
+                <a:solidFill>
+                  <a:schemeClr val="tx1"/>
+                </a:solidFill>
+                <a:latin typeface="+mn-lt"/>
+                <a:ea typeface="+mn-ea"/>
+                <a:cs typeface="+mn-cs"/>
+              </a:defRPr>
+            </a:lvl7pPr>
+            <a:lvl8pPr marL="3200400" algn="l" defTabSz="914400" rtl="0" eaLnBrk="1" latinLnBrk="0" hangingPunct="1">
+              <a:defRPr sz="1800" kern="1200">
+                <a:solidFill>
+                  <a:schemeClr val="tx1"/>
+                </a:solidFill>
+                <a:latin typeface="+mn-lt"/>
+                <a:ea typeface="+mn-ea"/>
+                <a:cs typeface="+mn-cs"/>
+              </a:defRPr>
+            </a:lvl8pPr>
+            <a:lvl9pPr marL="3657600" algn="l" defTabSz="914400" rtl="0" eaLnBrk="1" latinLnBrk="0" hangingPunct="1">
+              <a:defRPr sz="1800" kern="1200">
+                <a:solidFill>
+                  <a:schemeClr val="tx1"/>
+                </a:solidFill>
+                <a:latin typeface="+mn-lt"/>
+                <a:ea typeface="+mn-ea"/>
+                <a:cs typeface="+mn-cs"/>
+              </a:defRPr>
+            </a:lvl9pPr>
+          </a:lstStyle>
+          <a:p>
+            <a:r>
+              <a:rPr lang="de-DE" sz="1400" dirty="0"/>
+              <a:t>HW Layer</a:t>
+            </a:r>
+          </a:p>
+        </p:txBody>
+      </p:sp>
+      <p:sp>
+        <p:nvSpPr>
+          <p:cNvPr id="13" name="Textfeld 51">
+            <a:extLst>
+              <a:ext uri="{FF2B5EF4-FFF2-40B4-BE49-F238E27FC236}">
+                <a16:creationId xmlns:a16="http://schemas.microsoft.com/office/drawing/2014/main" id="{9D63D545-6B03-4FDA-B707-1616C284DDA5}"/>
+              </a:ext>
+            </a:extLst>
+          </p:cNvPr>
+          <p:cNvSpPr txBox="1"/>
+          <p:nvPr/>
+        </p:nvSpPr>
+        <p:spPr>
+          <a:xfrm>
+            <a:off x="527050" y="4599714"/>
+            <a:ext cx="1572505" cy="307777"/>
+          </a:xfrm>
+          <a:prstGeom prst="rect">
+            <a:avLst/>
+          </a:prstGeom>
+          <a:noFill/>
+        </p:spPr>
+        <p:txBody>
+          <a:bodyPr wrap="square" rtlCol="0">
+            <a:spAutoFit/>
+          </a:bodyPr>
+          <a:lstStyle>
+            <a:defPPr>
+              <a:defRPr lang="de-DE"/>
+            </a:defPPr>
+            <a:lvl1pPr marL="0" algn="l" defTabSz="914400" rtl="0" eaLnBrk="1" latinLnBrk="0" hangingPunct="1">
+              <a:defRPr sz="1800" kern="1200">
+                <a:solidFill>
+                  <a:schemeClr val="tx1"/>
+                </a:solidFill>
+                <a:latin typeface="+mn-lt"/>
+                <a:ea typeface="+mn-ea"/>
+                <a:cs typeface="+mn-cs"/>
+              </a:defRPr>
+            </a:lvl1pPr>
+            <a:lvl2pPr marL="457200" algn="l" defTabSz="914400" rtl="0" eaLnBrk="1" latinLnBrk="0" hangingPunct="1">
+              <a:defRPr sz="1800" kern="1200">
+                <a:solidFill>
+                  <a:schemeClr val="tx1"/>
+                </a:solidFill>
+                <a:latin typeface="+mn-lt"/>
+                <a:ea typeface="+mn-ea"/>
+                <a:cs typeface="+mn-cs"/>
+              </a:defRPr>
+            </a:lvl2pPr>
+            <a:lvl3pPr marL="914400" algn="l" defTabSz="914400" rtl="0" eaLnBrk="1" latinLnBrk="0" hangingPunct="1">
+              <a:defRPr sz="1800" kern="1200">
+                <a:solidFill>
+                  <a:schemeClr val="tx1"/>
+                </a:solidFill>
+                <a:latin typeface="+mn-lt"/>
+                <a:ea typeface="+mn-ea"/>
+                <a:cs typeface="+mn-cs"/>
+              </a:defRPr>
+            </a:lvl3pPr>
+            <a:lvl4pPr marL="1371600" algn="l" defTabSz="914400" rtl="0" eaLnBrk="1" latinLnBrk="0" hangingPunct="1">
+              <a:defRPr sz="1800" kern="1200">
+                <a:solidFill>
+                  <a:schemeClr val="tx1"/>
+                </a:solidFill>
+                <a:latin typeface="+mn-lt"/>
+                <a:ea typeface="+mn-ea"/>
+                <a:cs typeface="+mn-cs"/>
+              </a:defRPr>
+            </a:lvl4pPr>
+            <a:lvl5pPr marL="1828800" algn="l" defTabSz="914400" rtl="0" eaLnBrk="1" latinLnBrk="0" hangingPunct="1">
+              <a:defRPr sz="1800" kern="1200">
+                <a:solidFill>
+                  <a:schemeClr val="tx1"/>
+                </a:solidFill>
+                <a:latin typeface="+mn-lt"/>
+                <a:ea typeface="+mn-ea"/>
+                <a:cs typeface="+mn-cs"/>
+              </a:defRPr>
+            </a:lvl5pPr>
+            <a:lvl6pPr marL="2286000" algn="l" defTabSz="914400" rtl="0" eaLnBrk="1" latinLnBrk="0" hangingPunct="1">
+              <a:defRPr sz="1800" kern="1200">
+                <a:solidFill>
+                  <a:schemeClr val="tx1"/>
+                </a:solidFill>
+                <a:latin typeface="+mn-lt"/>
+                <a:ea typeface="+mn-ea"/>
+                <a:cs typeface="+mn-cs"/>
+              </a:defRPr>
+            </a:lvl6pPr>
+            <a:lvl7pPr marL="2743200" algn="l" defTabSz="914400" rtl="0" eaLnBrk="1" latinLnBrk="0" hangingPunct="1">
+              <a:defRPr sz="1800" kern="1200">
+                <a:solidFill>
+                  <a:schemeClr val="tx1"/>
+                </a:solidFill>
+                <a:latin typeface="+mn-lt"/>
+                <a:ea typeface="+mn-ea"/>
+                <a:cs typeface="+mn-cs"/>
+              </a:defRPr>
+            </a:lvl7pPr>
+            <a:lvl8pPr marL="3200400" algn="l" defTabSz="914400" rtl="0" eaLnBrk="1" latinLnBrk="0" hangingPunct="1">
+              <a:defRPr sz="1800" kern="1200">
+                <a:solidFill>
+                  <a:schemeClr val="tx1"/>
+                </a:solidFill>
+                <a:latin typeface="+mn-lt"/>
+                <a:ea typeface="+mn-ea"/>
+                <a:cs typeface="+mn-cs"/>
+              </a:defRPr>
+            </a:lvl8pPr>
+            <a:lvl9pPr marL="3657600" algn="l" defTabSz="914400" rtl="0" eaLnBrk="1" latinLnBrk="0" hangingPunct="1">
+              <a:defRPr sz="1800" kern="1200">
+                <a:solidFill>
+                  <a:schemeClr val="tx1"/>
+                </a:solidFill>
+                <a:latin typeface="+mn-lt"/>
+                <a:ea typeface="+mn-ea"/>
+                <a:cs typeface="+mn-cs"/>
+              </a:defRPr>
+            </a:lvl9pPr>
+          </a:lstStyle>
+          <a:p>
+            <a:r>
+              <a:rPr lang="de-DE" sz="1400" dirty="0"/>
+              <a:t>OS Layer</a:t>
+            </a:r>
+          </a:p>
+        </p:txBody>
+      </p:sp>
+      <p:sp>
+        <p:nvSpPr>
+          <p:cNvPr id="14" name="Textfeld 52">
+            <a:extLst>
+              <a:ext uri="{FF2B5EF4-FFF2-40B4-BE49-F238E27FC236}">
+                <a16:creationId xmlns:a16="http://schemas.microsoft.com/office/drawing/2014/main" id="{3117DE5C-D8D2-4BA9-BCAD-D14A05984079}"/>
+              </a:ext>
+            </a:extLst>
+          </p:cNvPr>
+          <p:cNvSpPr txBox="1"/>
+          <p:nvPr/>
+        </p:nvSpPr>
+        <p:spPr>
+          <a:xfrm>
+            <a:off x="523507" y="3925713"/>
+            <a:ext cx="1576049" cy="307777"/>
+          </a:xfrm>
+          <a:prstGeom prst="rect">
+            <a:avLst/>
+          </a:prstGeom>
+          <a:noFill/>
+        </p:spPr>
+        <p:txBody>
+          <a:bodyPr wrap="square" rtlCol="0">
+            <a:spAutoFit/>
+          </a:bodyPr>
+          <a:lstStyle>
+            <a:defPPr>
+              <a:defRPr lang="de-DE"/>
+            </a:defPPr>
+            <a:lvl1pPr marL="0" algn="l" defTabSz="914400" rtl="0" eaLnBrk="1" latinLnBrk="0" hangingPunct="1">
+              <a:defRPr sz="1800" kern="1200">
+                <a:solidFill>
+                  <a:schemeClr val="tx1"/>
+                </a:solidFill>
+                <a:latin typeface="+mn-lt"/>
+                <a:ea typeface="+mn-ea"/>
+                <a:cs typeface="+mn-cs"/>
+              </a:defRPr>
+            </a:lvl1pPr>
+            <a:lvl2pPr marL="457200" algn="l" defTabSz="914400" rtl="0" eaLnBrk="1" latinLnBrk="0" hangingPunct="1">
+              <a:defRPr sz="1800" kern="1200">
+                <a:solidFill>
+                  <a:schemeClr val="tx1"/>
+                </a:solidFill>
+                <a:latin typeface="+mn-lt"/>
+                <a:ea typeface="+mn-ea"/>
+                <a:cs typeface="+mn-cs"/>
+              </a:defRPr>
+            </a:lvl2pPr>
+            <a:lvl3pPr marL="914400" algn="l" defTabSz="914400" rtl="0" eaLnBrk="1" latinLnBrk="0" hangingPunct="1">
+              <a:defRPr sz="1800" kern="1200">
+                <a:solidFill>
+                  <a:schemeClr val="tx1"/>
+                </a:solidFill>
+                <a:latin typeface="+mn-lt"/>
+                <a:ea typeface="+mn-ea"/>
+                <a:cs typeface="+mn-cs"/>
+              </a:defRPr>
+            </a:lvl3pPr>
+            <a:lvl4pPr marL="1371600" algn="l" defTabSz="914400" rtl="0" eaLnBrk="1" latinLnBrk="0" hangingPunct="1">
+              <a:defRPr sz="1800" kern="1200">
+                <a:solidFill>
+                  <a:schemeClr val="tx1"/>
+                </a:solidFill>
+                <a:latin typeface="+mn-lt"/>
+                <a:ea typeface="+mn-ea"/>
+                <a:cs typeface="+mn-cs"/>
+              </a:defRPr>
+            </a:lvl4pPr>
+            <a:lvl5pPr marL="1828800" algn="l" defTabSz="914400" rtl="0" eaLnBrk="1" latinLnBrk="0" hangingPunct="1">
+              <a:defRPr sz="1800" kern="1200">
+                <a:solidFill>
+                  <a:schemeClr val="tx1"/>
+                </a:solidFill>
+                <a:latin typeface="+mn-lt"/>
+                <a:ea typeface="+mn-ea"/>
+                <a:cs typeface="+mn-cs"/>
+              </a:defRPr>
+            </a:lvl5pPr>
+            <a:lvl6pPr marL="2286000" algn="l" defTabSz="914400" rtl="0" eaLnBrk="1" latinLnBrk="0" hangingPunct="1">
+              <a:defRPr sz="1800" kern="1200">
+                <a:solidFill>
+                  <a:schemeClr val="tx1"/>
+                </a:solidFill>
+                <a:latin typeface="+mn-lt"/>
+                <a:ea typeface="+mn-ea"/>
+                <a:cs typeface="+mn-cs"/>
+              </a:defRPr>
+            </a:lvl6pPr>
+            <a:lvl7pPr marL="2743200" algn="l" defTabSz="914400" rtl="0" eaLnBrk="1" latinLnBrk="0" hangingPunct="1">
+              <a:defRPr sz="1800" kern="1200">
+                <a:solidFill>
+                  <a:schemeClr val="tx1"/>
+                </a:solidFill>
+                <a:latin typeface="+mn-lt"/>
+                <a:ea typeface="+mn-ea"/>
+                <a:cs typeface="+mn-cs"/>
+              </a:defRPr>
+            </a:lvl7pPr>
+            <a:lvl8pPr marL="3200400" algn="l" defTabSz="914400" rtl="0" eaLnBrk="1" latinLnBrk="0" hangingPunct="1">
+              <a:defRPr sz="1800" kern="1200">
+                <a:solidFill>
+                  <a:schemeClr val="tx1"/>
+                </a:solidFill>
+                <a:latin typeface="+mn-lt"/>
+                <a:ea typeface="+mn-ea"/>
+                <a:cs typeface="+mn-cs"/>
+              </a:defRPr>
+            </a:lvl8pPr>
+            <a:lvl9pPr marL="3657600" algn="l" defTabSz="914400" rtl="0" eaLnBrk="1" latinLnBrk="0" hangingPunct="1">
+              <a:defRPr sz="1800" kern="1200">
+                <a:solidFill>
+                  <a:schemeClr val="tx1"/>
+                </a:solidFill>
+                <a:latin typeface="+mn-lt"/>
+                <a:ea typeface="+mn-ea"/>
+                <a:cs typeface="+mn-cs"/>
+              </a:defRPr>
+            </a:lvl9pPr>
+          </a:lstStyle>
+          <a:p>
+            <a:r>
+              <a:rPr lang="de-DE" sz="1400" dirty="0"/>
+              <a:t>Transport Layer</a:t>
+            </a:r>
+          </a:p>
+        </p:txBody>
+      </p:sp>
+      <p:sp>
+        <p:nvSpPr>
+          <p:cNvPr id="15" name="Abgerundetes Rechteck 53">
+            <a:extLst>
+              <a:ext uri="{FF2B5EF4-FFF2-40B4-BE49-F238E27FC236}">
+                <a16:creationId xmlns:a16="http://schemas.microsoft.com/office/drawing/2014/main" id="{795C9BCB-E253-49EF-A3DE-E0526AB6C375}"/>
+              </a:ext>
+            </a:extLst>
+          </p:cNvPr>
+          <p:cNvSpPr/>
+          <p:nvPr/>
+        </p:nvSpPr>
+        <p:spPr>
+          <a:xfrm>
+            <a:off x="2167036" y="3178393"/>
+            <a:ext cx="9035908" cy="508310"/>
+          </a:xfrm>
+          <a:prstGeom prst="roundRect">
+            <a:avLst/>
+          </a:prstGeom>
+          <a:solidFill>
+            <a:srgbClr val="0070C0"/>
+          </a:solidFill>
+          <a:ln>
+            <a:solidFill>
+              <a:srgbClr val="0070C0"/>
+            </a:solidFill>
+          </a:ln>
+          <a:effectLst>
+            <a:outerShdw blurRad="63500" sx="102000" sy="102000" algn="ctr" rotWithShape="0">
+              <a:prstClr val="black">
+                <a:alpha val="40000"/>
+              </a:prstClr>
+            </a:outerShdw>
+          </a:effectLst>
+        </p:spPr>
+        <p:style>
+          <a:lnRef idx="1">
+            <a:schemeClr val="accent1"/>
+          </a:lnRef>
+          <a:fillRef idx="3">
+            <a:schemeClr val="accent1"/>
+          </a:fillRef>
+          <a:effectRef idx="2">
+            <a:schemeClr val="accent1"/>
+          </a:effectRef>
+          <a:fontRef idx="minor">
+            <a:schemeClr val="lt1"/>
+          </a:fontRef>
+        </p:style>
+        <p:txBody>
+          <a:bodyPr rtlCol="0" anchor="ctr"/>
+          <a:lstStyle>
+            <a:defPPr>
+              <a:defRPr lang="de-DE"/>
+            </a:defPPr>
+            <a:lvl1pPr marL="0" algn="l" defTabSz="914400" rtl="0" eaLnBrk="1" latinLnBrk="0" hangingPunct="1">
+              <a:defRPr sz="1800" kern="1200">
+                <a:solidFill>
+                  <a:schemeClr val="lt1"/>
+                </a:solidFill>
+                <a:latin typeface="+mn-lt"/>
+                <a:ea typeface="+mn-ea"/>
+                <a:cs typeface="+mn-cs"/>
+              </a:defRPr>
+            </a:lvl1pPr>
+            <a:lvl2pPr marL="457200" algn="l" defTabSz="914400" rtl="0" eaLnBrk="1" latinLnBrk="0" hangingPunct="1">
+              <a:defRPr sz="1800" kern="1200">
+                <a:solidFill>
+                  <a:schemeClr val="lt1"/>
+                </a:solidFill>
+                <a:latin typeface="+mn-lt"/>
+                <a:ea typeface="+mn-ea"/>
+                <a:cs typeface="+mn-cs"/>
+              </a:defRPr>
+            </a:lvl2pPr>
+            <a:lvl3pPr marL="914400" algn="l" defTabSz="914400" rtl="0" eaLnBrk="1" latinLnBrk="0" hangingPunct="1">
+              <a:defRPr sz="1800" kern="1200">
+                <a:solidFill>
+                  <a:schemeClr val="lt1"/>
+                </a:solidFill>
+                <a:latin typeface="+mn-lt"/>
+                <a:ea typeface="+mn-ea"/>
+                <a:cs typeface="+mn-cs"/>
+              </a:defRPr>
+            </a:lvl3pPr>
+            <a:lvl4pPr marL="1371600" algn="l" defTabSz="914400" rtl="0" eaLnBrk="1" latinLnBrk="0" hangingPunct="1">
+              <a:defRPr sz="1800" kern="1200">
+                <a:solidFill>
+                  <a:schemeClr val="lt1"/>
+                </a:solidFill>
+                <a:latin typeface="+mn-lt"/>
+                <a:ea typeface="+mn-ea"/>
+                <a:cs typeface="+mn-cs"/>
+              </a:defRPr>
+            </a:lvl4pPr>
+            <a:lvl5pPr marL="1828800" algn="l" defTabSz="914400" rtl="0" eaLnBrk="1" latinLnBrk="0" hangingPunct="1">
+              <a:defRPr sz="1800" kern="1200">
+                <a:solidFill>
+                  <a:schemeClr val="lt1"/>
+                </a:solidFill>
+                <a:latin typeface="+mn-lt"/>
+                <a:ea typeface="+mn-ea"/>
+                <a:cs typeface="+mn-cs"/>
+              </a:defRPr>
+            </a:lvl5pPr>
+            <a:lvl6pPr marL="2286000" algn="l" defTabSz="914400" rtl="0" eaLnBrk="1" latinLnBrk="0" hangingPunct="1">
+              <a:defRPr sz="1800" kern="1200">
+                <a:solidFill>
+                  <a:schemeClr val="lt1"/>
+                </a:solidFill>
+                <a:latin typeface="+mn-lt"/>
+                <a:ea typeface="+mn-ea"/>
+                <a:cs typeface="+mn-cs"/>
+              </a:defRPr>
+            </a:lvl6pPr>
+            <a:lvl7pPr marL="2743200" algn="l" defTabSz="914400" rtl="0" eaLnBrk="1" latinLnBrk="0" hangingPunct="1">
+              <a:defRPr sz="1800" kern="1200">
+                <a:solidFill>
+                  <a:schemeClr val="lt1"/>
+                </a:solidFill>
+                <a:latin typeface="+mn-lt"/>
+                <a:ea typeface="+mn-ea"/>
+                <a:cs typeface="+mn-cs"/>
+              </a:defRPr>
+            </a:lvl7pPr>
+            <a:lvl8pPr marL="3200400" algn="l" defTabSz="914400" rtl="0" eaLnBrk="1" latinLnBrk="0" hangingPunct="1">
+              <a:defRPr sz="1800" kern="1200">
+                <a:solidFill>
+                  <a:schemeClr val="lt1"/>
+                </a:solidFill>
+                <a:latin typeface="+mn-lt"/>
+                <a:ea typeface="+mn-ea"/>
+                <a:cs typeface="+mn-cs"/>
+              </a:defRPr>
+            </a:lvl8pPr>
+            <a:lvl9pPr marL="3657600" algn="l" defTabSz="914400" rtl="0" eaLnBrk="1" latinLnBrk="0" hangingPunct="1">
+              <a:defRPr sz="1800" kern="1200">
+                <a:solidFill>
+                  <a:schemeClr val="lt1"/>
+                </a:solidFill>
+                <a:latin typeface="+mn-lt"/>
+                <a:ea typeface="+mn-ea"/>
+                <a:cs typeface="+mn-cs"/>
+              </a:defRPr>
+            </a:lvl9pPr>
+          </a:lstStyle>
+          <a:p>
+            <a:pPr algn="ctr"/>
+            <a:r>
+              <a:rPr lang="de-DE" sz="1400" dirty="0" err="1">
+                <a:solidFill>
+                  <a:schemeClr val="bg1">
+                    <a:lumMod val="95000"/>
+                  </a:schemeClr>
+                </a:solidFill>
+              </a:rPr>
+              <a:t>eCAL</a:t>
+            </a:r>
+            <a:r>
+              <a:rPr lang="de-DE" sz="1400" dirty="0">
+                <a:solidFill>
+                  <a:schemeClr val="bg1">
+                    <a:lumMod val="95000"/>
+                  </a:schemeClr>
+                </a:solidFill>
+              </a:rPr>
+              <a:t> Native / LCM / </a:t>
+            </a:r>
+            <a:r>
+              <a:rPr lang="de-DE" sz="1400" dirty="0" err="1">
+                <a:solidFill>
+                  <a:schemeClr val="bg1">
+                    <a:lumMod val="95000"/>
+                  </a:schemeClr>
+                </a:solidFill>
+              </a:rPr>
+              <a:t>fastRTPS</a:t>
+            </a:r>
+            <a:r>
+              <a:rPr lang="de-DE" sz="1400" dirty="0">
+                <a:solidFill>
+                  <a:schemeClr val="bg1">
+                    <a:lumMod val="95000"/>
+                  </a:schemeClr>
+                </a:solidFill>
+              </a:rPr>
+              <a:t> (</a:t>
+            </a:r>
+            <a:r>
+              <a:rPr lang="de-DE" sz="1400" dirty="0" err="1">
+                <a:solidFill>
+                  <a:schemeClr val="bg1">
+                    <a:lumMod val="95000"/>
+                  </a:schemeClr>
+                </a:solidFill>
+              </a:rPr>
+              <a:t>eProsima</a:t>
+            </a:r>
+            <a:r>
+              <a:rPr lang="de-DE" sz="1400" dirty="0">
+                <a:solidFill>
+                  <a:schemeClr val="bg1">
+                    <a:lumMod val="95000"/>
+                  </a:schemeClr>
+                </a:solidFill>
+              </a:rPr>
+              <a:t>) / </a:t>
+            </a:r>
+            <a:r>
+              <a:rPr lang="de-DE" sz="1400" dirty="0" err="1">
+                <a:solidFill>
+                  <a:schemeClr val="bg1">
+                    <a:lumMod val="95000"/>
+                  </a:schemeClr>
+                </a:solidFill>
+              </a:rPr>
+              <a:t>Iceoryx</a:t>
+            </a:r>
+            <a:r>
+              <a:rPr lang="de-DE" sz="1400" dirty="0">
+                <a:solidFill>
+                  <a:schemeClr val="bg1">
+                    <a:lumMod val="95000"/>
+                  </a:schemeClr>
+                </a:solidFill>
+              </a:rPr>
+              <a:t> (Bosch)</a:t>
+            </a:r>
+          </a:p>
+        </p:txBody>
+      </p:sp>
+      <p:sp>
+        <p:nvSpPr>
+          <p:cNvPr id="16" name="Textfeld 54">
+            <a:extLst>
+              <a:ext uri="{FF2B5EF4-FFF2-40B4-BE49-F238E27FC236}">
+                <a16:creationId xmlns:a16="http://schemas.microsoft.com/office/drawing/2014/main" id="{A8313ABA-A3BB-4B65-B236-53AB35365AEF}"/>
+              </a:ext>
+            </a:extLst>
+          </p:cNvPr>
+          <p:cNvSpPr txBox="1"/>
+          <p:nvPr/>
+        </p:nvSpPr>
+        <p:spPr>
+          <a:xfrm>
+            <a:off x="523507" y="3267737"/>
+            <a:ext cx="1576048" cy="307777"/>
+          </a:xfrm>
+          <a:prstGeom prst="rect">
+            <a:avLst/>
+          </a:prstGeom>
+          <a:noFill/>
+        </p:spPr>
+        <p:txBody>
+          <a:bodyPr wrap="square" rtlCol="0">
+            <a:spAutoFit/>
+          </a:bodyPr>
+          <a:lstStyle>
+            <a:defPPr>
+              <a:defRPr lang="de-DE"/>
+            </a:defPPr>
+            <a:lvl1pPr marL="0" algn="l" defTabSz="914400" rtl="0" eaLnBrk="1" latinLnBrk="0" hangingPunct="1">
+              <a:defRPr sz="1800" kern="1200">
+                <a:solidFill>
+                  <a:schemeClr val="tx1"/>
+                </a:solidFill>
+                <a:latin typeface="+mn-lt"/>
+                <a:ea typeface="+mn-ea"/>
+                <a:cs typeface="+mn-cs"/>
+              </a:defRPr>
+            </a:lvl1pPr>
+            <a:lvl2pPr marL="457200" algn="l" defTabSz="914400" rtl="0" eaLnBrk="1" latinLnBrk="0" hangingPunct="1">
+              <a:defRPr sz="1800" kern="1200">
+                <a:solidFill>
+                  <a:schemeClr val="tx1"/>
+                </a:solidFill>
+                <a:latin typeface="+mn-lt"/>
+                <a:ea typeface="+mn-ea"/>
+                <a:cs typeface="+mn-cs"/>
+              </a:defRPr>
+            </a:lvl2pPr>
+            <a:lvl3pPr marL="914400" algn="l" defTabSz="914400" rtl="0" eaLnBrk="1" latinLnBrk="0" hangingPunct="1">
+              <a:defRPr sz="1800" kern="1200">
+                <a:solidFill>
+                  <a:schemeClr val="tx1"/>
+                </a:solidFill>
+                <a:latin typeface="+mn-lt"/>
+                <a:ea typeface="+mn-ea"/>
+                <a:cs typeface="+mn-cs"/>
+              </a:defRPr>
+            </a:lvl3pPr>
+            <a:lvl4pPr marL="1371600" algn="l" defTabSz="914400" rtl="0" eaLnBrk="1" latinLnBrk="0" hangingPunct="1">
+              <a:defRPr sz="1800" kern="1200">
+                <a:solidFill>
+                  <a:schemeClr val="tx1"/>
+                </a:solidFill>
+                <a:latin typeface="+mn-lt"/>
+                <a:ea typeface="+mn-ea"/>
+                <a:cs typeface="+mn-cs"/>
+              </a:defRPr>
+            </a:lvl4pPr>
+            <a:lvl5pPr marL="1828800" algn="l" defTabSz="914400" rtl="0" eaLnBrk="1" latinLnBrk="0" hangingPunct="1">
+              <a:defRPr sz="1800" kern="1200">
+                <a:solidFill>
+                  <a:schemeClr val="tx1"/>
+                </a:solidFill>
+                <a:latin typeface="+mn-lt"/>
+                <a:ea typeface="+mn-ea"/>
+                <a:cs typeface="+mn-cs"/>
+              </a:defRPr>
+            </a:lvl5pPr>
+            <a:lvl6pPr marL="2286000" algn="l" defTabSz="914400" rtl="0" eaLnBrk="1" latinLnBrk="0" hangingPunct="1">
+              <a:defRPr sz="1800" kern="1200">
+                <a:solidFill>
+                  <a:schemeClr val="tx1"/>
+                </a:solidFill>
+                <a:latin typeface="+mn-lt"/>
+                <a:ea typeface="+mn-ea"/>
+                <a:cs typeface="+mn-cs"/>
+              </a:defRPr>
+            </a:lvl6pPr>
+            <a:lvl7pPr marL="2743200" algn="l" defTabSz="914400" rtl="0" eaLnBrk="1" latinLnBrk="0" hangingPunct="1">
+              <a:defRPr sz="1800" kern="1200">
+                <a:solidFill>
+                  <a:schemeClr val="tx1"/>
+                </a:solidFill>
+                <a:latin typeface="+mn-lt"/>
+                <a:ea typeface="+mn-ea"/>
+                <a:cs typeface="+mn-cs"/>
+              </a:defRPr>
+            </a:lvl7pPr>
+            <a:lvl8pPr marL="3200400" algn="l" defTabSz="914400" rtl="0" eaLnBrk="1" latinLnBrk="0" hangingPunct="1">
+              <a:defRPr sz="1800" kern="1200">
+                <a:solidFill>
+                  <a:schemeClr val="tx1"/>
+                </a:solidFill>
+                <a:latin typeface="+mn-lt"/>
+                <a:ea typeface="+mn-ea"/>
+                <a:cs typeface="+mn-cs"/>
+              </a:defRPr>
+            </a:lvl8pPr>
+            <a:lvl9pPr marL="3657600" algn="l" defTabSz="914400" rtl="0" eaLnBrk="1" latinLnBrk="0" hangingPunct="1">
+              <a:defRPr sz="1800" kern="1200">
+                <a:solidFill>
+                  <a:schemeClr val="tx1"/>
+                </a:solidFill>
+                <a:latin typeface="+mn-lt"/>
+                <a:ea typeface="+mn-ea"/>
+                <a:cs typeface="+mn-cs"/>
+              </a:defRPr>
+            </a:lvl9pPr>
+          </a:lstStyle>
+          <a:p>
+            <a:r>
+              <a:rPr lang="de-DE" sz="1400" dirty="0"/>
+              <a:t>Protocol Layer</a:t>
+            </a:r>
+          </a:p>
+        </p:txBody>
+      </p:sp>
+      <p:sp>
+        <p:nvSpPr>
+          <p:cNvPr id="17" name="Abgerundetes Rechteck 55">
+            <a:extLst>
+              <a:ext uri="{FF2B5EF4-FFF2-40B4-BE49-F238E27FC236}">
+                <a16:creationId xmlns:a16="http://schemas.microsoft.com/office/drawing/2014/main" id="{9519E238-5871-4AF3-B64E-6C554CD124B2}"/>
+              </a:ext>
+            </a:extLst>
+          </p:cNvPr>
+          <p:cNvSpPr/>
+          <p:nvPr/>
+        </p:nvSpPr>
+        <p:spPr>
+          <a:xfrm>
+            <a:off x="2165166" y="2514069"/>
+            <a:ext cx="9035908" cy="508310"/>
+          </a:xfrm>
+          <a:prstGeom prst="roundRect">
+            <a:avLst/>
+          </a:prstGeom>
+          <a:solidFill>
+            <a:srgbClr val="0070C0"/>
+          </a:solidFill>
+          <a:ln>
+            <a:solidFill>
+              <a:srgbClr val="0070C0"/>
+            </a:solidFill>
+          </a:ln>
+          <a:effectLst>
+            <a:outerShdw blurRad="63500" sx="102000" sy="102000" algn="ctr" rotWithShape="0">
+              <a:prstClr val="black">
+                <a:alpha val="40000"/>
+              </a:prstClr>
+            </a:outerShdw>
+          </a:effectLst>
+        </p:spPr>
+        <p:style>
+          <a:lnRef idx="1">
+            <a:schemeClr val="accent1"/>
+          </a:lnRef>
+          <a:fillRef idx="3">
+            <a:schemeClr val="accent1"/>
+          </a:fillRef>
+          <a:effectRef idx="2">
+            <a:schemeClr val="accent1"/>
+          </a:effectRef>
+          <a:fontRef idx="minor">
+            <a:schemeClr val="lt1"/>
+          </a:fontRef>
+        </p:style>
+        <p:txBody>
+          <a:bodyPr rtlCol="0" anchor="ctr"/>
+          <a:lstStyle>
+            <a:defPPr>
+              <a:defRPr lang="de-DE"/>
+            </a:defPPr>
+            <a:lvl1pPr marL="0" algn="l" defTabSz="914400" rtl="0" eaLnBrk="1" latinLnBrk="0" hangingPunct="1">
+              <a:defRPr sz="1800" kern="1200">
+                <a:solidFill>
+                  <a:schemeClr val="lt1"/>
+                </a:solidFill>
+                <a:latin typeface="+mn-lt"/>
+                <a:ea typeface="+mn-ea"/>
+                <a:cs typeface="+mn-cs"/>
+              </a:defRPr>
+            </a:lvl1pPr>
+            <a:lvl2pPr marL="457200" algn="l" defTabSz="914400" rtl="0" eaLnBrk="1" latinLnBrk="0" hangingPunct="1">
+              <a:defRPr sz="1800" kern="1200">
+                <a:solidFill>
+                  <a:schemeClr val="lt1"/>
+                </a:solidFill>
+                <a:latin typeface="+mn-lt"/>
+                <a:ea typeface="+mn-ea"/>
+                <a:cs typeface="+mn-cs"/>
+              </a:defRPr>
+            </a:lvl2pPr>
+            <a:lvl3pPr marL="914400" algn="l" defTabSz="914400" rtl="0" eaLnBrk="1" latinLnBrk="0" hangingPunct="1">
+              <a:defRPr sz="1800" kern="1200">
+                <a:solidFill>
+                  <a:schemeClr val="lt1"/>
+                </a:solidFill>
+                <a:latin typeface="+mn-lt"/>
+                <a:ea typeface="+mn-ea"/>
+                <a:cs typeface="+mn-cs"/>
+              </a:defRPr>
+            </a:lvl3pPr>
+            <a:lvl4pPr marL="1371600" algn="l" defTabSz="914400" rtl="0" eaLnBrk="1" latinLnBrk="0" hangingPunct="1">
+              <a:defRPr sz="1800" kern="1200">
+                <a:solidFill>
+                  <a:schemeClr val="lt1"/>
+                </a:solidFill>
+                <a:latin typeface="+mn-lt"/>
+                <a:ea typeface="+mn-ea"/>
+                <a:cs typeface="+mn-cs"/>
+              </a:defRPr>
+            </a:lvl4pPr>
+            <a:lvl5pPr marL="1828800" algn="l" defTabSz="914400" rtl="0" eaLnBrk="1" latinLnBrk="0" hangingPunct="1">
+              <a:defRPr sz="1800" kern="1200">
+                <a:solidFill>
+                  <a:schemeClr val="lt1"/>
+                </a:solidFill>
+                <a:latin typeface="+mn-lt"/>
+                <a:ea typeface="+mn-ea"/>
+                <a:cs typeface="+mn-cs"/>
+              </a:defRPr>
+            </a:lvl5pPr>
+            <a:lvl6pPr marL="2286000" algn="l" defTabSz="914400" rtl="0" eaLnBrk="1" latinLnBrk="0" hangingPunct="1">
+              <a:defRPr sz="1800" kern="1200">
+                <a:solidFill>
+                  <a:schemeClr val="lt1"/>
+                </a:solidFill>
+                <a:latin typeface="+mn-lt"/>
+                <a:ea typeface="+mn-ea"/>
+                <a:cs typeface="+mn-cs"/>
+              </a:defRPr>
+            </a:lvl6pPr>
+            <a:lvl7pPr marL="2743200" algn="l" defTabSz="914400" rtl="0" eaLnBrk="1" latinLnBrk="0" hangingPunct="1">
+              <a:defRPr sz="1800" kern="1200">
+                <a:solidFill>
+                  <a:schemeClr val="lt1"/>
+                </a:solidFill>
+                <a:latin typeface="+mn-lt"/>
+                <a:ea typeface="+mn-ea"/>
+                <a:cs typeface="+mn-cs"/>
+              </a:defRPr>
+            </a:lvl7pPr>
+            <a:lvl8pPr marL="3200400" algn="l" defTabSz="914400" rtl="0" eaLnBrk="1" latinLnBrk="0" hangingPunct="1">
+              <a:defRPr sz="1800" kern="1200">
+                <a:solidFill>
+                  <a:schemeClr val="lt1"/>
+                </a:solidFill>
+                <a:latin typeface="+mn-lt"/>
+                <a:ea typeface="+mn-ea"/>
+                <a:cs typeface="+mn-cs"/>
+              </a:defRPr>
+            </a:lvl8pPr>
+            <a:lvl9pPr marL="3657600" algn="l" defTabSz="914400" rtl="0" eaLnBrk="1" latinLnBrk="0" hangingPunct="1">
+              <a:defRPr sz="1800" kern="1200">
+                <a:solidFill>
+                  <a:schemeClr val="lt1"/>
+                </a:solidFill>
+                <a:latin typeface="+mn-lt"/>
+                <a:ea typeface="+mn-ea"/>
+                <a:cs typeface="+mn-cs"/>
+              </a:defRPr>
+            </a:lvl9pPr>
+          </a:lstStyle>
+          <a:p>
+            <a:pPr algn="ctr"/>
+            <a:r>
+              <a:rPr lang="de-DE" sz="1400" dirty="0">
+                <a:solidFill>
+                  <a:schemeClr val="bg1">
+                    <a:lumMod val="95000"/>
+                  </a:schemeClr>
+                </a:solidFill>
+              </a:rPr>
+              <a:t>Google </a:t>
+            </a:r>
+            <a:r>
+              <a:rPr lang="de-DE" sz="1400" dirty="0" err="1">
+                <a:solidFill>
+                  <a:schemeClr val="bg1">
+                    <a:lumMod val="95000"/>
+                  </a:schemeClr>
+                </a:solidFill>
+              </a:rPr>
+              <a:t>Protobuf</a:t>
+            </a:r>
+            <a:r>
+              <a:rPr lang="de-DE" sz="1400" dirty="0">
+                <a:solidFill>
+                  <a:schemeClr val="bg1">
+                    <a:lumMod val="95000"/>
+                  </a:schemeClr>
+                </a:solidFill>
+              </a:rPr>
+              <a:t> (</a:t>
+            </a:r>
+            <a:r>
+              <a:rPr lang="de-DE" sz="1400" dirty="0" err="1">
+                <a:solidFill>
+                  <a:schemeClr val="bg1">
+                    <a:lumMod val="95000"/>
+                  </a:schemeClr>
+                </a:solidFill>
+              </a:rPr>
+              <a:t>Flatbuffers</a:t>
+            </a:r>
+            <a:r>
+              <a:rPr lang="de-DE" sz="1400" dirty="0">
+                <a:solidFill>
+                  <a:schemeClr val="bg1">
+                    <a:lumMod val="95000"/>
+                  </a:schemeClr>
+                </a:solidFill>
+              </a:rPr>
+              <a:t>, </a:t>
+            </a:r>
+            <a:r>
+              <a:rPr lang="de-DE" sz="1400" dirty="0" err="1">
+                <a:solidFill>
+                  <a:schemeClr val="bg1">
+                    <a:lumMod val="95000"/>
+                  </a:schemeClr>
+                </a:solidFill>
+              </a:rPr>
+              <a:t>Cap‘nProto</a:t>
+            </a:r>
+            <a:r>
+              <a:rPr lang="de-DE" sz="1400" dirty="0">
+                <a:solidFill>
+                  <a:schemeClr val="bg1">
+                    <a:lumMod val="95000"/>
+                  </a:schemeClr>
+                </a:solidFill>
+              </a:rPr>
+              <a:t>, </a:t>
+            </a:r>
+            <a:r>
+              <a:rPr lang="de-DE" sz="1400" dirty="0" err="1">
+                <a:solidFill>
+                  <a:schemeClr val="bg1">
+                    <a:lumMod val="95000"/>
+                  </a:schemeClr>
+                </a:solidFill>
+              </a:rPr>
+              <a:t>MsgPack</a:t>
+            </a:r>
+            <a:r>
+              <a:rPr lang="de-DE" sz="1400" dirty="0">
+                <a:solidFill>
+                  <a:schemeClr val="bg1">
+                    <a:lumMod val="95000"/>
+                  </a:schemeClr>
+                </a:solidFill>
+              </a:rPr>
+              <a:t>, JSON ..)</a:t>
+            </a:r>
+          </a:p>
+        </p:txBody>
+      </p:sp>
+      <p:sp>
+        <p:nvSpPr>
+          <p:cNvPr id="18" name="Textfeld 56">
+            <a:extLst>
+              <a:ext uri="{FF2B5EF4-FFF2-40B4-BE49-F238E27FC236}">
+                <a16:creationId xmlns:a16="http://schemas.microsoft.com/office/drawing/2014/main" id="{F88DFA04-7634-4BB2-B67A-2A419CD07E31}"/>
+              </a:ext>
+            </a:extLst>
+          </p:cNvPr>
+          <p:cNvSpPr txBox="1"/>
+          <p:nvPr/>
+        </p:nvSpPr>
+        <p:spPr>
+          <a:xfrm>
+            <a:off x="525549" y="2604375"/>
+            <a:ext cx="1581501" cy="307777"/>
+          </a:xfrm>
+          <a:prstGeom prst="rect">
+            <a:avLst/>
+          </a:prstGeom>
+          <a:noFill/>
+        </p:spPr>
+        <p:txBody>
+          <a:bodyPr wrap="square" rtlCol="0">
+            <a:spAutoFit/>
+          </a:bodyPr>
+          <a:lstStyle>
+            <a:defPPr>
+              <a:defRPr lang="de-DE"/>
+            </a:defPPr>
+            <a:lvl1pPr marL="0" algn="l" defTabSz="914400" rtl="0" eaLnBrk="1" latinLnBrk="0" hangingPunct="1">
+              <a:defRPr sz="1800" kern="1200">
+                <a:solidFill>
+                  <a:schemeClr val="tx1"/>
+                </a:solidFill>
+                <a:latin typeface="+mn-lt"/>
+                <a:ea typeface="+mn-ea"/>
+                <a:cs typeface="+mn-cs"/>
+              </a:defRPr>
+            </a:lvl1pPr>
+            <a:lvl2pPr marL="457200" algn="l" defTabSz="914400" rtl="0" eaLnBrk="1" latinLnBrk="0" hangingPunct="1">
+              <a:defRPr sz="1800" kern="1200">
+                <a:solidFill>
+                  <a:schemeClr val="tx1"/>
+                </a:solidFill>
+                <a:latin typeface="+mn-lt"/>
+                <a:ea typeface="+mn-ea"/>
+                <a:cs typeface="+mn-cs"/>
+              </a:defRPr>
+            </a:lvl2pPr>
+            <a:lvl3pPr marL="914400" algn="l" defTabSz="914400" rtl="0" eaLnBrk="1" latinLnBrk="0" hangingPunct="1">
+              <a:defRPr sz="1800" kern="1200">
+                <a:solidFill>
+                  <a:schemeClr val="tx1"/>
+                </a:solidFill>
+                <a:latin typeface="+mn-lt"/>
+                <a:ea typeface="+mn-ea"/>
+                <a:cs typeface="+mn-cs"/>
+              </a:defRPr>
+            </a:lvl3pPr>
+            <a:lvl4pPr marL="1371600" algn="l" defTabSz="914400" rtl="0" eaLnBrk="1" latinLnBrk="0" hangingPunct="1">
+              <a:defRPr sz="1800" kern="1200">
+                <a:solidFill>
+                  <a:schemeClr val="tx1"/>
+                </a:solidFill>
+                <a:latin typeface="+mn-lt"/>
+                <a:ea typeface="+mn-ea"/>
+                <a:cs typeface="+mn-cs"/>
+              </a:defRPr>
+            </a:lvl4pPr>
+            <a:lvl5pPr marL="1828800" algn="l" defTabSz="914400" rtl="0" eaLnBrk="1" latinLnBrk="0" hangingPunct="1">
+              <a:defRPr sz="1800" kern="1200">
+                <a:solidFill>
+                  <a:schemeClr val="tx1"/>
+                </a:solidFill>
+                <a:latin typeface="+mn-lt"/>
+                <a:ea typeface="+mn-ea"/>
+                <a:cs typeface="+mn-cs"/>
+              </a:defRPr>
+            </a:lvl5pPr>
+            <a:lvl6pPr marL="2286000" algn="l" defTabSz="914400" rtl="0" eaLnBrk="1" latinLnBrk="0" hangingPunct="1">
+              <a:defRPr sz="1800" kern="1200">
+                <a:solidFill>
+                  <a:schemeClr val="tx1"/>
+                </a:solidFill>
+                <a:latin typeface="+mn-lt"/>
+                <a:ea typeface="+mn-ea"/>
+                <a:cs typeface="+mn-cs"/>
+              </a:defRPr>
+            </a:lvl6pPr>
+            <a:lvl7pPr marL="2743200" algn="l" defTabSz="914400" rtl="0" eaLnBrk="1" latinLnBrk="0" hangingPunct="1">
+              <a:defRPr sz="1800" kern="1200">
+                <a:solidFill>
+                  <a:schemeClr val="tx1"/>
+                </a:solidFill>
+                <a:latin typeface="+mn-lt"/>
+                <a:ea typeface="+mn-ea"/>
+                <a:cs typeface="+mn-cs"/>
+              </a:defRPr>
+            </a:lvl7pPr>
+            <a:lvl8pPr marL="3200400" algn="l" defTabSz="914400" rtl="0" eaLnBrk="1" latinLnBrk="0" hangingPunct="1">
+              <a:defRPr sz="1800" kern="1200">
+                <a:solidFill>
+                  <a:schemeClr val="tx1"/>
+                </a:solidFill>
+                <a:latin typeface="+mn-lt"/>
+                <a:ea typeface="+mn-ea"/>
+                <a:cs typeface="+mn-cs"/>
+              </a:defRPr>
+            </a:lvl8pPr>
+            <a:lvl9pPr marL="3657600" algn="l" defTabSz="914400" rtl="0" eaLnBrk="1" latinLnBrk="0" hangingPunct="1">
+              <a:defRPr sz="1800" kern="1200">
+                <a:solidFill>
+                  <a:schemeClr val="tx1"/>
+                </a:solidFill>
+                <a:latin typeface="+mn-lt"/>
+                <a:ea typeface="+mn-ea"/>
+                <a:cs typeface="+mn-cs"/>
+              </a:defRPr>
+            </a:lvl9pPr>
+          </a:lstStyle>
+          <a:p>
+            <a:r>
+              <a:rPr lang="de-DE" sz="1400" dirty="0"/>
+              <a:t>Message Layer</a:t>
+            </a:r>
+          </a:p>
+        </p:txBody>
+      </p:sp>
+      <p:sp>
+        <p:nvSpPr>
+          <p:cNvPr id="19" name="Abgerundetes Rechteck 57">
+            <a:extLst>
+              <a:ext uri="{FF2B5EF4-FFF2-40B4-BE49-F238E27FC236}">
+                <a16:creationId xmlns:a16="http://schemas.microsoft.com/office/drawing/2014/main" id="{55426F6E-AE9B-42A0-88D1-D65BE6EB2EE5}"/>
+              </a:ext>
+            </a:extLst>
+          </p:cNvPr>
+          <p:cNvSpPr/>
+          <p:nvPr/>
+        </p:nvSpPr>
+        <p:spPr>
+          <a:xfrm>
+            <a:off x="2172660" y="1860602"/>
+            <a:ext cx="9035908" cy="508310"/>
+          </a:xfrm>
+          <a:prstGeom prst="roundRect">
+            <a:avLst/>
+          </a:prstGeom>
+          <a:solidFill>
+            <a:srgbClr val="0070C0"/>
+          </a:solidFill>
+          <a:ln>
+            <a:solidFill>
+              <a:srgbClr val="0070C0"/>
+            </a:solidFill>
+          </a:ln>
+          <a:effectLst>
+            <a:outerShdw blurRad="63500" sx="102000" sy="102000" algn="ctr" rotWithShape="0">
+              <a:prstClr val="black">
+                <a:alpha val="40000"/>
+              </a:prstClr>
+            </a:outerShdw>
+          </a:effectLst>
+        </p:spPr>
+        <p:style>
+          <a:lnRef idx="1">
+            <a:schemeClr val="accent1"/>
+          </a:lnRef>
+          <a:fillRef idx="3">
+            <a:schemeClr val="accent1"/>
+          </a:fillRef>
+          <a:effectRef idx="2">
+            <a:schemeClr val="accent1"/>
+          </a:effectRef>
+          <a:fontRef idx="minor">
+            <a:schemeClr val="lt1"/>
+          </a:fontRef>
+        </p:style>
+        <p:txBody>
+          <a:bodyPr rtlCol="0" anchor="ctr"/>
+          <a:lstStyle>
+            <a:defPPr>
+              <a:defRPr lang="de-DE"/>
+            </a:defPPr>
+            <a:lvl1pPr marL="0" algn="l" defTabSz="914400" rtl="0" eaLnBrk="1" latinLnBrk="0" hangingPunct="1">
+              <a:defRPr sz="1800" kern="1200">
+                <a:solidFill>
+                  <a:schemeClr val="lt1"/>
+                </a:solidFill>
+                <a:latin typeface="+mn-lt"/>
+                <a:ea typeface="+mn-ea"/>
+                <a:cs typeface="+mn-cs"/>
+              </a:defRPr>
+            </a:lvl1pPr>
+            <a:lvl2pPr marL="457200" algn="l" defTabSz="914400" rtl="0" eaLnBrk="1" latinLnBrk="0" hangingPunct="1">
+              <a:defRPr sz="1800" kern="1200">
+                <a:solidFill>
+                  <a:schemeClr val="lt1"/>
+                </a:solidFill>
+                <a:latin typeface="+mn-lt"/>
+                <a:ea typeface="+mn-ea"/>
+                <a:cs typeface="+mn-cs"/>
+              </a:defRPr>
+            </a:lvl2pPr>
+            <a:lvl3pPr marL="914400" algn="l" defTabSz="914400" rtl="0" eaLnBrk="1" latinLnBrk="0" hangingPunct="1">
+              <a:defRPr sz="1800" kern="1200">
+                <a:solidFill>
+                  <a:schemeClr val="lt1"/>
+                </a:solidFill>
+                <a:latin typeface="+mn-lt"/>
+                <a:ea typeface="+mn-ea"/>
+                <a:cs typeface="+mn-cs"/>
+              </a:defRPr>
+            </a:lvl3pPr>
+            <a:lvl4pPr marL="1371600" algn="l" defTabSz="914400" rtl="0" eaLnBrk="1" latinLnBrk="0" hangingPunct="1">
+              <a:defRPr sz="1800" kern="1200">
+                <a:solidFill>
+                  <a:schemeClr val="lt1"/>
+                </a:solidFill>
+                <a:latin typeface="+mn-lt"/>
+                <a:ea typeface="+mn-ea"/>
+                <a:cs typeface="+mn-cs"/>
+              </a:defRPr>
+            </a:lvl4pPr>
+            <a:lvl5pPr marL="1828800" algn="l" defTabSz="914400" rtl="0" eaLnBrk="1" latinLnBrk="0" hangingPunct="1">
+              <a:defRPr sz="1800" kern="1200">
+                <a:solidFill>
+                  <a:schemeClr val="lt1"/>
+                </a:solidFill>
+                <a:latin typeface="+mn-lt"/>
+                <a:ea typeface="+mn-ea"/>
+                <a:cs typeface="+mn-cs"/>
+              </a:defRPr>
+            </a:lvl5pPr>
+            <a:lvl6pPr marL="2286000" algn="l" defTabSz="914400" rtl="0" eaLnBrk="1" latinLnBrk="0" hangingPunct="1">
+              <a:defRPr sz="1800" kern="1200">
+                <a:solidFill>
+                  <a:schemeClr val="lt1"/>
+                </a:solidFill>
+                <a:latin typeface="+mn-lt"/>
+                <a:ea typeface="+mn-ea"/>
+                <a:cs typeface="+mn-cs"/>
+              </a:defRPr>
+            </a:lvl6pPr>
+            <a:lvl7pPr marL="2743200" algn="l" defTabSz="914400" rtl="0" eaLnBrk="1" latinLnBrk="0" hangingPunct="1">
+              <a:defRPr sz="1800" kern="1200">
+                <a:solidFill>
+                  <a:schemeClr val="lt1"/>
+                </a:solidFill>
+                <a:latin typeface="+mn-lt"/>
+                <a:ea typeface="+mn-ea"/>
+                <a:cs typeface="+mn-cs"/>
+              </a:defRPr>
+            </a:lvl7pPr>
+            <a:lvl8pPr marL="3200400" algn="l" defTabSz="914400" rtl="0" eaLnBrk="1" latinLnBrk="0" hangingPunct="1">
+              <a:defRPr sz="1800" kern="1200">
+                <a:solidFill>
+                  <a:schemeClr val="lt1"/>
+                </a:solidFill>
+                <a:latin typeface="+mn-lt"/>
+                <a:ea typeface="+mn-ea"/>
+                <a:cs typeface="+mn-cs"/>
+              </a:defRPr>
+            </a:lvl8pPr>
+            <a:lvl9pPr marL="3657600" algn="l" defTabSz="914400" rtl="0" eaLnBrk="1" latinLnBrk="0" hangingPunct="1">
+              <a:defRPr sz="1800" kern="1200">
+                <a:solidFill>
+                  <a:schemeClr val="lt1"/>
+                </a:solidFill>
+                <a:latin typeface="+mn-lt"/>
+                <a:ea typeface="+mn-ea"/>
+                <a:cs typeface="+mn-cs"/>
+              </a:defRPr>
+            </a:lvl9pPr>
+          </a:lstStyle>
+          <a:p>
+            <a:pPr algn="ctr"/>
+            <a:r>
+              <a:rPr lang="de-DE" sz="1400" dirty="0">
+                <a:solidFill>
+                  <a:schemeClr val="bg1">
+                    <a:lumMod val="95000"/>
+                  </a:schemeClr>
+                </a:solidFill>
+              </a:rPr>
+              <a:t>Start/</a:t>
+            </a:r>
+            <a:r>
+              <a:rPr lang="de-DE" sz="1400" dirty="0" err="1">
+                <a:solidFill>
+                  <a:schemeClr val="bg1">
+                    <a:lumMod val="95000"/>
+                  </a:schemeClr>
+                </a:solidFill>
+              </a:rPr>
+              <a:t>Stop</a:t>
+            </a:r>
+            <a:r>
+              <a:rPr lang="de-DE" sz="1400" dirty="0">
+                <a:solidFill>
+                  <a:schemeClr val="bg1">
+                    <a:lumMod val="95000"/>
+                  </a:schemeClr>
+                </a:solidFill>
+              </a:rPr>
+              <a:t>, </a:t>
+            </a:r>
+            <a:r>
+              <a:rPr lang="de-DE" sz="1400" dirty="0" err="1">
+                <a:solidFill>
+                  <a:schemeClr val="bg1">
+                    <a:lumMod val="95000"/>
+                  </a:schemeClr>
+                </a:solidFill>
+              </a:rPr>
+              <a:t>TimeSync</a:t>
+            </a:r>
+            <a:r>
+              <a:rPr lang="de-DE" sz="1400" dirty="0">
+                <a:solidFill>
+                  <a:schemeClr val="bg1">
+                    <a:lumMod val="95000"/>
+                  </a:schemeClr>
+                </a:solidFill>
+              </a:rPr>
+              <a:t>, </a:t>
+            </a:r>
+            <a:r>
+              <a:rPr lang="de-DE" sz="1400" dirty="0" err="1">
+                <a:solidFill>
+                  <a:schemeClr val="bg1">
+                    <a:lumMod val="95000"/>
+                  </a:schemeClr>
+                </a:solidFill>
+              </a:rPr>
+              <a:t>Logging</a:t>
+            </a:r>
+            <a:r>
+              <a:rPr lang="de-DE" sz="1400" dirty="0">
+                <a:solidFill>
+                  <a:schemeClr val="bg1">
+                    <a:lumMod val="95000"/>
+                  </a:schemeClr>
+                </a:solidFill>
+              </a:rPr>
+              <a:t>, </a:t>
+            </a:r>
+            <a:r>
+              <a:rPr lang="de-DE" sz="1400" dirty="0" err="1">
+                <a:solidFill>
+                  <a:schemeClr val="bg1">
+                    <a:lumMod val="95000"/>
+                  </a:schemeClr>
+                </a:solidFill>
+              </a:rPr>
+              <a:t>Measuring</a:t>
+            </a:r>
+            <a:r>
+              <a:rPr lang="de-DE" sz="1400" dirty="0">
+                <a:solidFill>
+                  <a:schemeClr val="bg1">
+                    <a:lumMod val="95000"/>
+                  </a:schemeClr>
+                </a:solidFill>
+              </a:rPr>
+              <a:t>, Monitoring</a:t>
+            </a:r>
+          </a:p>
+        </p:txBody>
+      </p:sp>
+      <p:sp>
+        <p:nvSpPr>
+          <p:cNvPr id="20" name="Textfeld 58">
+            <a:extLst>
+              <a:ext uri="{FF2B5EF4-FFF2-40B4-BE49-F238E27FC236}">
+                <a16:creationId xmlns:a16="http://schemas.microsoft.com/office/drawing/2014/main" id="{CB115C44-A1A5-4735-AFBA-60A30DD4C3A3}"/>
+              </a:ext>
+            </a:extLst>
+          </p:cNvPr>
+          <p:cNvSpPr txBox="1"/>
+          <p:nvPr/>
+        </p:nvSpPr>
+        <p:spPr>
+          <a:xfrm>
+            <a:off x="523507" y="1945480"/>
+            <a:ext cx="1576048" cy="307777"/>
+          </a:xfrm>
+          <a:prstGeom prst="rect">
+            <a:avLst/>
+          </a:prstGeom>
+          <a:noFill/>
+        </p:spPr>
+        <p:txBody>
+          <a:bodyPr wrap="square" rtlCol="0">
+            <a:spAutoFit/>
+          </a:bodyPr>
+          <a:lstStyle>
+            <a:defPPr>
+              <a:defRPr lang="de-DE"/>
+            </a:defPPr>
+            <a:lvl1pPr marL="0" algn="l" defTabSz="914400" rtl="0" eaLnBrk="1" latinLnBrk="0" hangingPunct="1">
+              <a:defRPr sz="1800" kern="1200">
+                <a:solidFill>
+                  <a:schemeClr val="tx1"/>
+                </a:solidFill>
+                <a:latin typeface="+mn-lt"/>
+                <a:ea typeface="+mn-ea"/>
+                <a:cs typeface="+mn-cs"/>
+              </a:defRPr>
+            </a:lvl1pPr>
+            <a:lvl2pPr marL="457200" algn="l" defTabSz="914400" rtl="0" eaLnBrk="1" latinLnBrk="0" hangingPunct="1">
+              <a:defRPr sz="1800" kern="1200">
+                <a:solidFill>
+                  <a:schemeClr val="tx1"/>
+                </a:solidFill>
+                <a:latin typeface="+mn-lt"/>
+                <a:ea typeface="+mn-ea"/>
+                <a:cs typeface="+mn-cs"/>
+              </a:defRPr>
+            </a:lvl2pPr>
+            <a:lvl3pPr marL="914400" algn="l" defTabSz="914400" rtl="0" eaLnBrk="1" latinLnBrk="0" hangingPunct="1">
+              <a:defRPr sz="1800" kern="1200">
+                <a:solidFill>
+                  <a:schemeClr val="tx1"/>
+                </a:solidFill>
+                <a:latin typeface="+mn-lt"/>
+                <a:ea typeface="+mn-ea"/>
+                <a:cs typeface="+mn-cs"/>
+              </a:defRPr>
+            </a:lvl3pPr>
+            <a:lvl4pPr marL="1371600" algn="l" defTabSz="914400" rtl="0" eaLnBrk="1" latinLnBrk="0" hangingPunct="1">
+              <a:defRPr sz="1800" kern="1200">
+                <a:solidFill>
+                  <a:schemeClr val="tx1"/>
+                </a:solidFill>
+                <a:latin typeface="+mn-lt"/>
+                <a:ea typeface="+mn-ea"/>
+                <a:cs typeface="+mn-cs"/>
+              </a:defRPr>
+            </a:lvl4pPr>
+            <a:lvl5pPr marL="1828800" algn="l" defTabSz="914400" rtl="0" eaLnBrk="1" latinLnBrk="0" hangingPunct="1">
+              <a:defRPr sz="1800" kern="1200">
+                <a:solidFill>
+                  <a:schemeClr val="tx1"/>
+                </a:solidFill>
+                <a:latin typeface="+mn-lt"/>
+                <a:ea typeface="+mn-ea"/>
+                <a:cs typeface="+mn-cs"/>
+              </a:defRPr>
+            </a:lvl5pPr>
+            <a:lvl6pPr marL="2286000" algn="l" defTabSz="914400" rtl="0" eaLnBrk="1" latinLnBrk="0" hangingPunct="1">
+              <a:defRPr sz="1800" kern="1200">
+                <a:solidFill>
+                  <a:schemeClr val="tx1"/>
+                </a:solidFill>
+                <a:latin typeface="+mn-lt"/>
+                <a:ea typeface="+mn-ea"/>
+                <a:cs typeface="+mn-cs"/>
+              </a:defRPr>
+            </a:lvl6pPr>
+            <a:lvl7pPr marL="2743200" algn="l" defTabSz="914400" rtl="0" eaLnBrk="1" latinLnBrk="0" hangingPunct="1">
+              <a:defRPr sz="1800" kern="1200">
+                <a:solidFill>
+                  <a:schemeClr val="tx1"/>
+                </a:solidFill>
+                <a:latin typeface="+mn-lt"/>
+                <a:ea typeface="+mn-ea"/>
+                <a:cs typeface="+mn-cs"/>
+              </a:defRPr>
+            </a:lvl7pPr>
+            <a:lvl8pPr marL="3200400" algn="l" defTabSz="914400" rtl="0" eaLnBrk="1" latinLnBrk="0" hangingPunct="1">
+              <a:defRPr sz="1800" kern="1200">
+                <a:solidFill>
+                  <a:schemeClr val="tx1"/>
+                </a:solidFill>
+                <a:latin typeface="+mn-lt"/>
+                <a:ea typeface="+mn-ea"/>
+                <a:cs typeface="+mn-cs"/>
+              </a:defRPr>
+            </a:lvl8pPr>
+            <a:lvl9pPr marL="3657600" algn="l" defTabSz="914400" rtl="0" eaLnBrk="1" latinLnBrk="0" hangingPunct="1">
+              <a:defRPr sz="1800" kern="1200">
+                <a:solidFill>
+                  <a:schemeClr val="tx1"/>
+                </a:solidFill>
+                <a:latin typeface="+mn-lt"/>
+                <a:ea typeface="+mn-ea"/>
+                <a:cs typeface="+mn-cs"/>
+              </a:defRPr>
+            </a:lvl9pPr>
+          </a:lstStyle>
+          <a:p>
+            <a:r>
+              <a:rPr lang="de-DE" sz="1400" dirty="0"/>
+              <a:t>Service Layer</a:t>
+            </a:r>
+          </a:p>
+        </p:txBody>
+      </p:sp>
+      <p:sp>
+        <p:nvSpPr>
+          <p:cNvPr id="21" name="Abgerundetes Rechteck 59">
+            <a:extLst>
+              <a:ext uri="{FF2B5EF4-FFF2-40B4-BE49-F238E27FC236}">
+                <a16:creationId xmlns:a16="http://schemas.microsoft.com/office/drawing/2014/main" id="{4813E70B-110D-4D8E-8587-CC46C36CDEC5}"/>
+              </a:ext>
+            </a:extLst>
+          </p:cNvPr>
+          <p:cNvSpPr/>
+          <p:nvPr/>
+        </p:nvSpPr>
+        <p:spPr>
+          <a:xfrm>
+            <a:off x="2169759" y="1124744"/>
+            <a:ext cx="9035908" cy="584776"/>
+          </a:xfrm>
+          <a:prstGeom prst="roundRect">
+            <a:avLst/>
+          </a:prstGeom>
+          <a:solidFill>
+            <a:schemeClr val="accent4">
+              <a:lumMod val="75000"/>
+            </a:schemeClr>
+          </a:solidFill>
+          <a:ln>
+            <a:solidFill>
+              <a:srgbClr val="0070C0"/>
+            </a:solidFill>
+          </a:ln>
+          <a:effectLst>
+            <a:outerShdw blurRad="63500" sx="102000" sy="102000" algn="ctr" rotWithShape="0">
+              <a:prstClr val="black">
+                <a:alpha val="40000"/>
+              </a:prstClr>
+            </a:outerShdw>
+          </a:effectLst>
+        </p:spPr>
+        <p:style>
+          <a:lnRef idx="1">
+            <a:schemeClr val="accent1"/>
+          </a:lnRef>
+          <a:fillRef idx="3">
+            <a:schemeClr val="accent1"/>
+          </a:fillRef>
+          <a:effectRef idx="2">
+            <a:schemeClr val="accent1"/>
+          </a:effectRef>
+          <a:fontRef idx="minor">
+            <a:schemeClr val="lt1"/>
+          </a:fontRef>
+        </p:style>
+        <p:txBody>
+          <a:bodyPr rtlCol="0" anchor="ctr"/>
+          <a:lstStyle>
+            <a:defPPr>
+              <a:defRPr lang="de-DE"/>
+            </a:defPPr>
+            <a:lvl1pPr marL="0" algn="l" defTabSz="914400" rtl="0" eaLnBrk="1" latinLnBrk="0" hangingPunct="1">
+              <a:defRPr sz="1800" kern="1200">
+                <a:solidFill>
+                  <a:schemeClr val="lt1"/>
+                </a:solidFill>
+                <a:latin typeface="+mn-lt"/>
+                <a:ea typeface="+mn-ea"/>
+                <a:cs typeface="+mn-cs"/>
+              </a:defRPr>
+            </a:lvl1pPr>
+            <a:lvl2pPr marL="457200" algn="l" defTabSz="914400" rtl="0" eaLnBrk="1" latinLnBrk="0" hangingPunct="1">
+              <a:defRPr sz="1800" kern="1200">
+                <a:solidFill>
+                  <a:schemeClr val="lt1"/>
+                </a:solidFill>
+                <a:latin typeface="+mn-lt"/>
+                <a:ea typeface="+mn-ea"/>
+                <a:cs typeface="+mn-cs"/>
+              </a:defRPr>
+            </a:lvl2pPr>
+            <a:lvl3pPr marL="914400" algn="l" defTabSz="914400" rtl="0" eaLnBrk="1" latinLnBrk="0" hangingPunct="1">
+              <a:defRPr sz="1800" kern="1200">
+                <a:solidFill>
+                  <a:schemeClr val="lt1"/>
+                </a:solidFill>
+                <a:latin typeface="+mn-lt"/>
+                <a:ea typeface="+mn-ea"/>
+                <a:cs typeface="+mn-cs"/>
+              </a:defRPr>
+            </a:lvl3pPr>
+            <a:lvl4pPr marL="1371600" algn="l" defTabSz="914400" rtl="0" eaLnBrk="1" latinLnBrk="0" hangingPunct="1">
+              <a:defRPr sz="1800" kern="1200">
+                <a:solidFill>
+                  <a:schemeClr val="lt1"/>
+                </a:solidFill>
+                <a:latin typeface="+mn-lt"/>
+                <a:ea typeface="+mn-ea"/>
+                <a:cs typeface="+mn-cs"/>
+              </a:defRPr>
+            </a:lvl4pPr>
+            <a:lvl5pPr marL="1828800" algn="l" defTabSz="914400" rtl="0" eaLnBrk="1" latinLnBrk="0" hangingPunct="1">
+              <a:defRPr sz="1800" kern="1200">
+                <a:solidFill>
+                  <a:schemeClr val="lt1"/>
+                </a:solidFill>
+                <a:latin typeface="+mn-lt"/>
+                <a:ea typeface="+mn-ea"/>
+                <a:cs typeface="+mn-cs"/>
+              </a:defRPr>
+            </a:lvl5pPr>
+            <a:lvl6pPr marL="2286000" algn="l" defTabSz="914400" rtl="0" eaLnBrk="1" latinLnBrk="0" hangingPunct="1">
+              <a:defRPr sz="1800" kern="1200">
+                <a:solidFill>
+                  <a:schemeClr val="lt1"/>
+                </a:solidFill>
+                <a:latin typeface="+mn-lt"/>
+                <a:ea typeface="+mn-ea"/>
+                <a:cs typeface="+mn-cs"/>
+              </a:defRPr>
+            </a:lvl6pPr>
+            <a:lvl7pPr marL="2743200" algn="l" defTabSz="914400" rtl="0" eaLnBrk="1" latinLnBrk="0" hangingPunct="1">
+              <a:defRPr sz="1800" kern="1200">
+                <a:solidFill>
+                  <a:schemeClr val="lt1"/>
+                </a:solidFill>
+                <a:latin typeface="+mn-lt"/>
+                <a:ea typeface="+mn-ea"/>
+                <a:cs typeface="+mn-cs"/>
+              </a:defRPr>
+            </a:lvl7pPr>
+            <a:lvl8pPr marL="3200400" algn="l" defTabSz="914400" rtl="0" eaLnBrk="1" latinLnBrk="0" hangingPunct="1">
+              <a:defRPr sz="1800" kern="1200">
+                <a:solidFill>
+                  <a:schemeClr val="lt1"/>
+                </a:solidFill>
+                <a:latin typeface="+mn-lt"/>
+                <a:ea typeface="+mn-ea"/>
+                <a:cs typeface="+mn-cs"/>
+              </a:defRPr>
+            </a:lvl8pPr>
+            <a:lvl9pPr marL="3657600" algn="l" defTabSz="914400" rtl="0" eaLnBrk="1" latinLnBrk="0" hangingPunct="1">
+              <a:defRPr sz="1800" kern="1200">
+                <a:solidFill>
+                  <a:schemeClr val="lt1"/>
+                </a:solidFill>
+                <a:latin typeface="+mn-lt"/>
+                <a:ea typeface="+mn-ea"/>
+                <a:cs typeface="+mn-cs"/>
+              </a:defRPr>
+            </a:lvl9pPr>
+          </a:lstStyle>
+          <a:p>
+            <a:pPr algn="ctr"/>
+            <a:r>
+              <a:rPr lang="de-DE" sz="1400" b="1" dirty="0">
+                <a:solidFill>
+                  <a:schemeClr val="accent6"/>
+                </a:solidFill>
+              </a:rPr>
+              <a:t>Core Module (C / C++ / Python)</a:t>
+            </a:r>
+          </a:p>
+        </p:txBody>
+      </p:sp>
+      <p:sp>
+        <p:nvSpPr>
+          <p:cNvPr id="23" name="Textfeld 64">
+            <a:extLst>
+              <a:ext uri="{FF2B5EF4-FFF2-40B4-BE49-F238E27FC236}">
+                <a16:creationId xmlns:a16="http://schemas.microsoft.com/office/drawing/2014/main" id="{130ABC10-9922-4898-BD99-054A17BE0600}"/>
+              </a:ext>
+            </a:extLst>
+          </p:cNvPr>
+          <p:cNvSpPr txBox="1"/>
+          <p:nvPr/>
+        </p:nvSpPr>
+        <p:spPr>
+          <a:xfrm>
+            <a:off x="523507" y="1246035"/>
+            <a:ext cx="1583543" cy="307777"/>
+          </a:xfrm>
+          <a:prstGeom prst="rect">
+            <a:avLst/>
+          </a:prstGeom>
+          <a:noFill/>
+        </p:spPr>
+        <p:txBody>
+          <a:bodyPr wrap="square" rtlCol="0">
+            <a:spAutoFit/>
+          </a:bodyPr>
+          <a:lstStyle>
+            <a:defPPr>
+              <a:defRPr lang="de-DE"/>
+            </a:defPPr>
+            <a:lvl1pPr marL="0" algn="l" defTabSz="914400" rtl="0" eaLnBrk="1" latinLnBrk="0" hangingPunct="1">
+              <a:defRPr sz="1800" kern="1200">
+                <a:solidFill>
+                  <a:schemeClr val="tx1"/>
+                </a:solidFill>
+                <a:latin typeface="+mn-lt"/>
+                <a:ea typeface="+mn-ea"/>
+                <a:cs typeface="+mn-cs"/>
+              </a:defRPr>
+            </a:lvl1pPr>
+            <a:lvl2pPr marL="457200" algn="l" defTabSz="914400" rtl="0" eaLnBrk="1" latinLnBrk="0" hangingPunct="1">
+              <a:defRPr sz="1800" kern="1200">
+                <a:solidFill>
+                  <a:schemeClr val="tx1"/>
+                </a:solidFill>
+                <a:latin typeface="+mn-lt"/>
+                <a:ea typeface="+mn-ea"/>
+                <a:cs typeface="+mn-cs"/>
+              </a:defRPr>
+            </a:lvl2pPr>
+            <a:lvl3pPr marL="914400" algn="l" defTabSz="914400" rtl="0" eaLnBrk="1" latinLnBrk="0" hangingPunct="1">
+              <a:defRPr sz="1800" kern="1200">
+                <a:solidFill>
+                  <a:schemeClr val="tx1"/>
+                </a:solidFill>
+                <a:latin typeface="+mn-lt"/>
+                <a:ea typeface="+mn-ea"/>
+                <a:cs typeface="+mn-cs"/>
+              </a:defRPr>
+            </a:lvl3pPr>
+            <a:lvl4pPr marL="1371600" algn="l" defTabSz="914400" rtl="0" eaLnBrk="1" latinLnBrk="0" hangingPunct="1">
+              <a:defRPr sz="1800" kern="1200">
+                <a:solidFill>
+                  <a:schemeClr val="tx1"/>
+                </a:solidFill>
+                <a:latin typeface="+mn-lt"/>
+                <a:ea typeface="+mn-ea"/>
+                <a:cs typeface="+mn-cs"/>
+              </a:defRPr>
+            </a:lvl4pPr>
+            <a:lvl5pPr marL="1828800" algn="l" defTabSz="914400" rtl="0" eaLnBrk="1" latinLnBrk="0" hangingPunct="1">
+              <a:defRPr sz="1800" kern="1200">
+                <a:solidFill>
+                  <a:schemeClr val="tx1"/>
+                </a:solidFill>
+                <a:latin typeface="+mn-lt"/>
+                <a:ea typeface="+mn-ea"/>
+                <a:cs typeface="+mn-cs"/>
+              </a:defRPr>
+            </a:lvl5pPr>
+            <a:lvl6pPr marL="2286000" algn="l" defTabSz="914400" rtl="0" eaLnBrk="1" latinLnBrk="0" hangingPunct="1">
+              <a:defRPr sz="1800" kern="1200">
+                <a:solidFill>
+                  <a:schemeClr val="tx1"/>
+                </a:solidFill>
+                <a:latin typeface="+mn-lt"/>
+                <a:ea typeface="+mn-ea"/>
+                <a:cs typeface="+mn-cs"/>
+              </a:defRPr>
+            </a:lvl6pPr>
+            <a:lvl7pPr marL="2743200" algn="l" defTabSz="914400" rtl="0" eaLnBrk="1" latinLnBrk="0" hangingPunct="1">
+              <a:defRPr sz="1800" kern="1200">
+                <a:solidFill>
+                  <a:schemeClr val="tx1"/>
+                </a:solidFill>
+                <a:latin typeface="+mn-lt"/>
+                <a:ea typeface="+mn-ea"/>
+                <a:cs typeface="+mn-cs"/>
+              </a:defRPr>
+            </a:lvl7pPr>
+            <a:lvl8pPr marL="3200400" algn="l" defTabSz="914400" rtl="0" eaLnBrk="1" latinLnBrk="0" hangingPunct="1">
+              <a:defRPr sz="1800" kern="1200">
+                <a:solidFill>
+                  <a:schemeClr val="tx1"/>
+                </a:solidFill>
+                <a:latin typeface="+mn-lt"/>
+                <a:ea typeface="+mn-ea"/>
+                <a:cs typeface="+mn-cs"/>
+              </a:defRPr>
+            </a:lvl8pPr>
+            <a:lvl9pPr marL="3657600" algn="l" defTabSz="914400" rtl="0" eaLnBrk="1" latinLnBrk="0" hangingPunct="1">
+              <a:defRPr sz="1800" kern="1200">
+                <a:solidFill>
+                  <a:schemeClr val="tx1"/>
+                </a:solidFill>
+                <a:latin typeface="+mn-lt"/>
+                <a:ea typeface="+mn-ea"/>
+                <a:cs typeface="+mn-cs"/>
+              </a:defRPr>
+            </a:lvl9pPr>
+          </a:lstStyle>
+          <a:p>
+            <a:r>
+              <a:rPr lang="de-DE" sz="1400" dirty="0" err="1"/>
+              <a:t>Algorithm</a:t>
+            </a:r>
+            <a:r>
+              <a:rPr lang="de-DE" sz="1400" dirty="0"/>
+              <a:t> Layer</a:t>
+            </a:r>
+          </a:p>
+        </p:txBody>
+      </p:sp>
+    </p:spTree>
+    <p:extLst>
+      <p:ext uri="{BB962C8B-B14F-4D97-AF65-F5344CB8AC3E}">
+        <p14:creationId xmlns:p14="http://schemas.microsoft.com/office/powerpoint/2010/main" val="570177159"/>
+      </p:ext>
+    </p:extLst>
+  </p:cSld>
+  <p:clrMapOvr>
+    <a:masterClrMapping/>
+  </p:clrMapOvr>
+  <p:transition>
+    <p:fade/>
+  </p:transition>
+  <p:timing>
+    <p:tnLst>
+      <p:par>
+        <p:cTn id="1" dur="indefinite" restart="never" nodeType="tmRoot">
+          <p:childTnLst>
+            <p:seq concurrent="1" nextAc="seek">
+              <p:cTn id="2" dur="indefinite" nodeType="mainSeq">
+                <p:childTnLst>
+                  <p:par>
+                    <p:cTn id="3" fill="hold">
+                      <p:stCondLst>
+                        <p:cond delay="indefinite"/>
+                      </p:stCondLst>
+                      <p:childTnLst>
+                        <p:par>
+                          <p:cTn id="4" fill="hold">
+                            <p:stCondLst>
+                              <p:cond delay="0"/>
+                            </p:stCondLst>
+                            <p:childTnLst>
                               <p:par>
-                                <p:cTn id="33" presetID="1" presetClass="entr" presetSubtype="0" fill="hold" nodeType="withEffect">
+                                <p:cTn id="5" presetID="1" presetClass="entr" presetSubtype="0" fill="hold" grpId="0" nodeType="clickEffect">
+                                  <p:stCondLst>
+                                    <p:cond delay="0"/>
+                                  </p:stCondLst>
+                                  <p:childTnLst>
+                                    <p:set>
+                                      <p:cBhvr>
+                                        <p:cTn id="6" dur="1" fill="hold">
+                                          <p:stCondLst>
+                                            <p:cond delay="0"/>
+                                          </p:stCondLst>
+                                        </p:cTn>
+                                        <p:tgtEl>
+                                          <p:spTgt spid="9"/>
+                                        </p:tgtEl>
+                                        <p:attrNameLst>
+                                          <p:attrName>style.visibility</p:attrName>
+                                        </p:attrNameLst>
+                                      </p:cBhvr>
+                                      <p:to>
+                                        <p:strVal val="visible"/>
+                                      </p:to>
+                                    </p:set>
+                                  </p:childTnLst>
+                                </p:cTn>
+                              </p:par>
+                              <p:par>
+                                <p:cTn id="7" presetID="1" presetClass="entr" presetSubtype="0" fill="hold" grpId="0" nodeType="withEffect">
+                                  <p:stCondLst>
+                                    <p:cond delay="0"/>
+                                  </p:stCondLst>
+                                  <p:childTnLst>
+                                    <p:set>
+                                      <p:cBhvr>
+                                        <p:cTn id="8" dur="1" fill="hold">
+                                          <p:stCondLst>
+                                            <p:cond delay="0"/>
+                                          </p:stCondLst>
+                                        </p:cTn>
+                                        <p:tgtEl>
+                                          <p:spTgt spid="10"/>
+                                        </p:tgtEl>
+                                        <p:attrNameLst>
+                                          <p:attrName>style.visibility</p:attrName>
+                                        </p:attrNameLst>
+                                      </p:cBhvr>
+                                      <p:to>
+                                        <p:strVal val="visible"/>
+                                      </p:to>
+                                    </p:set>
+                                  </p:childTnLst>
+                                </p:cTn>
+                              </p:par>
+                              <p:par>
+                                <p:cTn id="9" presetID="1" presetClass="entr" presetSubtype="0" fill="hold" grpId="0" nodeType="withEffect">
+                                  <p:stCondLst>
+                                    <p:cond delay="0"/>
+                                  </p:stCondLst>
+                                  <p:childTnLst>
+                                    <p:set>
+                                      <p:cBhvr>
+                                        <p:cTn id="10" dur="1" fill="hold">
+                                          <p:stCondLst>
+                                            <p:cond delay="0"/>
+                                          </p:stCondLst>
+                                        </p:cTn>
+                                        <p:tgtEl>
+                                          <p:spTgt spid="11"/>
+                                        </p:tgtEl>
+                                        <p:attrNameLst>
+                                          <p:attrName>style.visibility</p:attrName>
+                                        </p:attrNameLst>
+                                      </p:cBhvr>
+                                      <p:to>
+                                        <p:strVal val="visible"/>
+                                      </p:to>
+                                    </p:set>
+                                  </p:childTnLst>
+                                </p:cTn>
+                              </p:par>
+                              <p:par>
+                                <p:cTn id="11" presetID="1" presetClass="entr" presetSubtype="0" fill="hold" grpId="0" nodeType="withEffect">
+                                  <p:stCondLst>
+                                    <p:cond delay="0"/>
+                                  </p:stCondLst>
+                                  <p:childTnLst>
+                                    <p:set>
+                                      <p:cBhvr>
+                                        <p:cTn id="12" dur="1" fill="hold">
+                                          <p:stCondLst>
+                                            <p:cond delay="0"/>
+                                          </p:stCondLst>
+                                        </p:cTn>
+                                        <p:tgtEl>
+                                          <p:spTgt spid="12"/>
+                                        </p:tgtEl>
+                                        <p:attrNameLst>
+                                          <p:attrName>style.visibility</p:attrName>
+                                        </p:attrNameLst>
+                                      </p:cBhvr>
+                                      <p:to>
+                                        <p:strVal val="visible"/>
+                                      </p:to>
+                                    </p:set>
+                                  </p:childTnLst>
+                                </p:cTn>
+                              </p:par>
+                              <p:par>
+                                <p:cTn id="13" presetID="1" presetClass="entr" presetSubtype="0" fill="hold" grpId="0" nodeType="withEffect">
+                                  <p:stCondLst>
+                                    <p:cond delay="0"/>
+                                  </p:stCondLst>
+                                  <p:childTnLst>
+                                    <p:set>
+                                      <p:cBhvr>
+                                        <p:cTn id="14" dur="1" fill="hold">
+                                          <p:stCondLst>
+                                            <p:cond delay="0"/>
+                                          </p:stCondLst>
+                                        </p:cTn>
+                                        <p:tgtEl>
+                                          <p:spTgt spid="13"/>
+                                        </p:tgtEl>
+                                        <p:attrNameLst>
+                                          <p:attrName>style.visibility</p:attrName>
+                                        </p:attrNameLst>
+                                      </p:cBhvr>
+                                      <p:to>
+                                        <p:strVal val="visible"/>
+                                      </p:to>
+                                    </p:set>
+                                  </p:childTnLst>
+                                </p:cTn>
+                              </p:par>
+                            </p:childTnLst>
+                          </p:cTn>
+                        </p:par>
+                      </p:childTnLst>
+                    </p:cTn>
+                  </p:par>
+                  <p:par>
+                    <p:cTn id="15" fill="hold">
+                      <p:stCondLst>
+                        <p:cond delay="indefinite"/>
+                      </p:stCondLst>
+                      <p:childTnLst>
+                        <p:par>
+                          <p:cTn id="16" fill="hold">
+                            <p:stCondLst>
+                              <p:cond delay="0"/>
+                            </p:stCondLst>
+                            <p:childTnLst>
+                              <p:par>
+                                <p:cTn id="17" presetID="1" presetClass="entr" presetSubtype="0" fill="hold" grpId="0" nodeType="clickEffect">
+                                  <p:stCondLst>
+                                    <p:cond delay="0"/>
+                                  </p:stCondLst>
+                                  <p:childTnLst>
+                                    <p:set>
+                                      <p:cBhvr>
+                                        <p:cTn id="18" dur="1" fill="hold">
+                                          <p:stCondLst>
+                                            <p:cond delay="0"/>
+                                          </p:stCondLst>
+                                        </p:cTn>
+                                        <p:tgtEl>
+                                          <p:spTgt spid="7"/>
+                                        </p:tgtEl>
+                                        <p:attrNameLst>
+                                          <p:attrName>style.visibility</p:attrName>
+                                        </p:attrNameLst>
+                                      </p:cBhvr>
+                                      <p:to>
+                                        <p:strVal val="visible"/>
+                                      </p:to>
+                                    </p:set>
+                                  </p:childTnLst>
+                                </p:cTn>
+                              </p:par>
+                              <p:par>
+                                <p:cTn id="19" presetID="1" presetClass="entr" presetSubtype="0" fill="hold" grpId="0" nodeType="withEffect">
+                                  <p:stCondLst>
+                                    <p:cond delay="0"/>
+                                  </p:stCondLst>
+                                  <p:childTnLst>
+                                    <p:set>
+                                      <p:cBhvr>
+                                        <p:cTn id="20" dur="1" fill="hold">
+                                          <p:stCondLst>
+                                            <p:cond delay="0"/>
+                                          </p:stCondLst>
+                                        </p:cTn>
+                                        <p:tgtEl>
+                                          <p:spTgt spid="14"/>
+                                        </p:tgtEl>
+                                        <p:attrNameLst>
+                                          <p:attrName>style.visibility</p:attrName>
+                                        </p:attrNameLst>
+                                      </p:cBhvr>
+                                      <p:to>
+                                        <p:strVal val="visible"/>
+                                      </p:to>
+                                    </p:set>
+                                  </p:childTnLst>
+                                </p:cTn>
+                              </p:par>
+                              <p:par>
+                                <p:cTn id="21" presetID="1" presetClass="entr" presetSubtype="0" fill="hold" grpId="0" nodeType="withEffect">
+                                  <p:stCondLst>
+                                    <p:cond delay="0"/>
+                                  </p:stCondLst>
+                                  <p:childTnLst>
+                                    <p:set>
+                                      <p:cBhvr>
+                                        <p:cTn id="22" dur="1" fill="hold">
+                                          <p:stCondLst>
+                                            <p:cond delay="0"/>
+                                          </p:stCondLst>
+                                        </p:cTn>
+                                        <p:tgtEl>
+                                          <p:spTgt spid="15"/>
+                                        </p:tgtEl>
+                                        <p:attrNameLst>
+                                          <p:attrName>style.visibility</p:attrName>
+                                        </p:attrNameLst>
+                                      </p:cBhvr>
+                                      <p:to>
+                                        <p:strVal val="visible"/>
+                                      </p:to>
+                                    </p:set>
+                                  </p:childTnLst>
+                                </p:cTn>
+                              </p:par>
+                              <p:par>
+                                <p:cTn id="23" presetID="1" presetClass="entr" presetSubtype="0" fill="hold" grpId="0" nodeType="withEffect">
+                                  <p:stCondLst>
+                                    <p:cond delay="0"/>
+                                  </p:stCondLst>
+                                  <p:childTnLst>
+                                    <p:set>
+                                      <p:cBhvr>
+                                        <p:cTn id="24" dur="1" fill="hold">
+                                          <p:stCondLst>
+                                            <p:cond delay="0"/>
+                                          </p:stCondLst>
+                                        </p:cTn>
+                                        <p:tgtEl>
+                                          <p:spTgt spid="16"/>
+                                        </p:tgtEl>
+                                        <p:attrNameLst>
+                                          <p:attrName>style.visibility</p:attrName>
+                                        </p:attrNameLst>
+                                      </p:cBhvr>
+                                      <p:to>
+                                        <p:strVal val="visible"/>
+                                      </p:to>
+                                    </p:set>
+                                  </p:childTnLst>
+                                </p:cTn>
+                              </p:par>
+                            </p:childTnLst>
+                          </p:cTn>
+                        </p:par>
+                      </p:childTnLst>
+                    </p:cTn>
+                  </p:par>
+                  <p:par>
+                    <p:cTn id="25" fill="hold">
+                      <p:stCondLst>
+                        <p:cond delay="indefinite"/>
+                      </p:stCondLst>
+                      <p:childTnLst>
+                        <p:par>
+                          <p:cTn id="26" fill="hold">
+                            <p:stCondLst>
+                              <p:cond delay="0"/>
+                            </p:stCondLst>
+                            <p:childTnLst>
+                              <p:par>
+                                <p:cTn id="27" presetID="1" presetClass="entr" presetSubtype="0" fill="hold" grpId="0" nodeType="clickEffect">
+                                  <p:stCondLst>
+                                    <p:cond delay="0"/>
+                                  </p:stCondLst>
+                                  <p:childTnLst>
+                                    <p:set>
+                                      <p:cBhvr>
+                                        <p:cTn id="28" dur="1" fill="hold">
+                                          <p:stCondLst>
+                                            <p:cond delay="0"/>
+                                          </p:stCondLst>
+                                        </p:cTn>
+                                        <p:tgtEl>
+                                          <p:spTgt spid="17"/>
+                                        </p:tgtEl>
+                                        <p:attrNameLst>
+                                          <p:attrName>style.visibility</p:attrName>
+                                        </p:attrNameLst>
+                                      </p:cBhvr>
+                                      <p:to>
+                                        <p:strVal val="visible"/>
+                                      </p:to>
+                                    </p:set>
+                                  </p:childTnLst>
+                                </p:cTn>
+                              </p:par>
+                              <p:par>
+                                <p:cTn id="29" presetID="1" presetClass="entr" presetSubtype="0" fill="hold" grpId="0" nodeType="withEffect">
+                                  <p:stCondLst>
+                                    <p:cond delay="0"/>
+                                  </p:stCondLst>
+                                  <p:childTnLst>
+                                    <p:set>
+                                      <p:cBhvr>
+                                        <p:cTn id="30" dur="1" fill="hold">
+                                          <p:stCondLst>
+                                            <p:cond delay="0"/>
+                                          </p:stCondLst>
+                                        </p:cTn>
+                                        <p:tgtEl>
+                                          <p:spTgt spid="18"/>
+                                        </p:tgtEl>
+                                        <p:attrNameLst>
+                                          <p:attrName>style.visibility</p:attrName>
+                                        </p:attrNameLst>
+                                      </p:cBhvr>
+                                      <p:to>
+                                        <p:strVal val="visible"/>
+                                      </p:to>
+                                    </p:set>
+                                  </p:childTnLst>
+                                </p:cTn>
+                              </p:par>
+                              <p:par>
+                                <p:cTn id="31" presetID="1" presetClass="entr" presetSubtype="0" fill="hold" grpId="0" nodeType="withEffect">
+                                  <p:stCondLst>
+                                    <p:cond delay="0"/>
+                                  </p:stCondLst>
+                                  <p:childTnLst>
+                                    <p:set>
+                                      <p:cBhvr>
+                                        <p:cTn id="32" dur="1" fill="hold">
+                                          <p:stCondLst>
+                                            <p:cond delay="0"/>
+                                          </p:stCondLst>
+                                        </p:cTn>
+                                        <p:tgtEl>
+                                          <p:spTgt spid="19"/>
+                                        </p:tgtEl>
+                                        <p:attrNameLst>
+                                          <p:attrName>style.visibility</p:attrName>
+                                        </p:attrNameLst>
+                                      </p:cBhvr>
+                                      <p:to>
+                                        <p:strVal val="visible"/>
+                                      </p:to>
+                                    </p:set>
+                                  </p:childTnLst>
+                                </p:cTn>
+                              </p:par>
+                              <p:par>
+                                <p:cTn id="33" presetID="1" presetClass="entr" presetSubtype="0" fill="hold" grpId="0" nodeType="withEffect">
                                   <p:stCondLst>
                                     <p:cond delay="0"/>
                                   </p:stCondLst>
@@ -17051,11 +17594,79 @@
                                           </p:stCondLst>
                                         </p:cTn>
                                         <p:tgtEl>
-                                          <p:spTgt spid="8">
-                                            <p:txEl>
-                                              <p:pRg st="12" end="12"/>
-                                            </p:txEl>
-                                          </p:spTgt>
+                                          <p:spTgt spid="20"/>
+                                        </p:tgtEl>
+                                        <p:attrNameLst>
+                                          <p:attrName>style.visibility</p:attrName>
+                                        </p:attrNameLst>
+                                      </p:cBhvr>
+                                      <p:to>
+                                        <p:strVal val="visible"/>
+                                      </p:to>
+                                    </p:set>
+                                  </p:childTnLst>
+                                </p:cTn>
+                              </p:par>
+                            </p:childTnLst>
+                          </p:cTn>
+                        </p:par>
+                      </p:childTnLst>
+                    </p:cTn>
+                  </p:par>
+                  <p:par>
+                    <p:cTn id="35" fill="hold">
+                      <p:stCondLst>
+                        <p:cond delay="indefinite"/>
+                      </p:stCondLst>
+                      <p:childTnLst>
+                        <p:par>
+                          <p:cTn id="36" fill="hold">
+                            <p:stCondLst>
+                              <p:cond delay="0"/>
+                            </p:stCondLst>
+                            <p:childTnLst>
+                              <p:par>
+                                <p:cTn id="37" presetID="1" presetClass="entr" presetSubtype="0" fill="hold" grpId="0" nodeType="clickEffect">
+                                  <p:stCondLst>
+                                    <p:cond delay="0"/>
+                                  </p:stCondLst>
+                                  <p:childTnLst>
+                                    <p:set>
+                                      <p:cBhvr>
+                                        <p:cTn id="38" dur="1" fill="hold">
+                                          <p:stCondLst>
+                                            <p:cond delay="0"/>
+                                          </p:stCondLst>
+                                        </p:cTn>
+                                        <p:tgtEl>
+                                          <p:spTgt spid="21"/>
+                                        </p:tgtEl>
+                                        <p:attrNameLst>
+                                          <p:attrName>style.visibility</p:attrName>
+                                        </p:attrNameLst>
+                                      </p:cBhvr>
+                                      <p:to>
+                                        <p:strVal val="visible"/>
+                                      </p:to>
+                                    </p:set>
+                                  </p:childTnLst>
+                                </p:cTn>
+                              </p:par>
+                              <p:par>
+                                <p:cTn id="39" presetID="1" presetClass="entr" presetSubtype="0" fill="hold" grpId="0" nodeType="withEffect">
+                                  <p:stCondLst>
+                                    <p:cond delay="0"/>
+                                  </p:stCondLst>
+                                  <p:childTnLst>
+                                    <p:set>
+                                      <p:cBhvr>
+                                        <p:cTn id="40" dur="1" fill="hold">
+                                          <p:stCondLst>
+                                            <p:cond delay="0"/>
+                                          </p:stCondLst>
+                                        </p:cTn>
+                                        <p:tgtEl>
+                                          <p:spTgt spid="23"/>
                                         </p:tgtEl>
                                         <p:attrNameLst>
                                           <p:attrName>style.visibility</p:attrName>
@@ -17095,6 +17706,23 @@
         </p:cTn>
       </p:par>
     </p:tnLst>
+    <p:bldLst>
+      <p:bldP spid="7" grpId="0" animBg="1"/>
+      <p:bldP spid="9" grpId="0" animBg="1"/>
+      <p:bldP spid="10" grpId="0" animBg="1"/>
+      <p:bldP spid="11" grpId="0" animBg="1"/>
+      <p:bldP spid="12" grpId="0"/>
+      <p:bldP spid="13" grpId="0"/>
+      <p:bldP spid="14" grpId="0"/>
+      <p:bldP spid="15" grpId="0" animBg="1"/>
+      <p:bldP spid="16" grpId="0"/>
+      <p:bldP spid="17" grpId="0" animBg="1"/>
+      <p:bldP spid="18" grpId="0"/>
+      <p:bldP spid="19" grpId="0" animBg="1"/>
+      <p:bldP spid="20" grpId="0"/>
+      <p:bldP spid="21" grpId="0" animBg="1"/>
+      <p:bldP spid="23" grpId="0"/>
+    </p:bldLst>
   </p:timing>
 </p:sld>
 </file>
@@ -17160,7 +17788,7 @@
             <a:fld id="{1778E95C-90A9-47F3-94FC-26BB930BF367}" type="datetime4">
               <a:rPr lang="en-US" noProof="0" smtClean="0"/>
               <a:pPr/>
-              <a:t>March 11, 2019</a:t>
+              <a:t>December 4, 2019</a:t>
             </a:fld>
             <a:endParaRPr lang="en-US" noProof="0" dirty="0"/>
           </a:p>
@@ -17385,13 +18013,26 @@
               <a:rPr lang="en-US" sz="1600" dirty="0" err="1">
                 <a:cs typeface="Arial" pitchFamily="34" charset="0"/>
               </a:rPr>
-              <a:t>udp</a:t>
+              <a:t>google:lcm</a:t>
             </a:r>
             <a:r>
               <a:rPr lang="en-US" sz="1600" dirty="0">
                 <a:cs typeface="Arial" pitchFamily="34" charset="0"/>
               </a:rPr>
-              <a:t> metal</a:t>
+              <a:t> (</a:t>
+            </a:r>
+            <a:r>
+              <a:rPr lang="en-US" sz="1600" dirty="0">
+                <a:cs typeface="Arial" pitchFamily="34" charset="0"/>
+                <a:hlinkClick r:id="rId2"/>
+              </a:rPr>
+              <a:t>http://lcm-proj.github.io/</a:t>
+            </a:r>
+            <a:r>
+              <a:rPr lang="en-US" sz="1600" dirty="0">
+                <a:cs typeface="Arial" pitchFamily="34" charset="0"/>
+              </a:rPr>
+              <a:t>)</a:t>
             </a:r>
           </a:p>
           <a:p>
@@ -17408,10 +18049,55 @@
               <a:defRPr/>
             </a:pPr>
             <a:r>
+              <a:rPr lang="en-US" sz="1600" dirty="0" err="1">
+                <a:cs typeface="Arial" pitchFamily="34" charset="0"/>
+              </a:rPr>
+              <a:t>udp</a:t>
+            </a:r>
+            <a:r>
               <a:rPr lang="en-US" sz="1600" dirty="0">
                 <a:cs typeface="Arial" pitchFamily="34" charset="0"/>
               </a:rPr>
-              <a:t>lightweight implementation (using one single multicast group for all data transport)</a:t>
+              <a:t> multicast based (single multicast group), none reliable, single threaded, multi process / host</a:t>
+            </a:r>
+          </a:p>
+          <a:p>
+            <a:pPr marL="177800" indent="-177800">
+              <a:spcAft>
+                <a:spcPts val="1100"/>
+              </a:spcAft>
+              <a:buClr>
+                <a:schemeClr val="accent1"/>
+              </a:buClr>
+              <a:buSzPct val="125000"/>
+              <a:buFont typeface="Arial" pitchFamily="34" charset="0"/>
+              <a:buChar char="›"/>
+              <a:defRPr/>
+            </a:pPr>
+            <a:r>
+              <a:rPr lang="en-US" sz="1600" dirty="0" err="1">
+                <a:cs typeface="Arial" pitchFamily="34" charset="0"/>
+              </a:rPr>
+              <a:t>fastRTPS</a:t>
+            </a:r>
+            <a:r>
+              <a:rPr lang="en-US" sz="1600" dirty="0">
+                <a:cs typeface="Arial" pitchFamily="34" charset="0"/>
+              </a:rPr>
+              <a:t> (</a:t>
+            </a:r>
+            <a:r>
+              <a:rPr lang="en-US" sz="1600" dirty="0">
+                <a:cs typeface="Arial" pitchFamily="34" charset="0"/>
+                <a:hlinkClick r:id="rId3"/>
+              </a:rPr>
+              <a:t>http://www.eprosima.com</a:t>
+            </a:r>
+            <a:r>
+              <a:rPr lang="en-US" sz="1600" dirty="0">
+                <a:cs typeface="Arial" pitchFamily="34" charset="0"/>
+              </a:rPr>
+              <a:t>)</a:t>
             </a:r>
           </a:p>
           <a:p>
@@ -17428,10 +18114,16 @@
               <a:defRPr/>
             </a:pPr>
             <a:r>
+              <a:rPr lang="en-US" sz="1600" dirty="0" err="1">
+                <a:cs typeface="Arial" pitchFamily="34" charset="0"/>
+              </a:rPr>
+              <a:t>dds</a:t>
+            </a:r>
+            <a:r>
               <a:rPr lang="en-US" sz="1600" dirty="0">
                 <a:cs typeface="Arial" pitchFamily="34" charset="0"/>
               </a:rPr>
-              <a:t>none  reliable, single threaded, multi process / host</a:t>
+              <a:t> standard - supports QOS, multi process / host (currently multicast transport only)</a:t>
             </a:r>
           </a:p>
           <a:p>
@@ -17451,7 +18143,7 @@
               <a:rPr lang="en-US" sz="1600" dirty="0" err="1">
                 <a:cs typeface="Arial" pitchFamily="34" charset="0"/>
               </a:rPr>
-              <a:t>google:lcm</a:t>
+              <a:t>Iceoryx</a:t>
             </a:r>
             <a:r>
               <a:rPr lang="en-US" sz="1600" dirty="0">
@@ -17461,10 +18153,9 @@
             </a:r>
             <a:r>
               <a:rPr lang="en-US" sz="1600" dirty="0">
-                <a:cs typeface="Arial" pitchFamily="34" charset="0"/>
-                <a:hlinkClick r:id="rId2"/>
+                <a:hlinkClick r:id="rId4"/>
               </a:rPr>
-              <a:t>http://lcm-proj.github.io/</a:t>
+              <a:t>https://github.com/eclipse/iceoryx</a:t>
             </a:r>
             <a:r>
               <a:rPr lang="en-US" sz="1600" dirty="0">
@@ -17487,81 +18178,22 @@
               <a:defRPr/>
             </a:pPr>
             <a:r>
+              <a:rPr lang="en-US" sz="1600" dirty="0">
+                <a:cs typeface="Arial" pitchFamily="34" charset="0"/>
+              </a:rPr>
+              <a:t>Bosch zero copy shared memory transport layer (</a:t>
+            </a:r>
+            <a:r>
               <a:rPr lang="en-US" sz="1600" dirty="0" err="1">
                 <a:cs typeface="Arial" pitchFamily="34" charset="0"/>
               </a:rPr>
-              <a:t>udp</a:t>
+              <a:t>ipc</a:t>
             </a:r>
             <a:r>
               <a:rPr lang="en-US" sz="1600" dirty="0">
                 <a:cs typeface="Arial" pitchFamily="34" charset="0"/>
               </a:rPr>
-              <a:t> multicast based (single multicast group), none reliable, single threaded, multi process / host</a:t>
-            </a:r>
-          </a:p>
-          <a:p>
-            <a:pPr marL="177800" indent="-177800">
-              <a:spcAft>
-                <a:spcPts val="1100"/>
-              </a:spcAft>
-              <a:buClr>
-                <a:schemeClr val="accent1"/>
-              </a:buClr>
-              <a:buSzPct val="125000"/>
-              <a:buFont typeface="Arial" pitchFamily="34" charset="0"/>
-              <a:buChar char="›"/>
-              <a:defRPr/>
-            </a:pPr>
-            <a:r>
-              <a:rPr lang="en-US" sz="1600" dirty="0" err="1">
-                <a:cs typeface="Arial" pitchFamily="34" charset="0"/>
-              </a:rPr>
-              <a:t>fastRTPS</a:t>
-            </a:r>
-            <a:r>
-              <a:rPr lang="en-US" sz="1600" dirty="0">
-                <a:cs typeface="Arial" pitchFamily="34" charset="0"/>
-              </a:rPr>
-              <a:t> (</a:t>
-            </a:r>
-            <a:r>
-              <a:rPr lang="en-US" sz="1600" dirty="0">
-                <a:cs typeface="Arial" pitchFamily="34" charset="0"/>
-                <a:hlinkClick r:id="rId3"/>
-              </a:rPr>
-              <a:t>http://www.eprosima.com</a:t>
-            </a:r>
-            <a:r>
-              <a:rPr lang="en-US" sz="1600" dirty="0">
-                <a:cs typeface="Arial" pitchFamily="34" charset="0"/>
-              </a:rPr>
-              <a:t>)</a:t>
-            </a:r>
-          </a:p>
-          <a:p>
-            <a:pPr marL="635000" lvl="1" indent="-177800">
-              <a:spcAft>
-                <a:spcPts val="1100"/>
-              </a:spcAft>
-              <a:buClr>
-                <a:schemeClr val="accent1"/>
-              </a:buClr>
-              <a:buSzPct val="125000"/>
-              <a:buFont typeface="Arial" pitchFamily="34" charset="0"/>
-              <a:buChar char="›"/>
-              <a:defRPr/>
-            </a:pPr>
-            <a:r>
-              <a:rPr lang="en-US" sz="1600" dirty="0" err="1">
-                <a:cs typeface="Arial" pitchFamily="34" charset="0"/>
-              </a:rPr>
-              <a:t>dds</a:t>
-            </a:r>
-            <a:r>
-              <a:rPr lang="en-US" sz="1600" dirty="0">
-                <a:cs typeface="Arial" pitchFamily="34" charset="0"/>
-              </a:rPr>
-              <a:t> standard - supports QOS, multi process / host (currently multicast transport only)</a:t>
+              <a:t> only)</a:t>
             </a:r>
             <a:br>
               <a:rPr lang="en-US" sz="1600" dirty="0">
@@ -17899,26 +18531,39 @@
                                   </p:childTnLst>
                                 </p:cTn>
                               </p:par>
-                            </p:childTnLst>
-                          </p:cTn>
-                        </p:par>
-                      </p:childTnLst>
-                    </p:cTn>
-                  </p:par>
-                  <p:par>
-                    <p:cTn id="25" fill="hold">
-                      <p:stCondLst>
-                        <p:cond delay="indefinite"/>
-                      </p:stCondLst>
-                      <p:childTnLst>
-                        <p:par>
-                          <p:cTn id="26" fill="hold">
-                            <p:stCondLst>
-                              <p:cond delay="0"/>
-                            </p:stCondLst>
-                            <p:childTnLst>
                               <p:par>
-                                <p:cTn id="27" presetID="1" presetClass="entr" presetSubtype="0" fill="hold" nodeType="clickEffect">
+                                <p:cTn id="25" presetID="1" presetClass="entr" presetSubtype="0" fill="hold" nodeType="withEffect">
+                                  <p:stCondLst>
+                                    <p:cond delay="0"/>
+                                  </p:stCondLst>
+                                  <p:childTnLst>
+                                    <p:set>
+                                      <p:cBhvr>
+                                        <p:cTn id="26" dur="1" fill="hold">
+                                          <p:stCondLst>
+                                            <p:cond delay="0"/>
+                                          </p:stCondLst>
+                                        </p:cTn>
+                                        <p:tgtEl>
+                                          <p:spTgt spid="8">
+                                            <p:txEl>
+                                              <p:pRg st="9" end="9"/>
+                                            </p:txEl>
+                                          </p:spTgt>
+                                        </p:tgtEl>
+                                        <p:attrNameLst>
+                                          <p:attrName>style.visibility</p:attrName>
+                                        </p:attrNameLst>
+                                      </p:cBhvr>
+                                      <p:to>
+                                        <p:strVal val="visible"/>
+                                      </p:to>
+                                    </p:set>
+                                  </p:childTnLst>
+                                </p:cTn>
+                              </p:par>
+                              <p:par>
+                                <p:cTn id="27" presetID="1" presetClass="entr" presetSubtype="0" fill="hold" nodeType="withEffect">
                                   <p:stCondLst>
                                     <p:cond delay="0"/>
                                   </p:stCondLst>
@@ -17933,7 +18578,7 @@
                                         <p:tgtEl>
                                           <p:spTgt spid="8">
                                             <p:txEl>
-                                              <p:pRg st="9" end="9"/>
+                                              <p:pRg st="10" end="10"/>
                                             </p:txEl>
                                           </p:spTgt>
                                         </p:tgtEl>
@@ -17964,69 +18609,7 @@
                                         <p:tgtEl>
                                           <p:spTgt spid="8">
                                             <p:txEl>
-                                              <p:pRg st="10" end="10"/>
-                                            </p:txEl>
-                                          </p:spTgt>
-                                        </p:tgtEl>
-                                        <p:attrNameLst>
-                                          <p:attrName>style.visibility</p:attrName>
-                                        </p:attrNameLst>
-                                      </p:cBhvr>
-                                      <p:to>
-                                        <p:strVal val="visible"/>
-                                      </p:to>
-                                    </p:set>
-                                  </p:childTnLst>
-                                </p:cTn>
-                              </p:par>
-                              <p:par>
-                                <p:cTn id="31" presetID="1" presetClass="entr" presetSubtype="0" fill="hold" nodeType="withEffect">
-                                  <p:stCondLst>
-                                    <p:cond delay="0"/>
-                                  </p:stCondLst>
-                                  <p:childTnLst>
-                                    <p:set>
-                                      <p:cBhvr>
-                                        <p:cTn id="32" dur="1" fill="hold">
-                                          <p:stCondLst>
-                                            <p:cond delay="0"/>
-                                          </p:stCondLst>
-                                        </p:cTn>
-                                        <p:tgtEl>
-                                          <p:spTgt spid="8">
-                                            <p:txEl>
                                               <p:pRg st="11" end="11"/>
-                                            </p:txEl>
-                                          </p:spTgt>
-                                        </p:tgtEl>
-                                        <p:attrNameLst>
-                                          <p:attrName>style.visibility</p:attrName>
-                                        </p:attrNameLst>
-                                      </p:cBhvr>
-                                      <p:to>
-                                        <p:strVal val="visible"/>
-                                      </p:to>
-                                    </p:set>
-                                  </p:childTnLst>
-                                </p:cTn>
-                              </p:par>
-                              <p:par>
-                                <p:cTn id="33" presetID="1" presetClass="entr" presetSubtype="0" fill="hold" nodeType="withEffect">
-                                  <p:stCondLst>
-                                    <p:cond delay="0"/>
-                                  </p:stCondLst>
-                                  <p:childTnLst>
-                                    <p:set>
-                                      <p:cBhvr>
-                                        <p:cTn id="34" dur="1" fill="hold">
-                                          <p:stCondLst>
-                                            <p:cond delay="0"/>
-                                          </p:stCondLst>
-                                        </p:cTn>
-                                        <p:tgtEl>
-                                          <p:spTgt spid="8">
-                                            <p:txEl>
-                                              <p:pRg st="12" end="12"/>
                                             </p:txEl>
                                           </p:spTgt>
                                         </p:tgtEl>
@@ -18133,7 +18716,7 @@
             <a:fld id="{1778E95C-90A9-47F3-94FC-26BB930BF367}" type="datetime4">
               <a:rPr lang="en-US" noProof="0" smtClean="0"/>
               <a:pPr/>
-              <a:t>March 11, 2019</a:t>
+              <a:t>December 4, 2019</a:t>
             </a:fld>
             <a:endParaRPr lang="en-US" noProof="0" dirty="0"/>
           </a:p>
@@ -19008,7 +19591,7 @@
             <a:fld id="{9033B76D-9EB0-4BAD-8B86-32B8483D105A}" type="datetime4">
               <a:rPr lang="en-US" noProof="0" smtClean="0"/>
               <a:pPr/>
-              <a:t>March 11, 2019</a:t>
+              <a:t>December 4, 2019</a:t>
             </a:fld>
             <a:endParaRPr lang="en-US" noProof="0"/>
           </a:p>
@@ -19080,10 +19663,10 @@
       </p:sp>
       <p:graphicFrame>
         <p:nvGraphicFramePr>
-          <p:cNvPr id="7" name="Tabelle 6">
+          <p:cNvPr id="10" name="Tabelle 9">
             <a:extLst>
               <a:ext uri="{FF2B5EF4-FFF2-40B4-BE49-F238E27FC236}">
-                <a16:creationId xmlns:a16="http://schemas.microsoft.com/office/drawing/2014/main" id="{BC0CB191-4C5D-441C-A59E-267A08A307D3}"/>
+                <a16:creationId xmlns:a16="http://schemas.microsoft.com/office/drawing/2014/main" id="{C2ED0F9C-E256-4A8B-8F83-4CE5ED077012}"/>
               </a:ext>
             </a:extLst>
           </p:cNvPr>
@@ -19093,7 +19676,7 @@
           <p:nvPr>
             <p:extLst>
               <p:ext uri="{D42A27DB-BD31-4B8C-83A1-F6EECF244321}">
-                <p14:modId xmlns:p14="http://schemas.microsoft.com/office/powerpoint/2010/main" val="1787364033"/>
+                <p14:modId xmlns:p14="http://schemas.microsoft.com/office/powerpoint/2010/main" val="3552940179"/>
               </p:ext>
             </p:extLst>
           </p:nvPr>
@@ -19519,7 +20102,13 @@
       </p:graphicFrame>
       <p:pic>
         <p:nvPicPr>
-          <p:cNvPr id="28" name="Picture 9" descr="C:\Users\vasilescuc\Desktop\eCALPlayGUI.png"/>
+          <p:cNvPr id="11" name="Picture 9" descr="C:\Users\vasilescuc\Desktop\eCALPlayGUI.png">
+            <a:extLst>
+              <a:ext uri="{FF2B5EF4-FFF2-40B4-BE49-F238E27FC236}">
+                <a16:creationId xmlns:a16="http://schemas.microsoft.com/office/drawing/2014/main" id="{759260A4-7996-44C8-9CC9-DE752FA7DD61}"/>
+              </a:ext>
+            </a:extLst>
+          </p:cNvPr>
           <p:cNvPicPr>
             <a:picLocks noChangeAspect="1" noChangeArrowheads="1"/>
           </p:cNvPicPr>
@@ -19542,12 +20131,455 @@
           <a:noFill/>
         </p:spPr>
       </p:pic>
+      <p:graphicFrame>
+        <p:nvGraphicFramePr>
+          <p:cNvPr id="14" name="Tabelle 13">
+            <a:extLst>
+              <a:ext uri="{FF2B5EF4-FFF2-40B4-BE49-F238E27FC236}">
+                <a16:creationId xmlns:a16="http://schemas.microsoft.com/office/drawing/2014/main" id="{7A354BEE-7F79-42B5-AB9F-1B73CAE293E3}"/>
+              </a:ext>
+            </a:extLst>
+          </p:cNvPr>
+          <p:cNvGraphicFramePr>
+            <a:graphicFrameLocks noGrp="1"/>
+          </p:cNvGraphicFramePr>
+          <p:nvPr>
+            <p:extLst>
+              <p:ext uri="{D42A27DB-BD31-4B8C-83A1-F6EECF244321}">
+                <p14:modId xmlns:p14="http://schemas.microsoft.com/office/powerpoint/2010/main" val="3373393299"/>
+              </p:ext>
+            </p:extLst>
+          </p:nvPr>
+        </p:nvGraphicFramePr>
+        <p:xfrm>
+          <a:off x="3388274" y="890606"/>
+          <a:ext cx="2541995" cy="3906546"/>
+        </p:xfrm>
+        <a:graphic>
+          <a:graphicData uri="http://schemas.openxmlformats.org/drawingml/2006/table">
+            <a:tbl>
+              <a:tblPr firstRow="1" bandRow="1">
+                <a:tableStyleId>{69012ECD-51FC-41F1-AA8D-1B2483CD663E}</a:tableStyleId>
+              </a:tblPr>
+              <a:tblGrid>
+                <a:gridCol w="2541995">
+                  <a:extLst>
+                    <a:ext uri="{9D8B030D-6E8A-4147-A177-3AD203B41FA5}">
+                      <a16:colId xmlns:a16="http://schemas.microsoft.com/office/drawing/2014/main" val="2705163282"/>
+                    </a:ext>
+                  </a:extLst>
+                </a:gridCol>
+              </a:tblGrid>
+              <a:tr h="417826">
+                <a:tc>
+                  <a:txBody>
+                    <a:bodyPr/>
+                    <a:lstStyle/>
+                    <a:p>
+                      <a:pPr algn="ctr"/>
+                      <a:r>
+                        <a:rPr lang="de-DE" dirty="0" err="1"/>
+                        <a:t>eCALRec</a:t>
+                      </a:r>
+                      <a:endParaRPr lang="de-DE" b="0" dirty="0"/>
+                    </a:p>
+                  </a:txBody>
+                  <a:tcPr/>
+                </a:tc>
+                <a:extLst>
+                  <a:ext uri="{0D108BD9-81ED-4DB2-BD59-A6C34878D82A}">
+                    <a16:rowId xmlns:a16="http://schemas.microsoft.com/office/drawing/2014/main" val="1427498882"/>
+                  </a:ext>
+                </a:extLst>
+              </a:tr>
+              <a:tr h="524194">
+                <a:tc>
+                  <a:txBody>
+                    <a:bodyPr/>
+                    <a:lstStyle/>
+                    <a:p>
+                      <a:r>
+                        <a:rPr lang="de-DE" sz="1400" dirty="0" err="1"/>
+                        <a:t>record</a:t>
+                      </a:r>
+                      <a:r>
+                        <a:rPr lang="de-DE" sz="1400" dirty="0"/>
+                        <a:t> </a:t>
+                      </a:r>
+                      <a:r>
+                        <a:rPr lang="de-DE" sz="1400" dirty="0" err="1"/>
+                        <a:t>local</a:t>
+                      </a:r>
+                      <a:r>
+                        <a:rPr lang="de-DE" sz="1400" dirty="0"/>
+                        <a:t> and </a:t>
+                      </a:r>
+                      <a:r>
+                        <a:rPr lang="de-DE" sz="1400" dirty="0" err="1"/>
+                        <a:t>cloud</a:t>
+                      </a:r>
+                      <a:r>
+                        <a:rPr lang="de-DE" sz="1400" dirty="0"/>
+                        <a:t> </a:t>
+                      </a:r>
+                      <a:r>
+                        <a:rPr lang="de-DE" sz="1400" dirty="0" err="1"/>
+                        <a:t>messages</a:t>
+                      </a:r>
+                      <a:endParaRPr lang="de-DE" sz="1400" dirty="0"/>
+                    </a:p>
+                  </a:txBody>
+                  <a:tcPr/>
+                </a:tc>
+                <a:extLst>
+                  <a:ext uri="{0D108BD9-81ED-4DB2-BD59-A6C34878D82A}">
+                    <a16:rowId xmlns:a16="http://schemas.microsoft.com/office/drawing/2014/main" val="84683911"/>
+                  </a:ext>
+                </a:extLst>
+              </a:tr>
+              <a:tr h="560871">
+                <a:tc>
+                  <a:txBody>
+                    <a:bodyPr/>
+                    <a:lstStyle/>
+                    <a:p>
+                      <a:r>
+                        <a:rPr lang="de-DE" sz="1400" dirty="0" err="1"/>
+                        <a:t>record</a:t>
+                      </a:r>
+                      <a:r>
+                        <a:rPr lang="de-DE" sz="1400" dirty="0"/>
+                        <a:t> </a:t>
+                      </a:r>
+                      <a:r>
+                        <a:rPr lang="de-DE" sz="1400" dirty="0" err="1"/>
+                        <a:t>local</a:t>
+                      </a:r>
+                      <a:r>
+                        <a:rPr lang="de-DE" sz="1400" dirty="0"/>
+                        <a:t> and </a:t>
+                      </a:r>
+                      <a:r>
+                        <a:rPr lang="de-DE" sz="1400" dirty="0" err="1"/>
+                        <a:t>cloud</a:t>
+                      </a:r>
+                      <a:r>
+                        <a:rPr lang="de-DE" sz="1400" dirty="0"/>
+                        <a:t> CAN </a:t>
+                      </a:r>
+                      <a:r>
+                        <a:rPr lang="de-DE" sz="1400" dirty="0" err="1"/>
+                        <a:t>messages</a:t>
+                      </a:r>
+                      <a:endParaRPr lang="de-DE" sz="1400" dirty="0"/>
+                    </a:p>
+                  </a:txBody>
+                  <a:tcPr/>
+                </a:tc>
+                <a:extLst>
+                  <a:ext uri="{0D108BD9-81ED-4DB2-BD59-A6C34878D82A}">
+                    <a16:rowId xmlns:a16="http://schemas.microsoft.com/office/drawing/2014/main" val="3001238623"/>
+                  </a:ext>
+                </a:extLst>
+              </a:tr>
+              <a:tr h="560871">
+                <a:tc>
+                  <a:txBody>
+                    <a:bodyPr/>
+                    <a:lstStyle/>
+                    <a:p>
+                      <a:r>
+                        <a:rPr lang="de-DE" sz="1400" dirty="0"/>
+                        <a:t>HDF5 </a:t>
+                      </a:r>
+                      <a:r>
+                        <a:rPr lang="de-DE" sz="1400" dirty="0" err="1"/>
+                        <a:t>measurement</a:t>
+                      </a:r>
+                      <a:r>
+                        <a:rPr lang="de-DE" sz="1400" dirty="0"/>
+                        <a:t> </a:t>
+                      </a:r>
+                      <a:r>
+                        <a:rPr lang="de-DE" sz="1400" dirty="0" err="1"/>
+                        <a:t>format</a:t>
+                      </a:r>
+                      <a:r>
+                        <a:rPr lang="de-DE" sz="1400" dirty="0"/>
+                        <a:t> </a:t>
+                      </a:r>
+                      <a:r>
+                        <a:rPr lang="de-DE" sz="1400" dirty="0" err="1"/>
+                        <a:t>includes</a:t>
+                      </a:r>
+                      <a:r>
+                        <a:rPr lang="de-DE" sz="1400" dirty="0"/>
+                        <a:t> time </a:t>
+                      </a:r>
+                      <a:r>
+                        <a:rPr lang="de-DE" sz="1400" dirty="0" err="1"/>
+                        <a:t>stamps</a:t>
+                      </a:r>
+                      <a:r>
+                        <a:rPr lang="de-DE" sz="1400" dirty="0"/>
+                        <a:t>, </a:t>
+                      </a:r>
+                      <a:r>
+                        <a:rPr lang="de-DE" sz="1400" dirty="0" err="1"/>
+                        <a:t>data</a:t>
+                      </a:r>
+                      <a:r>
+                        <a:rPr lang="de-DE" sz="1400" dirty="0"/>
+                        <a:t> </a:t>
+                      </a:r>
+                      <a:r>
+                        <a:rPr lang="de-DE" sz="1400" dirty="0" err="1"/>
+                        <a:t>clock</a:t>
+                      </a:r>
+                      <a:r>
+                        <a:rPr lang="de-DE" sz="1400" dirty="0"/>
+                        <a:t>, </a:t>
+                      </a:r>
+                      <a:r>
+                        <a:rPr lang="de-DE" sz="1400" dirty="0" err="1"/>
+                        <a:t>data</a:t>
+                      </a:r>
+                      <a:r>
+                        <a:rPr lang="de-DE" sz="1400" dirty="0"/>
+                        <a:t> </a:t>
+                      </a:r>
+                      <a:r>
+                        <a:rPr lang="de-DE" sz="1400" dirty="0" err="1"/>
+                        <a:t>payload</a:t>
+                      </a:r>
+                      <a:r>
+                        <a:rPr lang="de-DE" sz="1400" dirty="0"/>
+                        <a:t> and </a:t>
+                      </a:r>
+                      <a:r>
+                        <a:rPr lang="de-DE" sz="1400" dirty="0" err="1"/>
+                        <a:t>data</a:t>
+                      </a:r>
+                      <a:r>
+                        <a:rPr lang="de-DE" sz="1400" dirty="0"/>
+                        <a:t> </a:t>
+                      </a:r>
+                      <a:r>
+                        <a:rPr lang="de-DE" sz="1400" dirty="0" err="1"/>
+                        <a:t>description</a:t>
+                      </a:r>
+                      <a:endParaRPr lang="de-DE" sz="1400" dirty="0">
+                        <a:solidFill>
+                          <a:srgbClr val="FF0000"/>
+                        </a:solidFill>
+                      </a:endParaRPr>
+                    </a:p>
+                  </a:txBody>
+                  <a:tcPr/>
+                </a:tc>
+                <a:extLst>
+                  <a:ext uri="{0D108BD9-81ED-4DB2-BD59-A6C34878D82A}">
+                    <a16:rowId xmlns:a16="http://schemas.microsoft.com/office/drawing/2014/main" val="1196195978"/>
+                  </a:ext>
+                </a:extLst>
+              </a:tr>
+              <a:tr h="337033">
+                <a:tc>
+                  <a:txBody>
+                    <a:bodyPr/>
+                    <a:lstStyle/>
+                    <a:p>
+                      <a:r>
+                        <a:rPr lang="de-DE" sz="1400" dirty="0" err="1"/>
+                        <a:t>scenario</a:t>
+                      </a:r>
+                      <a:r>
+                        <a:rPr lang="de-DE" sz="1400" dirty="0"/>
+                        <a:t> </a:t>
+                      </a:r>
+                      <a:r>
+                        <a:rPr lang="de-DE" sz="1400" dirty="0" err="1"/>
+                        <a:t>tagging</a:t>
+                      </a:r>
+                      <a:endParaRPr lang="de-DE" sz="1400" dirty="0">
+                        <a:solidFill>
+                          <a:srgbClr val="FF0000"/>
+                        </a:solidFill>
+                      </a:endParaRPr>
+                    </a:p>
+                  </a:txBody>
+                  <a:tcPr/>
+                </a:tc>
+                <a:extLst>
+                  <a:ext uri="{0D108BD9-81ED-4DB2-BD59-A6C34878D82A}">
+                    <a16:rowId xmlns:a16="http://schemas.microsoft.com/office/drawing/2014/main" val="1222156895"/>
+                  </a:ext>
+                </a:extLst>
+              </a:tr>
+              <a:tr h="560871">
+                <a:tc>
+                  <a:txBody>
+                    <a:bodyPr/>
+                    <a:lstStyle/>
+                    <a:p>
+                      <a:r>
+                        <a:rPr lang="de-DE" sz="1400" dirty="0"/>
+                        <a:t>reliable </a:t>
+                      </a:r>
+                      <a:r>
+                        <a:rPr lang="de-DE" sz="1400" dirty="0" err="1"/>
+                        <a:t>rpc</a:t>
+                      </a:r>
+                      <a:r>
+                        <a:rPr lang="de-DE" sz="1400" dirty="0"/>
+                        <a:t> interface </a:t>
+                      </a:r>
+                      <a:r>
+                        <a:rPr lang="de-DE" sz="1400" dirty="0" err="1"/>
+                        <a:t>based</a:t>
+                      </a:r>
+                      <a:r>
+                        <a:rPr lang="de-DE" sz="1400" dirty="0"/>
+                        <a:t> on ASIO </a:t>
+                      </a:r>
+                      <a:r>
+                        <a:rPr lang="de-DE" sz="1400" dirty="0" err="1"/>
+                        <a:t>service</a:t>
+                      </a:r>
+                      <a:endParaRPr lang="de-DE" sz="1400" dirty="0">
+                        <a:solidFill>
+                          <a:srgbClr val="FF0000"/>
+                        </a:solidFill>
+                      </a:endParaRPr>
+                    </a:p>
+                  </a:txBody>
+                  <a:tcPr/>
+                </a:tc>
+                <a:extLst>
+                  <a:ext uri="{0D108BD9-81ED-4DB2-BD59-A6C34878D82A}">
+                    <a16:rowId xmlns:a16="http://schemas.microsoft.com/office/drawing/2014/main" val="635530646"/>
+                  </a:ext>
+                </a:extLst>
+              </a:tr>
+              <a:tr h="560871">
+                <a:tc>
+                  <a:txBody>
+                    <a:bodyPr/>
+                    <a:lstStyle/>
+                    <a:p>
+                      <a:r>
+                        <a:rPr lang="de-DE" sz="1400" dirty="0">
+                          <a:solidFill>
+                            <a:srgbClr val="FF0000"/>
+                          </a:solidFill>
+                        </a:rPr>
+                        <a:t>         </a:t>
+                      </a:r>
+                      <a:r>
+                        <a:rPr lang="de-DE" sz="1400" dirty="0">
+                          <a:solidFill>
+                            <a:schemeClr val="tx1"/>
+                          </a:solidFill>
+                        </a:rPr>
+                        <a:t>     </a:t>
+                      </a:r>
+                      <a:r>
+                        <a:rPr lang="de-DE" sz="1400" dirty="0" err="1">
+                          <a:solidFill>
+                            <a:schemeClr val="tx1"/>
+                          </a:solidFill>
+                        </a:rPr>
+                        <a:t>coming</a:t>
+                      </a:r>
+                      <a:r>
+                        <a:rPr lang="de-DE" sz="1400" dirty="0">
+                          <a:solidFill>
+                            <a:schemeClr val="tx1"/>
+                          </a:solidFill>
+                        </a:rPr>
+                        <a:t> </a:t>
+                      </a:r>
+                      <a:r>
+                        <a:rPr lang="de-DE" sz="1400" dirty="0" err="1">
+                          <a:solidFill>
+                            <a:schemeClr val="tx1"/>
+                          </a:solidFill>
+                        </a:rPr>
+                        <a:t>soon</a:t>
+                      </a:r>
+                      <a:r>
+                        <a:rPr lang="de-DE" sz="1400" dirty="0">
+                          <a:solidFill>
+                            <a:schemeClr val="tx1"/>
+                          </a:solidFill>
+                        </a:rPr>
+                        <a:t> </a:t>
+                      </a:r>
+                      <a:r>
+                        <a:rPr lang="de-DE" sz="1400" dirty="0">
+                          <a:solidFill>
+                            <a:schemeClr val="tx1"/>
+                          </a:solidFill>
+                          <a:sym typeface="Wingdings" panose="05000000000000000000" pitchFamily="2" charset="2"/>
+                        </a:rPr>
+                        <a:t></a:t>
+                      </a:r>
+                      <a:endParaRPr lang="de-DE" sz="1400" dirty="0">
+                        <a:solidFill>
+                          <a:schemeClr val="tx1"/>
+                        </a:solidFill>
+                      </a:endParaRPr>
+                    </a:p>
+                  </a:txBody>
+                  <a:tcPr anchor="ctr"/>
+                </a:tc>
+                <a:extLst>
+                  <a:ext uri="{0D108BD9-81ED-4DB2-BD59-A6C34878D82A}">
+                    <a16:rowId xmlns:a16="http://schemas.microsoft.com/office/drawing/2014/main" val="3709862700"/>
+                  </a:ext>
+                </a:extLst>
+              </a:tr>
+            </a:tbl>
+          </a:graphicData>
+        </a:graphic>
+      </p:graphicFrame>
       <p:pic>
         <p:nvPicPr>
-          <p:cNvPr id="9" name="Grafik 8">
+          <p:cNvPr id="15" name="Picture 9" descr="C:\Users\vasilescuc\Desktop\eCALPlayGUI.png">
             <a:extLst>
               <a:ext uri="{FF2B5EF4-FFF2-40B4-BE49-F238E27FC236}">
-                <a16:creationId xmlns:a16="http://schemas.microsoft.com/office/drawing/2014/main" id="{AC0098DB-99DF-47B3-B693-CA7E791DF47B}"/>
+                <a16:creationId xmlns:a16="http://schemas.microsoft.com/office/drawing/2014/main" id="{D8AE08C1-F713-4B90-9E40-AD754B133794}"/>
+              </a:ext>
+            </a:extLst>
+          </p:cNvPr>
+          <p:cNvPicPr>
+            <a:picLocks noChangeAspect="1" noChangeArrowheads="1"/>
+          </p:cNvPicPr>
+          <p:nvPr/>
+        </p:nvPicPr>
+        <p:blipFill>
+          <a:blip r:embed="rId4"/>
+          <a:stretch>
+            <a:fillRect/>
+          </a:stretch>
+        </p:blipFill>
+        <p:spPr bwMode="auto">
+          <a:xfrm>
+            <a:off x="3409426" y="919366"/>
+            <a:ext cx="360040" cy="360040"/>
+          </a:xfrm>
+          <a:prstGeom prst="rect">
+            <a:avLst/>
+          </a:prstGeom>
+          <a:noFill/>
+        </p:spPr>
+      </p:pic>
+      <p:pic>
+        <p:nvPicPr>
+          <p:cNvPr id="16" name="Grafik 15">
+            <a:extLst>
+              <a:ext uri="{FF2B5EF4-FFF2-40B4-BE49-F238E27FC236}">
+                <a16:creationId xmlns:a16="http://schemas.microsoft.com/office/drawing/2014/main" id="{ECE45122-5652-43BD-99CC-CC7506537C95}"/>
               </a:ext>
             </a:extLst>
           </p:cNvPr>
@@ -19557,10 +20589,10 @@
           <p:nvPr/>
         </p:nvPicPr>
         <p:blipFill>
-          <a:blip r:embed="rId4">
+          <a:blip r:embed="rId5">
             <a:extLst>
               <a:ext uri="{96DAC541-7B7A-43D3-8B79-37D633B846F1}">
-                <asvg:svgBlip xmlns:asvg="http://schemas.microsoft.com/office/drawing/2016/SVG/main" r:embed="rId5"/>
+                <asvg:svgBlip xmlns:asvg="http://schemas.microsoft.com/office/drawing/2016/SVG/main" r:embed="rId6"/>
               </a:ext>
             </a:extLst>
           </a:blip>
@@ -19572,6 +20604,413 @@
           <a:xfrm>
             <a:off x="1343472" y="5346737"/>
             <a:ext cx="790593" cy="508136"/>
+          </a:xfrm>
+          <a:prstGeom prst="rect">
+            <a:avLst/>
+          </a:prstGeom>
+        </p:spPr>
+      </p:pic>
+      <p:graphicFrame>
+        <p:nvGraphicFramePr>
+          <p:cNvPr id="18" name="Tabelle 17">
+            <a:extLst>
+              <a:ext uri="{FF2B5EF4-FFF2-40B4-BE49-F238E27FC236}">
+                <a16:creationId xmlns:a16="http://schemas.microsoft.com/office/drawing/2014/main" id="{122FD4C0-C7C4-4B48-B852-D1160A681E8D}"/>
+              </a:ext>
+            </a:extLst>
+          </p:cNvPr>
+          <p:cNvGraphicFramePr>
+            <a:graphicFrameLocks noGrp="1"/>
+          </p:cNvGraphicFramePr>
+          <p:nvPr>
+            <p:extLst>
+              <p:ext uri="{D42A27DB-BD31-4B8C-83A1-F6EECF244321}">
+                <p14:modId xmlns:p14="http://schemas.microsoft.com/office/powerpoint/2010/main" val="3262166849"/>
+              </p:ext>
+            </p:extLst>
+          </p:nvPr>
+        </p:nvGraphicFramePr>
+        <p:xfrm>
+          <a:off x="6146293" y="888879"/>
+          <a:ext cx="2541995" cy="3870730"/>
+        </p:xfrm>
+        <a:graphic>
+          <a:graphicData uri="http://schemas.openxmlformats.org/drawingml/2006/table">
+            <a:tbl>
+              <a:tblPr firstRow="1" bandRow="1">
+                <a:tableStyleId>{69012ECD-51FC-41F1-AA8D-1B2483CD663E}</a:tableStyleId>
+              </a:tblPr>
+              <a:tblGrid>
+                <a:gridCol w="2541995">
+                  <a:extLst>
+                    <a:ext uri="{9D8B030D-6E8A-4147-A177-3AD203B41FA5}">
+                      <a16:colId xmlns:a16="http://schemas.microsoft.com/office/drawing/2014/main" val="2705163282"/>
+                    </a:ext>
+                  </a:extLst>
+                </a:gridCol>
+              </a:tblGrid>
+              <a:tr h="373788">
+                <a:tc>
+                  <a:txBody>
+                    <a:bodyPr/>
+                    <a:lstStyle/>
+                    <a:p>
+                      <a:pPr algn="ctr"/>
+                      <a:r>
+                        <a:rPr lang="de-DE" dirty="0" err="1"/>
+                        <a:t>eCALPlay</a:t>
+                      </a:r>
+                      <a:endParaRPr lang="de-DE" b="0" dirty="0"/>
+                    </a:p>
+                  </a:txBody>
+                  <a:tcPr/>
+                </a:tc>
+                <a:extLst>
+                  <a:ext uri="{0D108BD9-81ED-4DB2-BD59-A6C34878D82A}">
+                    <a16:rowId xmlns:a16="http://schemas.microsoft.com/office/drawing/2014/main" val="1427498882"/>
+                  </a:ext>
+                </a:extLst>
+              </a:tr>
+              <a:tr h="522904">
+                <a:tc>
+                  <a:txBody>
+                    <a:bodyPr/>
+                    <a:lstStyle/>
+                    <a:p>
+                      <a:r>
+                        <a:rPr lang="de-DE" sz="1400" dirty="0" err="1"/>
+                        <a:t>measurement</a:t>
+                      </a:r>
+                      <a:r>
+                        <a:rPr lang="de-DE" sz="1400" dirty="0"/>
+                        <a:t> </a:t>
+                      </a:r>
+                      <a:r>
+                        <a:rPr lang="de-DE" sz="1400" dirty="0" err="1"/>
+                        <a:t>replay</a:t>
+                      </a:r>
+                      <a:endParaRPr lang="de-DE" sz="1400" dirty="0"/>
+                    </a:p>
+                  </a:txBody>
+                  <a:tcPr/>
+                </a:tc>
+                <a:extLst>
+                  <a:ext uri="{0D108BD9-81ED-4DB2-BD59-A6C34878D82A}">
+                    <a16:rowId xmlns:a16="http://schemas.microsoft.com/office/drawing/2014/main" val="84683911"/>
+                  </a:ext>
+                </a:extLst>
+              </a:tr>
+              <a:tr h="554976">
+                <a:tc>
+                  <a:txBody>
+                    <a:bodyPr/>
+                    <a:lstStyle/>
+                    <a:p>
+                      <a:r>
+                        <a:rPr lang="de-DE" sz="1400" dirty="0" err="1"/>
+                        <a:t>stepwise</a:t>
+                      </a:r>
+                      <a:r>
+                        <a:rPr lang="de-DE" sz="1400" dirty="0"/>
+                        <a:t> / </a:t>
+                      </a:r>
+                      <a:r>
+                        <a:rPr lang="de-DE" sz="1400" dirty="0" err="1"/>
+                        <a:t>intervall</a:t>
+                      </a:r>
+                      <a:r>
+                        <a:rPr lang="de-DE" sz="1400" dirty="0"/>
+                        <a:t> </a:t>
+                      </a:r>
+                      <a:r>
+                        <a:rPr lang="de-DE" sz="1400" dirty="0" err="1"/>
+                        <a:t>replay</a:t>
+                      </a:r>
+                      <a:endParaRPr lang="de-DE" sz="1400" dirty="0"/>
+                    </a:p>
+                  </a:txBody>
+                  <a:tcPr/>
+                </a:tc>
+                <a:extLst>
+                  <a:ext uri="{0D108BD9-81ED-4DB2-BD59-A6C34878D82A}">
+                    <a16:rowId xmlns:a16="http://schemas.microsoft.com/office/drawing/2014/main" val="3001238623"/>
+                  </a:ext>
+                </a:extLst>
+              </a:tr>
+              <a:tr h="404737">
+                <a:tc>
+                  <a:txBody>
+                    <a:bodyPr/>
+                    <a:lstStyle/>
+                    <a:p>
+                      <a:r>
+                        <a:rPr lang="de-DE" sz="1400" dirty="0" err="1"/>
+                        <a:t>scenario</a:t>
+                      </a:r>
+                      <a:r>
+                        <a:rPr lang="de-DE" sz="1400" dirty="0"/>
+                        <a:t> </a:t>
+                      </a:r>
+                      <a:r>
+                        <a:rPr lang="de-DE" sz="1400" dirty="0" err="1"/>
+                        <a:t>playlist</a:t>
+                      </a:r>
+                      <a:endParaRPr lang="de-DE" sz="1400" dirty="0"/>
+                    </a:p>
+                  </a:txBody>
+                  <a:tcPr/>
+                </a:tc>
+                <a:extLst>
+                  <a:ext uri="{0D108BD9-81ED-4DB2-BD59-A6C34878D82A}">
+                    <a16:rowId xmlns:a16="http://schemas.microsoft.com/office/drawing/2014/main" val="1196195978"/>
+                  </a:ext>
+                </a:extLst>
+              </a:tr>
+              <a:tr h="662296">
+                <a:tc>
+                  <a:txBody>
+                    <a:bodyPr/>
+                    <a:lstStyle/>
+                    <a:p>
+                      <a:r>
+                        <a:rPr lang="de-DE" sz="1400" dirty="0" err="1"/>
+                        <a:t>replay</a:t>
+                      </a:r>
+                      <a:r>
+                        <a:rPr lang="de-DE" sz="1400" dirty="0"/>
+                        <a:t> </a:t>
+                      </a:r>
+                      <a:r>
+                        <a:rPr lang="de-DE" sz="1400" dirty="0" err="1"/>
+                        <a:t>with</a:t>
+                      </a:r>
+                      <a:r>
+                        <a:rPr lang="de-DE" sz="1400" dirty="0"/>
+                        <a:t> / </a:t>
+                      </a:r>
+                      <a:r>
+                        <a:rPr lang="de-DE" sz="1400" dirty="0" err="1"/>
+                        <a:t>without</a:t>
+                      </a:r>
+                      <a:r>
+                        <a:rPr lang="de-DE" sz="1400" dirty="0"/>
+                        <a:t> </a:t>
+                      </a:r>
+                      <a:r>
+                        <a:rPr lang="de-DE" sz="1400" dirty="0" err="1"/>
+                        <a:t>frame</a:t>
+                      </a:r>
+                      <a:r>
+                        <a:rPr lang="de-DE" sz="1400" dirty="0"/>
+                        <a:t> </a:t>
+                      </a:r>
+                      <a:r>
+                        <a:rPr lang="de-DE" sz="1400" dirty="0" err="1"/>
+                        <a:t>dropping</a:t>
+                      </a:r>
+                      <a:endParaRPr lang="de-DE" sz="1400" dirty="0">
+                        <a:solidFill>
+                          <a:schemeClr val="tx1"/>
+                        </a:solidFill>
+                      </a:endParaRPr>
+                    </a:p>
+                  </a:txBody>
+                  <a:tcPr/>
+                </a:tc>
+                <a:extLst>
+                  <a:ext uri="{0D108BD9-81ED-4DB2-BD59-A6C34878D82A}">
+                    <a16:rowId xmlns:a16="http://schemas.microsoft.com/office/drawing/2014/main" val="1222156895"/>
+                  </a:ext>
+                </a:extLst>
+              </a:tr>
+              <a:tr h="738218">
+                <a:tc>
+                  <a:txBody>
+                    <a:bodyPr/>
+                    <a:lstStyle/>
+                    <a:p>
+                      <a:r>
+                        <a:rPr lang="de-DE" sz="1400" dirty="0" err="1"/>
+                        <a:t>command</a:t>
+                      </a:r>
+                      <a:r>
+                        <a:rPr lang="de-DE" sz="1400" dirty="0"/>
+                        <a:t> </a:t>
+                      </a:r>
+                      <a:r>
+                        <a:rPr lang="de-DE" sz="1400" dirty="0" err="1"/>
+                        <a:t>line</a:t>
+                      </a:r>
+                      <a:r>
+                        <a:rPr lang="de-DE" sz="1400" dirty="0"/>
+                        <a:t> </a:t>
+                      </a:r>
+                      <a:r>
+                        <a:rPr lang="de-DE" sz="1400" dirty="0" err="1"/>
+                        <a:t>application</a:t>
+                      </a:r>
+                      <a:r>
+                        <a:rPr lang="de-DE" sz="1400" dirty="0"/>
+                        <a:t> </a:t>
+                      </a:r>
+                      <a:r>
+                        <a:rPr lang="de-DE" sz="1400" dirty="0" err="1"/>
+                        <a:t>with</a:t>
+                      </a:r>
+                      <a:r>
+                        <a:rPr lang="de-DE" sz="1400" dirty="0"/>
+                        <a:t> </a:t>
+                      </a:r>
+                      <a:r>
+                        <a:rPr lang="de-DE" sz="1400" dirty="0" err="1"/>
+                        <a:t>interactive</a:t>
+                      </a:r>
+                      <a:r>
+                        <a:rPr lang="de-DE" sz="1400" dirty="0"/>
+                        <a:t> </a:t>
+                      </a:r>
+                      <a:r>
+                        <a:rPr lang="de-DE" sz="1400" dirty="0" err="1"/>
+                        <a:t>mode</a:t>
+                      </a:r>
+                      <a:endParaRPr lang="de-DE" sz="1400" dirty="0">
+                        <a:solidFill>
+                          <a:srgbClr val="FF0000"/>
+                        </a:solidFill>
+                      </a:endParaRPr>
+                    </a:p>
+                  </a:txBody>
+                  <a:tcPr/>
+                </a:tc>
+                <a:extLst>
+                  <a:ext uri="{0D108BD9-81ED-4DB2-BD59-A6C34878D82A}">
+                    <a16:rowId xmlns:a16="http://schemas.microsoft.com/office/drawing/2014/main" val="635530646"/>
+                  </a:ext>
+                </a:extLst>
+              </a:tr>
+              <a:tr h="613811">
+                <a:tc>
+                  <a:txBody>
+                    <a:bodyPr/>
+                    <a:lstStyle/>
+                    <a:p>
+                      <a:endParaRPr lang="de-DE" sz="1400" dirty="0">
+                        <a:solidFill>
+                          <a:srgbClr val="FF0000"/>
+                        </a:solidFill>
+                      </a:endParaRPr>
+                    </a:p>
+                  </a:txBody>
+                  <a:tcPr/>
+                </a:tc>
+                <a:extLst>
+                  <a:ext uri="{0D108BD9-81ED-4DB2-BD59-A6C34878D82A}">
+                    <a16:rowId xmlns:a16="http://schemas.microsoft.com/office/drawing/2014/main" val="3338839001"/>
+                  </a:ext>
+                </a:extLst>
+              </a:tr>
+            </a:tbl>
+          </a:graphicData>
+        </a:graphic>
+      </p:graphicFrame>
+      <p:pic>
+        <p:nvPicPr>
+          <p:cNvPr id="19" name="Picture 9" descr="C:\Users\vasilescuc\Desktop\eCALPlayGUI.png">
+            <a:extLst>
+              <a:ext uri="{FF2B5EF4-FFF2-40B4-BE49-F238E27FC236}">
+                <a16:creationId xmlns:a16="http://schemas.microsoft.com/office/drawing/2014/main" id="{2C5A5F6F-C73E-4B20-AA7C-243B471C5E12}"/>
+              </a:ext>
+            </a:extLst>
+          </p:cNvPr>
+          <p:cNvPicPr>
+            <a:picLocks noChangeAspect="1" noChangeArrowheads="1"/>
+          </p:cNvPicPr>
+          <p:nvPr/>
+        </p:nvPicPr>
+        <p:blipFill>
+          <a:blip r:embed="rId7"/>
+          <a:srcRect/>
+          <a:stretch>
+            <a:fillRect/>
+          </a:stretch>
+        </p:blipFill>
+        <p:spPr bwMode="auto">
+          <a:xfrm>
+            <a:off x="6179552" y="915388"/>
+            <a:ext cx="360040" cy="360040"/>
+          </a:xfrm>
+          <a:prstGeom prst="rect">
+            <a:avLst/>
+          </a:prstGeom>
+          <a:noFill/>
+        </p:spPr>
+      </p:pic>
+      <p:pic>
+        <p:nvPicPr>
+          <p:cNvPr id="20" name="Grafik 19">
+            <a:extLst>
+              <a:ext uri="{FF2B5EF4-FFF2-40B4-BE49-F238E27FC236}">
+                <a16:creationId xmlns:a16="http://schemas.microsoft.com/office/drawing/2014/main" id="{6F972498-D6D3-467E-94C0-F7AA06AC4066}"/>
+              </a:ext>
+            </a:extLst>
+          </p:cNvPr>
+          <p:cNvPicPr>
+            <a:picLocks noChangeAspect="1"/>
+          </p:cNvPicPr>
+          <p:nvPr/>
+        </p:nvPicPr>
+        <p:blipFill>
+          <a:blip r:embed="rId5">
+            <a:extLst>
+              <a:ext uri="{96DAC541-7B7A-43D3-8B79-37D633B846F1}">
+                <asvg:svgBlip xmlns:asvg="http://schemas.microsoft.com/office/drawing/2016/SVG/main" r:embed="rId6"/>
+              </a:ext>
+            </a:extLst>
+          </a:blip>
+          <a:stretch>
+            <a:fillRect/>
+          </a:stretch>
+        </p:blipFill>
+        <p:spPr>
+          <a:xfrm>
+            <a:off x="6989546" y="4198515"/>
+            <a:ext cx="790593" cy="508136"/>
+          </a:xfrm>
+          <a:prstGeom prst="rect">
+            <a:avLst/>
+          </a:prstGeom>
+        </p:spPr>
+      </p:pic>
+      <p:pic>
+        <p:nvPicPr>
+          <p:cNvPr id="21" name="Grafik 20">
+            <a:extLst>
+              <a:ext uri="{FF2B5EF4-FFF2-40B4-BE49-F238E27FC236}">
+                <a16:creationId xmlns:a16="http://schemas.microsoft.com/office/drawing/2014/main" id="{625973FB-4A06-44AD-93F1-7939DC7CE94D}"/>
+              </a:ext>
+            </a:extLst>
+          </p:cNvPr>
+          <p:cNvPicPr>
+            <a:picLocks noChangeAspect="1"/>
+          </p:cNvPicPr>
+          <p:nvPr/>
+        </p:nvPicPr>
+        <p:blipFill>
+          <a:blip r:embed="rId5">
+            <a:extLst>
+              <a:ext uri="{96DAC541-7B7A-43D3-8B79-37D633B846F1}">
+                <asvg:svgBlip xmlns:asvg="http://schemas.microsoft.com/office/drawing/2016/SVG/main" r:embed="rId6"/>
+              </a:ext>
+            </a:extLst>
+          </a:blip>
+          <a:stretch>
+            <a:fillRect/>
+          </a:stretch>
+        </p:blipFill>
+        <p:spPr>
+          <a:xfrm>
+            <a:off x="3488735" y="4340435"/>
+            <a:ext cx="560176" cy="360040"/>
           </a:xfrm>
           <a:prstGeom prst="rect">
             <a:avLst/>
@@ -19620,7 +21059,7 @@
                                           </p:stCondLst>
                                         </p:cTn>
                                         <p:tgtEl>
-                                          <p:spTgt spid="7"/>
+                                          <p:spTgt spid="10"/>
                                         </p:tgtEl>
                                         <p:attrNameLst>
                                           <p:attrName>style.visibility</p:attrName>
@@ -19647,7 +21086,7 @@
                                           </p:stCondLst>
                                         </p:cTn>
                                         <p:tgtEl>
-                                          <p:spTgt spid="28"/>
+                                          <p:spTgt spid="11"/>
                                         </p:tgtEl>
                                         <p:attrNameLst>
                                           <p:attrName>style.visibility</p:attrName>
@@ -19674,7 +21113,205 @@
                                           </p:stCondLst>
                                         </p:cTn>
                                         <p:tgtEl>
-                                          <p:spTgt spid="9"/>
+                                          <p:spTgt spid="16"/>
+                                        </p:tgtEl>
+                                        <p:attrNameLst>
+                                          <p:attrName>style.visibility</p:attrName>
+                                        </p:attrNameLst>
+                                      </p:cBhvr>
+                                      <p:to>
+                                        <p:strVal val="visible"/>
+                                      </p:to>
+                                    </p:set>
+                                  </p:childTnLst>
+                                </p:cTn>
+                              </p:par>
+                            </p:childTnLst>
+                          </p:cTn>
+                        </p:par>
+                      </p:childTnLst>
+                    </p:cTn>
+                  </p:par>
+                  <p:par>
+                    <p:cTn id="11" fill="hold">
+                      <p:stCondLst>
+                        <p:cond delay="indefinite"/>
+                      </p:stCondLst>
+                      <p:childTnLst>
+                        <p:par>
+                          <p:cTn id="12" fill="hold">
+                            <p:stCondLst>
+                              <p:cond delay="0"/>
+                            </p:stCondLst>
+                            <p:childTnLst>
+                              <p:par>
+                                <p:cTn id="13" presetID="1" presetClass="entr" presetSubtype="0" fill="hold" nodeType="clickEffect">
+                                  <p:stCondLst>
+                                    <p:cond delay="0"/>
+                                  </p:stCondLst>
+                                  <p:childTnLst>
+                                    <p:set>
+                                      <p:cBhvr>
+                                        <p:cTn id="14" dur="1" fill="hold">
+                                          <p:stCondLst>
+                                            <p:cond delay="0"/>
+                                          </p:stCondLst>
+                                        </p:cTn>
+                                        <p:tgtEl>
+                                          <p:spTgt spid="14"/>
+                                        </p:tgtEl>
+                                        <p:attrNameLst>
+                                          <p:attrName>style.visibility</p:attrName>
+                                        </p:attrNameLst>
+                                      </p:cBhvr>
+                                      <p:to>
+                                        <p:strVal val="visible"/>
+                                      </p:to>
+                                    </p:set>
+                                  </p:childTnLst>
+                                </p:cTn>
+                              </p:par>
+                              <p:par>
+                                <p:cTn id="15" presetID="1" presetClass="entr" presetSubtype="0" fill="hold" nodeType="withEffect">
+                                  <p:stCondLst>
+                                    <p:cond delay="0"/>
+                                  </p:stCondLst>
+                                  <p:childTnLst>
+                                    <p:set>
+                                      <p:cBhvr>
+                                        <p:cTn id="16" dur="1" fill="hold">
+                                          <p:stCondLst>
+                                            <p:cond delay="0"/>
+                                          </p:stCondLst>
+                                        </p:cTn>
+                                        <p:tgtEl>
+                                          <p:spTgt spid="15"/>
+                                        </p:tgtEl>
+                                        <p:attrNameLst>
+                                          <p:attrName>style.visibility</p:attrName>
+                                        </p:attrNameLst>
+                                      </p:cBhvr>
+                                      <p:to>
+                                        <p:strVal val="visible"/>
+                                      </p:to>
+                                    </p:set>
+                                  </p:childTnLst>
+                                </p:cTn>
+                              </p:par>
+                              <p:par>
+                                <p:cTn id="17" presetID="1" presetClass="entr" presetSubtype="0" fill="hold" nodeType="withEffect">
+                                  <p:stCondLst>
+                                    <p:cond delay="0"/>
+                                  </p:stCondLst>
+                                  <p:childTnLst>
+                                    <p:set>
+                                      <p:cBhvr>
+                                        <p:cTn id="18" dur="1" fill="hold">
+                                          <p:stCondLst>
+                                            <p:cond delay="0"/>
+                                          </p:stCondLst>
+                                        </p:cTn>
+                                        <p:tgtEl>
+                                          <p:spTgt spid="21"/>
+                                        </p:tgtEl>
+                                        <p:attrNameLst>
+                                          <p:attrName>style.visibility</p:attrName>
+                                        </p:attrNameLst>
+                                      </p:cBhvr>
+                                      <p:to>
+                                        <p:strVal val="visible"/>
+                                      </p:to>
+                                    </p:set>
+                                  </p:childTnLst>
+                                </p:cTn>
+                              </p:par>
+                            </p:childTnLst>
+                          </p:cTn>
+                        </p:par>
+                      </p:childTnLst>
+                    </p:cTn>
+                  </p:par>
+                  <p:par>
+                    <p:cTn id="19" fill="hold">
+                      <p:stCondLst>
+                        <p:cond delay="indefinite"/>
+                      </p:stCondLst>
+                      <p:childTnLst>
+                        <p:par>
+                          <p:cTn id="20" fill="hold">
+                            <p:stCondLst>
+                              <p:cond delay="0"/>
+                            </p:stCondLst>
+                            <p:childTnLst>
+                              <p:par>
+                                <p:cTn id="21" presetID="1" presetClass="entr" presetSubtype="0" fill="hold" nodeType="clickEffect">
+                                  <p:stCondLst>
+                                    <p:cond delay="0"/>
+                                  </p:stCondLst>
+                                  <p:childTnLst>
+                                    <p:set>
+                                      <p:cBhvr>
+                                        <p:cTn id="22" dur="1" fill="hold">
+                                          <p:stCondLst>
+                                            <p:cond delay="0"/>
+                                          </p:stCondLst>
+                                        </p:cTn>
+                                        <p:tgtEl>
+                                          <p:spTgt spid="18"/>
+                                        </p:tgtEl>
+                                        <p:attrNameLst>
+                                          <p:attrName>style.visibility</p:attrName>
+                                        </p:attrNameLst>
+                                      </p:cBhvr>
+                                      <p:to>
+                                        <p:strVal val="visible"/>
+                                      </p:to>
+                                    </p:set>
+                                  </p:childTnLst>
+                                </p:cTn>
+                              </p:par>
+                              <p:par>
+                                <p:cTn id="23" presetID="1" presetClass="entr" presetSubtype="0" fill="hold" nodeType="withEffect">
+                                  <p:stCondLst>
+                                    <p:cond delay="0"/>
+                                  </p:stCondLst>
+                                  <p:childTnLst>
+                                    <p:set>
+                                      <p:cBhvr>
+                                        <p:cTn id="24" dur="1" fill="hold">
+                                          <p:stCondLst>
+                                            <p:cond delay="0"/>
+                                          </p:stCondLst>
+                                        </p:cTn>
+                                        <p:tgtEl>
+                                          <p:spTgt spid="19"/>
+                                        </p:tgtEl>
+                                        <p:attrNameLst>
+                                          <p:attrName>style.visibility</p:attrName>
+                                        </p:attrNameLst>
+                                      </p:cBhvr>
+                                      <p:to>
+                                        <p:strVal val="visible"/>
+                                      </p:to>
+                                    </p:set>
+                                  </p:childTnLst>
+                                </p:cTn>
+                              </p:par>
+                              <p:par>
+                                <p:cTn id="25" presetID="1" presetClass="entr" presetSubtype="0" fill="hold" nodeType="withEffect">
+                                  <p:stCondLst>
+                                    <p:cond delay="0"/>
+                                  </p:stCondLst>
+                                  <p:childTnLst>
+                                    <p:set>
+                                      <p:cBhvr>
+                                        <p:cTn id="26" dur="1" fill="hold">
+                                          <p:stCondLst>
+                                            <p:cond delay="0"/>
+                                          </p:stCondLst>
+                                        </p:cTn>
+                                        <p:tgtEl>
+                                          <p:spTgt spid="20"/>
                                         </p:tgtEl>
                                         <p:attrNameLst>
                                           <p:attrName>style.visibility</p:attrName>
@@ -19737,7 +21374,29 @@
       </p:grpSpPr>
       <p:sp>
         <p:nvSpPr>
-          <p:cNvPr id="2" name="Titel 1"/>
+          <p:cNvPr id="10" name="Inhaltsplatzhalter 9"/>
+          <p:cNvSpPr>
+            <a:spLocks noGrp="1"/>
+          </p:cNvSpPr>
+          <p:nvPr>
+            <p:ph idx="1"/>
+          </p:nvPr>
+        </p:nvSpPr>
+        <p:spPr/>
+        <p:txBody>
+          <a:bodyPr/>
+          <a:lstStyle/>
+          <a:p>
+            <a:r>
+              <a:rPr lang="en-US" dirty="0"/>
+              <a:t>for your attention!</a:t>
+            </a:r>
+          </a:p>
+        </p:txBody>
+      </p:sp>
+      <p:sp>
+        <p:nvSpPr>
+          <p:cNvPr id="6" name="Titel 5"/>
           <p:cNvSpPr>
             <a:spLocks noGrp="1"/>
           </p:cNvSpPr>
@@ -19745,38 +21404,21 @@
             <p:ph type="title"/>
           </p:nvPr>
         </p:nvSpPr>
-        <p:spPr>
-          <a:xfrm>
-            <a:off x="623393" y="296863"/>
-            <a:ext cx="11041558" cy="719137"/>
-          </a:xfrm>
-        </p:spPr>
+        <p:spPr/>
         <p:txBody>
           <a:bodyPr/>
           <a:lstStyle/>
           <a:p>
             <a:r>
               <a:rPr lang="en-US" dirty="0"/>
-              <a:t>     </a:t>
-            </a:r>
-            <a:r>
-              <a:rPr lang="en-US" dirty="0" err="1"/>
-              <a:t>eCAL</a:t>
-            </a:r>
-            <a:r>
-              <a:rPr lang="en-US" dirty="0"/>
-              <a:t> Monitor – live data view plugins</a:t>
-            </a:r>
-            <a:br>
-              <a:rPr lang="en-US" dirty="0"/>
-            </a:br>
-            <a:endParaRPr lang="de-DE" dirty="0"/>
+              <a:t>Thank you</a:t>
+            </a:r>
           </a:p>
         </p:txBody>
       </p:sp>
       <p:sp>
         <p:nvSpPr>
-          <p:cNvPr id="3" name="Datumsplatzhalter 2"/>
+          <p:cNvPr id="7" name="Datumsplatzhalter 6"/>
           <p:cNvSpPr>
             <a:spLocks noGrp="1"/>
           </p:cNvSpPr>
@@ -19789,18 +21431,18 @@
           <a:bodyPr/>
           <a:lstStyle/>
           <a:p>
-            <a:fld id="{1778E95C-90A9-47F3-94FC-26BB930BF367}" type="datetime4">
+            <a:fld id="{16319B54-2BFB-42AC-8934-6FE8400019D1}" type="datetime4">
               <a:rPr lang="en-US" noProof="0" smtClean="0"/>
               <a:pPr/>
-              <a:t>March 11, 2019</a:t>
+              <a:t>December 4, 2019</a:t>
             </a:fld>
-            <a:endParaRPr lang="en-US" noProof="0" dirty="0"/>
+            <a:endParaRPr lang="en-US" noProof="0"/>
           </a:p>
         </p:txBody>
       </p:sp>
       <p:sp>
         <p:nvSpPr>
-          <p:cNvPr id="4" name="Foliennummernplatzhalter 3"/>
+          <p:cNvPr id="8" name="Foliennummernplatzhalter 7"/>
           <p:cNvSpPr>
             <a:spLocks noGrp="1"/>
           </p:cNvSpPr>
@@ -19818,13 +21460,13 @@
               <a:pPr/>
               <a:t>8</a:t>
             </a:fld>
-            <a:endParaRPr lang="en-US" noProof="0" dirty="0"/>
+            <a:endParaRPr lang="en-US" noProof="0"/>
           </a:p>
         </p:txBody>
       </p:sp>
       <p:sp>
         <p:nvSpPr>
-          <p:cNvPr id="5" name="Fußzeilenplatzhalter 4"/>
+          <p:cNvPr id="11" name="Fußzeilenplatzhalter 10"/>
           <p:cNvSpPr>
             <a:spLocks noGrp="1"/>
           </p:cNvSpPr>
@@ -19843,325 +21485,19 @@
             </a:r>
             <a:r>
               <a:rPr lang="en-US" dirty="0"/>
-              <a:t> R.,   </a:t>
+              <a:t> R.</a:t>
             </a:r>
             <a:r>
               <a:rPr lang="en-US" noProof="0" dirty="0"/>
-              <a:t>© Continental AG</a:t>
+              <a:t>,   © Continental AG</a:t>
             </a:r>
           </a:p>
         </p:txBody>
       </p:sp>
-      <p:pic>
-        <p:nvPicPr>
-          <p:cNvPr id="17" name="Picture 9" descr="C:\Users\vasilescuc\Desktop\eCALPlayGUI.png"/>
-          <p:cNvPicPr>
-            <a:picLocks noChangeAspect="1" noChangeArrowheads="1"/>
-          </p:cNvPicPr>
-          <p:nvPr/>
-        </p:nvPicPr>
-        <p:blipFill>
-          <a:blip r:embed="rId2"/>
-          <a:stretch>
-            <a:fillRect/>
-          </a:stretch>
-        </p:blipFill>
-        <p:spPr bwMode="auto">
-          <a:xfrm>
-            <a:off x="515380" y="296652"/>
-            <a:ext cx="360040" cy="360040"/>
-          </a:xfrm>
-          <a:prstGeom prst="rect">
-            <a:avLst/>
-          </a:prstGeom>
-          <a:noFill/>
-        </p:spPr>
-      </p:pic>
-      <p:pic>
-        <p:nvPicPr>
-          <p:cNvPr id="7" name="Grafik 6">
-            <a:extLst>
-              <a:ext uri="{FF2B5EF4-FFF2-40B4-BE49-F238E27FC236}">
-                <a16:creationId xmlns:a16="http://schemas.microsoft.com/office/drawing/2014/main" id="{2DCC789A-281A-47F7-8CD8-95F742D97EBB}"/>
-              </a:ext>
-            </a:extLst>
-          </p:cNvPr>
-          <p:cNvPicPr>
-            <a:picLocks noChangeAspect="1"/>
-          </p:cNvPicPr>
-          <p:nvPr/>
-        </p:nvPicPr>
-        <p:blipFill>
-          <a:blip r:embed="rId3"/>
-          <a:stretch>
-            <a:fillRect/>
-          </a:stretch>
-        </p:blipFill>
-        <p:spPr>
-          <a:xfrm>
-            <a:off x="1494066" y="764704"/>
-            <a:ext cx="9203868" cy="5186157"/>
-          </a:xfrm>
-          <a:prstGeom prst="rect">
-            <a:avLst/>
-          </a:prstGeom>
-        </p:spPr>
-      </p:pic>
     </p:spTree>
-  </p:cSld>
-  <p:clrMapOvr>
-    <a:masterClrMapping/>
-  </p:clrMapOvr>
-  <p:transition>
-    <p:fade/>
-  </p:transition>
-</p:sld>
-</file>
-
-<file path=ppt/slides/slide9.xml><?xml version="1.0" encoding="utf-8"?>
-<p:sld xmlns:a="http://schemas.openxmlformats.org/drawingml/2006/main" xmlns:r="http://schemas.openxmlformats.org/officeDocument/2006/relationships" xmlns:p="http://schemas.openxmlformats.org/presentationml/2006/main">
-  <p:cSld>
-    <p:spTree>
-      <p:nvGrpSpPr>
-        <p:cNvPr id="1" name=""/>
-        <p:cNvGrpSpPr/>
-        <p:nvPr/>
-      </p:nvGrpSpPr>
-      <p:grpSpPr>
-        <a:xfrm>
-          <a:off x="0" y="0"/>
-          <a:ext cx="0" cy="0"/>
-          <a:chOff x="0" y="0"/>
-          <a:chExt cx="0" cy="0"/>
-        </a:xfrm>
-      </p:grpSpPr>
-      <p:sp>
-        <p:nvSpPr>
-          <p:cNvPr id="3" name="Datumsplatzhalter 2"/>
-          <p:cNvSpPr>
-            <a:spLocks noGrp="1"/>
-          </p:cNvSpPr>
-          <p:nvPr>
-            <p:ph type="dt" sz="half" idx="10"/>
-          </p:nvPr>
-        </p:nvSpPr>
-        <p:spPr/>
-        <p:txBody>
-          <a:bodyPr/>
-          <a:lstStyle/>
-          <a:p>
-            <a:fld id="{1778E95C-90A9-47F3-94FC-26BB930BF367}" type="datetime4">
-              <a:rPr lang="en-US" noProof="0" smtClean="0"/>
-              <a:pPr/>
-              <a:t>March 11, 2019</a:t>
-            </a:fld>
-            <a:endParaRPr lang="en-US" noProof="0" dirty="0"/>
-          </a:p>
-        </p:txBody>
-      </p:sp>
-      <p:sp>
-        <p:nvSpPr>
-          <p:cNvPr id="4" name="Foliennummernplatzhalter 3"/>
-          <p:cNvSpPr>
-            <a:spLocks noGrp="1"/>
-          </p:cNvSpPr>
-          <p:nvPr>
-            <p:ph type="sldNum" sz="quarter" idx="11"/>
-          </p:nvPr>
-        </p:nvSpPr>
-        <p:spPr/>
-        <p:txBody>
-          <a:bodyPr/>
-          <a:lstStyle/>
-          <a:p>
-            <a:fld id="{ADA48181-2C78-49CB-8C52-912A07842C2E}" type="slidenum">
-              <a:rPr lang="en-US" noProof="0" smtClean="0"/>
-              <a:pPr/>
-              <a:t>9</a:t>
-            </a:fld>
-            <a:endParaRPr lang="en-US" noProof="0" dirty="0"/>
-          </a:p>
-        </p:txBody>
-      </p:sp>
-      <p:sp>
-        <p:nvSpPr>
-          <p:cNvPr id="5" name="Fußzeilenplatzhalter 4"/>
-          <p:cNvSpPr>
-            <a:spLocks noGrp="1"/>
-          </p:cNvSpPr>
-          <p:nvPr>
-            <p:ph type="ftr" sz="quarter" idx="12"/>
-          </p:nvPr>
-        </p:nvSpPr>
-        <p:spPr/>
-        <p:txBody>
-          <a:bodyPr/>
-          <a:lstStyle/>
-          <a:p>
-            <a:r>
-              <a:rPr lang="en-US" dirty="0" err="1"/>
-              <a:t>Schilasky</a:t>
-            </a:r>
-            <a:r>
-              <a:rPr lang="en-US" dirty="0"/>
-              <a:t> R.,   </a:t>
-            </a:r>
-            <a:r>
-              <a:rPr lang="en-US" noProof="0" dirty="0"/>
-              <a:t>© Continental AG</a:t>
-            </a:r>
-          </a:p>
-        </p:txBody>
-      </p:sp>
-      <p:pic>
-        <p:nvPicPr>
-          <p:cNvPr id="8" name="Grafik 7">
-            <a:extLst>
-              <a:ext uri="{FF2B5EF4-FFF2-40B4-BE49-F238E27FC236}">
-                <a16:creationId xmlns:a16="http://schemas.microsoft.com/office/drawing/2014/main" id="{DBD6F7AF-285A-4580-8641-265831F8476E}"/>
-              </a:ext>
-            </a:extLst>
-          </p:cNvPr>
-          <p:cNvPicPr>
-            <a:picLocks noChangeAspect="1"/>
-          </p:cNvPicPr>
-          <p:nvPr/>
-        </p:nvPicPr>
-        <p:blipFill>
-          <a:blip r:embed="rId2"/>
-          <a:stretch>
-            <a:fillRect/>
-          </a:stretch>
-        </p:blipFill>
-        <p:spPr>
-          <a:xfrm>
-            <a:off x="1235460" y="1340768"/>
-            <a:ext cx="4121029" cy="3501937"/>
-          </a:xfrm>
-          <a:prstGeom prst="rect">
-            <a:avLst/>
-          </a:prstGeom>
-        </p:spPr>
-      </p:pic>
-      <p:pic>
-        <p:nvPicPr>
-          <p:cNvPr id="6" name="Grafik 5">
-            <a:extLst>
-              <a:ext uri="{FF2B5EF4-FFF2-40B4-BE49-F238E27FC236}">
-                <a16:creationId xmlns:a16="http://schemas.microsoft.com/office/drawing/2014/main" id="{82163C5E-DAA7-4128-B38E-5D451E275D5B}"/>
-              </a:ext>
-            </a:extLst>
-          </p:cNvPr>
-          <p:cNvPicPr>
-            <a:picLocks noChangeAspect="1"/>
-          </p:cNvPicPr>
-          <p:nvPr/>
-        </p:nvPicPr>
-        <p:blipFill>
-          <a:blip r:embed="rId3"/>
-          <a:stretch>
-            <a:fillRect/>
-          </a:stretch>
-        </p:blipFill>
-        <p:spPr>
-          <a:xfrm>
-            <a:off x="5986506" y="836712"/>
-            <a:ext cx="4252851" cy="5060132"/>
-          </a:xfrm>
-          <a:prstGeom prst="rect">
-            <a:avLst/>
-          </a:prstGeom>
-        </p:spPr>
-      </p:pic>
-      <p:sp>
-        <p:nvSpPr>
-          <p:cNvPr id="11" name="Titel 1">
-            <a:extLst>
-              <a:ext uri="{FF2B5EF4-FFF2-40B4-BE49-F238E27FC236}">
-                <a16:creationId xmlns:a16="http://schemas.microsoft.com/office/drawing/2014/main" id="{67174C18-E757-45F1-A8BC-A657B768C81A}"/>
-              </a:ext>
-            </a:extLst>
-          </p:cNvPr>
-          <p:cNvSpPr>
-            <a:spLocks noGrp="1"/>
-          </p:cNvSpPr>
-          <p:nvPr>
-            <p:ph type="title"/>
-          </p:nvPr>
-        </p:nvSpPr>
-        <p:spPr>
-          <a:xfrm>
-            <a:off x="623393" y="296863"/>
-            <a:ext cx="11041558" cy="719137"/>
-          </a:xfrm>
-        </p:spPr>
-        <p:txBody>
-          <a:bodyPr/>
-          <a:lstStyle/>
-          <a:p>
-            <a:r>
-              <a:rPr lang="en-US" dirty="0"/>
-              <a:t>     </a:t>
-            </a:r>
-            <a:r>
-              <a:rPr lang="en-US" dirty="0" err="1"/>
-              <a:t>eCAL</a:t>
-            </a:r>
-            <a:r>
-              <a:rPr lang="en-US" dirty="0"/>
-              <a:t> Monitor – reflection support for </a:t>
-            </a:r>
-            <a:r>
-              <a:rPr lang="en-US" dirty="0" err="1"/>
-              <a:t>protobuf</a:t>
-            </a:r>
-            <a:r>
-              <a:rPr lang="en-US" dirty="0"/>
-              <a:t> and </a:t>
-            </a:r>
-            <a:r>
-              <a:rPr lang="en-US" dirty="0" err="1"/>
-              <a:t>capnproto</a:t>
-            </a:r>
-            <a:br>
-              <a:rPr lang="en-US" dirty="0"/>
-            </a:br>
-            <a:endParaRPr lang="de-DE" dirty="0"/>
-          </a:p>
-        </p:txBody>
-      </p:sp>
-      <p:pic>
-        <p:nvPicPr>
-          <p:cNvPr id="12" name="Picture 9" descr="C:\Users\vasilescuc\Desktop\eCALPlayGUI.png">
-            <a:extLst>
-              <a:ext uri="{FF2B5EF4-FFF2-40B4-BE49-F238E27FC236}">
-                <a16:creationId xmlns:a16="http://schemas.microsoft.com/office/drawing/2014/main" id="{684221AC-845F-4CC2-8866-BA08A25190A2}"/>
-              </a:ext>
-            </a:extLst>
-          </p:cNvPr>
-          <p:cNvPicPr>
-            <a:picLocks noChangeAspect="1" noChangeArrowheads="1"/>
-          </p:cNvPicPr>
-          <p:nvPr/>
-        </p:nvPicPr>
-        <p:blipFill>
-          <a:blip r:embed="rId4"/>
-          <a:stretch>
-            <a:fillRect/>
-          </a:stretch>
-        </p:blipFill>
-        <p:spPr bwMode="auto">
-          <a:xfrm>
-            <a:off x="515380" y="296652"/>
-            <a:ext cx="360040" cy="360040"/>
-          </a:xfrm>
-          <a:prstGeom prst="rect">
-            <a:avLst/>
-          </a:prstGeom>
-          <a:noFill/>
-        </p:spPr>
-      </p:pic>
-    </p:spTree>
+    <p:custDataLst>
+      <p:tags r:id="rId1"/>
+    </p:custDataLst>
   </p:cSld>
   <p:clrMapOvr>
     <a:masterClrMapping/>
@@ -21136,6 +22472,27 @@
 </file>
 
 <file path=customXml/item1.xml><?xml version="1.0" encoding="utf-8"?>
+<?mso-contentType ?>
+<FormTemplates xmlns="http://schemas.microsoft.com/sharepoint/v3/contenttype/forms">
+  <Display>DocumentLibraryForm</Display>
+  <Edit>DocumentLibraryForm</Edit>
+  <New>DocumentLibraryForm</New>
+</FormTemplates>
+</file>
+
+<file path=customXml/item2.xml><?xml version="1.0" encoding="utf-8"?>
+<p:properties xmlns:p="http://schemas.microsoft.com/office/2006/metadata/properties" xmlns:xsi="http://www.w3.org/2001/XMLSchema-instance">
+  <documentManagement>
+    <Language xmlns="http://schemas.microsoft.com/sharepoint/v3">English (en)</Language>
+    <Owner xmlns="http://schemas.microsoft.com/sharepoint/v3">Schilasky</Owner>
+    <_Status xmlns="http://schemas.microsoft.com/sharepoint/v3/fields">Draft</_Status>
+    <SCCoverageSpatialOrgUnit xmlns="http://schemas.microsoft.com/sharepoint/v3">Continental AG</SCCoverageSpatialOrgUnit>
+    <ContinentalSecurityClass xmlns="http://schemas.microsoft.com/sharepoint/v3/fields">For internal use only</ContinentalSecurityClass>
+  </documentManagement>
+</p:properties>
+</file>
+
+<file path=customXml/item3.xml><?xml version="1.0" encoding="utf-8"?>
 <ct:contentTypeSchema xmlns:ct="http://schemas.microsoft.com/office/2006/metadata/contentType" xmlns:ma="http://schemas.microsoft.com/office/2006/metadata/properties/metaAttributes" ct:_="" ma:_="" ma:contentTypeName="Document (CCT)" ma:contentTypeID="0x01010060D3A2B5B42A0B4796CE5EB3AD8B0F9700F6EA441231AEA447A0EA374EF1BA3AC9" ma:contentTypeVersion="1" ma:contentTypeDescription="Core content type for documents (CCT)" ma:contentTypeScope="" ma:versionID="b41894697092ef65df9fccd8c33c01ee">
   <xsd:schema xmlns:xsd="http://www.w3.org/2001/XMLSchema" xmlns:p="http://schemas.microsoft.com/office/2006/metadata/properties" xmlns:ns1="http://schemas.microsoft.com/sharepoint/v3" xmlns:ns2="http://schemas.microsoft.com/sharepoint/v3/fields" targetNamespace="http://schemas.microsoft.com/office/2006/metadata/properties" ma:root="true" ma:fieldsID="185ee762ca8a4ed30c3923a76ca715e1" ns1:_="" ns2:_="">
     <xsd:import namespace="http://schemas.microsoft.com/sharepoint/v3"/>
@@ -21285,41 +22642,10 @@
 </ct:contentTypeSchema>
 </file>
 
-<file path=customXml/item2.xml><?xml version="1.0" encoding="utf-8"?>
-<p:properties xmlns:p="http://schemas.microsoft.com/office/2006/metadata/properties" xmlns:xsi="http://www.w3.org/2001/XMLSchema-instance">
-  <documentManagement>
-    <Language xmlns="http://schemas.microsoft.com/sharepoint/v3">English (en)</Language>
-    <Owner xmlns="http://schemas.microsoft.com/sharepoint/v3">Schilasky</Owner>
-    <_Status xmlns="http://schemas.microsoft.com/sharepoint/v3/fields">Draft</_Status>
-    <SCCoverageSpatialOrgUnit xmlns="http://schemas.microsoft.com/sharepoint/v3">Continental AG</SCCoverageSpatialOrgUnit>
-    <ContinentalSecurityClass xmlns="http://schemas.microsoft.com/sharepoint/v3/fields">For internal use only</ContinentalSecurityClass>
-  </documentManagement>
-</p:properties>
-</file>
-
-<file path=customXml/item3.xml><?xml version="1.0" encoding="utf-8"?>
-<?mso-contentType ?>
-<FormTemplates xmlns="http://schemas.microsoft.com/sharepoint/v3/contenttype/forms">
-  <Display>DocumentLibraryForm</Display>
-  <Edit>DocumentLibraryForm</Edit>
-  <New>DocumentLibraryForm</New>
-</FormTemplates>
-</file>
-
 <file path=customXml/itemProps1.xml><?xml version="1.0" encoding="utf-8"?>
-<ds:datastoreItem xmlns:ds="http://schemas.openxmlformats.org/officeDocument/2006/customXml" ds:itemID="{DF44401B-1D5E-4307-A806-10E826502A74}">
+<ds:datastoreItem xmlns:ds="http://schemas.openxmlformats.org/officeDocument/2006/customXml" ds:itemID="{3FA6BFF3-45C2-4C38-9AAD-E3B7AC9EA1A1}">
   <ds:schemaRefs>
-    <ds:schemaRef ds:uri="http://schemas.microsoft.com/office/2006/metadata/contentType"/>
-    <ds:schemaRef ds:uri="http://schemas.microsoft.com/office/2006/metadata/properties/metaAttributes"/>
-    <ds:schemaRef ds:uri="http://www.w3.org/2001/XMLSchema"/>
-    <ds:schemaRef ds:uri="http://schemas.microsoft.com/office/2006/metadata/properties"/>
-    <ds:schemaRef ds:uri="http://schemas.microsoft.com/sharepoint/v3"/>
-    <ds:schemaRef ds:uri="http://schemas.microsoft.com/sharepoint/v3/fields"/>
-    <ds:schemaRef ds:uri="http://schemas.microsoft.com/office/2006/documentManagement/types"/>
-    <ds:schemaRef ds:uri="http://schemas.openxmlformats.org/package/2006/metadata/core-properties"/>
-    <ds:schemaRef ds:uri="http://purl.org/dc/elements/1.1/"/>
-    <ds:schemaRef ds:uri="http://purl.org/dc/terms/"/>
-    <ds:schemaRef ds:uri="http://schemas.microsoft.com/office/internal/2005/internalDocumentation"/>
+    <ds:schemaRef ds:uri="http://schemas.microsoft.com/sharepoint/v3/contenttype/forms"/>
   </ds:schemaRefs>
 </ds:datastoreItem>
 </file>
@@ -21341,9 +22667,19 @@
 </file>
 
 <file path=customXml/itemProps3.xml><?xml version="1.0" encoding="utf-8"?>
-<ds:datastoreItem xmlns:ds="http://schemas.openxmlformats.org/officeDocument/2006/customXml" ds:itemID="{3FA6BFF3-45C2-4C38-9AAD-E3B7AC9EA1A1}">
+<ds:datastoreItem xmlns:ds="http://schemas.openxmlformats.org/officeDocument/2006/customXml" ds:itemID="{DF44401B-1D5E-4307-A806-10E826502A74}">
   <ds:schemaRefs>
-    <ds:schemaRef ds:uri="http://schemas.microsoft.com/sharepoint/v3/contenttype/forms"/>
+    <ds:schemaRef ds:uri="http://schemas.microsoft.com/office/2006/metadata/contentType"/>
+    <ds:schemaRef ds:uri="http://schemas.microsoft.com/office/2006/metadata/properties/metaAttributes"/>
+    <ds:schemaRef ds:uri="http://www.w3.org/2001/XMLSchema"/>
+    <ds:schemaRef ds:uri="http://schemas.microsoft.com/office/2006/metadata/properties"/>
+    <ds:schemaRef ds:uri="http://schemas.microsoft.com/sharepoint/v3"/>
+    <ds:schemaRef ds:uri="http://schemas.microsoft.com/sharepoint/v3/fields"/>
+    <ds:schemaRef ds:uri="http://schemas.microsoft.com/office/2006/documentManagement/types"/>
+    <ds:schemaRef ds:uri="http://schemas.openxmlformats.org/package/2006/metadata/core-properties"/>
+    <ds:schemaRef ds:uri="http://purl.org/dc/elements/1.1/"/>
+    <ds:schemaRef ds:uri="http://purl.org/dc/terms/"/>
+    <ds:schemaRef ds:uri="http://schemas.microsoft.com/office/internal/2005/internalDocumentation"/>
   </ds:schemaRefs>
 </ds:datastoreItem>
 </file>
--- a/doc/eCAL.pptx
+++ b/doc/eCAL.pptx
@@ -322,7 +322,7 @@
             <a:fld id="{9482B374-514F-45E9-82B1-9EFE5957402D}" type="datetime1">
               <a:rPr lang="de-DE" sz="1000" smtClean="0"/>
               <a:pPr/>
-              <a:t>04.12.2019</a:t>
+              <a:t>28.01.2020</a:t>
             </a:fld>
             <a:endParaRPr lang="en-US" sz="1000"/>
           </a:p>
@@ -493,7 +493,7 @@
             <a:fld id="{323F5C47-E162-42FA-98C0-1ACA2E25758A}" type="datetime1">
               <a:rPr lang="de-DE" smtClean="0"/>
               <a:pPr/>
-              <a:t>04.12.2019</a:t>
+              <a:t>28.01.2020</a:t>
             </a:fld>
             <a:endParaRPr lang="en-US"/>
           </a:p>
@@ -841,7 +841,7 @@
             <a:fld id="{323F5C47-E162-42FA-98C0-1ACA2E25758A}" type="datetime1">
               <a:rPr lang="en-US" smtClean="0"/>
               <a:pPr/>
-              <a:t>12/4/2019</a:t>
+              <a:t>1/28/2020</a:t>
             </a:fld>
             <a:endParaRPr lang="en-US"/>
           </a:p>
@@ -979,7 +979,7 @@
             <a:fld id="{323F5C47-E162-42FA-98C0-1ACA2E25758A}" type="datetime1">
               <a:rPr lang="en-US" smtClean="0"/>
               <a:pPr/>
-              <a:t>12/4/2019</a:t>
+              <a:t>1/28/2020</a:t>
             </a:fld>
             <a:endParaRPr lang="en-US"/>
           </a:p>
@@ -1124,7 +1124,7 @@
             <a:fld id="{FA8CA14D-6852-46AA-B36A-4437D0482A78}" type="datetime1">
               <a:rPr lang="en-US" smtClean="0"/>
               <a:pPr/>
-              <a:t>12/4/2019</a:t>
+              <a:t>1/28/2020</a:t>
             </a:fld>
             <a:endParaRPr lang="en-US"/>
           </a:p>
@@ -2286,7 +2286,7 @@
             <a:fld id="{C0CEF923-CC27-4F42-A3CA-3535FDEA38A8}" type="datetime4">
               <a:rPr lang="en-US" noProof="0" smtClean="0"/>
               <a:pPr/>
-              <a:t>December 4, 2019</a:t>
+              <a:t>January 28, 2020</a:t>
             </a:fld>
             <a:endParaRPr lang="en-US" noProof="0"/>
           </a:p>
@@ -2798,7 +2798,7 @@
             <a:fld id="{AE903120-3BAB-48D5-8178-C932D0FCD2E2}" type="datetime4">
               <a:rPr lang="en-US" noProof="0" smtClean="0"/>
               <a:pPr/>
-              <a:t>December 4, 2019</a:t>
+              <a:t>January 28, 2020</a:t>
             </a:fld>
             <a:endParaRPr lang="en-US" noProof="0"/>
           </a:p>
@@ -3133,7 +3133,7 @@
             <a:fld id="{A88E913E-A622-4FF1-B97B-42C8AFF19EFD}" type="datetime4">
               <a:rPr lang="en-US" noProof="0" smtClean="0"/>
               <a:pPr/>
-              <a:t>December 4, 2019</a:t>
+              <a:t>January 28, 2020</a:t>
             </a:fld>
             <a:endParaRPr lang="en-US" noProof="0"/>
           </a:p>
@@ -3762,7 +3762,7 @@
             <a:fld id="{9857078E-6325-488D-A844-6B585767C8A3}" type="datetime4">
               <a:rPr lang="en-US" noProof="0" smtClean="0"/>
               <a:pPr/>
-              <a:t>December 4, 2019</a:t>
+              <a:t>January 28, 2020</a:t>
             </a:fld>
             <a:endParaRPr lang="en-US" noProof="0"/>
           </a:p>
@@ -4271,7 +4271,7 @@
             <a:fld id="{E59B82B3-D0E1-436E-87BF-63B7462754E4}" type="datetime4">
               <a:rPr lang="en-US" noProof="0" smtClean="0"/>
               <a:pPr/>
-              <a:t>December 4, 2019</a:t>
+              <a:t>January 28, 2020</a:t>
             </a:fld>
             <a:endParaRPr lang="en-US" noProof="0"/>
           </a:p>
@@ -4779,7 +4779,7 @@
             <a:fld id="{1778E95C-90A9-47F3-94FC-26BB930BF367}" type="datetime4">
               <a:rPr lang="en-US" noProof="0" smtClean="0"/>
               <a:pPr/>
-              <a:t>December 4, 2019</a:t>
+              <a:t>January 28, 2020</a:t>
             </a:fld>
             <a:endParaRPr lang="en-US" noProof="0"/>
           </a:p>
@@ -4906,7 +4906,7 @@
             <a:fld id="{5C1C0433-6B39-4E2B-8F5B-6B4B244C3ECE}" type="datetime4">
               <a:rPr lang="en-US" noProof="0" smtClean="0"/>
               <a:pPr/>
-              <a:t>December 4, 2019</a:t>
+              <a:t>January 28, 2020</a:t>
             </a:fld>
             <a:endParaRPr lang="en-US" noProof="0"/>
           </a:p>
@@ -5195,7 +5195,7 @@
             <a:fld id="{5B9F1013-C68F-45DE-A2A8-ABB1776BF6C1}" type="datetime4">
               <a:rPr lang="en-US" noProof="0" smtClean="0"/>
               <a:pPr/>
-              <a:t>December 4, 2019</a:t>
+              <a:t>January 28, 2020</a:t>
             </a:fld>
             <a:endParaRPr lang="en-US" noProof="0"/>
           </a:p>
@@ -5855,7 +5855,7 @@
             <a:fld id="{F903D1D1-7F42-43C4-ADD4-518F62B4B1A7}" type="datetime4">
               <a:rPr lang="en-US" noProof="0" smtClean="0"/>
               <a:pPr/>
-              <a:t>December 4, 2019</a:t>
+              <a:t>January 28, 2020</a:t>
             </a:fld>
             <a:endParaRPr lang="en-US" noProof="0"/>
           </a:p>
@@ -6507,7 +6507,7 @@
             <a:fld id="{A391F275-0A79-47DF-8CE0-6E5191350150}" type="datetime4">
               <a:rPr lang="en-US" noProof="0" smtClean="0"/>
               <a:pPr/>
-              <a:t>December 4, 2019</a:t>
+              <a:t>January 28, 2020</a:t>
             </a:fld>
             <a:endParaRPr lang="en-US" noProof="0"/>
           </a:p>
@@ -6991,7 +6991,7 @@
             <a:fld id="{A52FEDD3-893C-49FF-8882-6FC7BC61D6E5}" type="datetime4">
               <a:rPr lang="en-US" noProof="0" smtClean="0"/>
               <a:pPr/>
-              <a:t>December 4, 2019</a:t>
+              <a:t>January 28, 2020</a:t>
             </a:fld>
             <a:endParaRPr lang="en-US" noProof="0"/>
           </a:p>
@@ -7269,7 +7269,7 @@
             <a:fld id="{754CC1F9-E5C4-4DE1-A8E3-E6949A1E558A}" type="datetime4">
               <a:rPr lang="en-US" noProof="0" smtClean="0"/>
               <a:pPr/>
-              <a:t>December 4, 2019</a:t>
+              <a:t>January 28, 2020</a:t>
             </a:fld>
             <a:endParaRPr lang="en-US" noProof="0"/>
           </a:p>
@@ -9427,7 +9427,7 @@
             <a:fld id="{04D55E88-34B4-42E5-9DA2-8E866D3D3D47}" type="datetime4">
               <a:rPr lang="en-US" noProof="0" smtClean="0"/>
               <a:pPr/>
-              <a:t>December 4, 2019</a:t>
+              <a:t>January 28, 2020</a:t>
             </a:fld>
             <a:endParaRPr lang="en-US" noProof="0"/>
           </a:p>
@@ -10113,7 +10113,7 @@
             <a:fld id="{0B39444B-FB5A-407E-88EB-64BE3DC64896}" type="datetime4">
               <a:rPr lang="en-US" noProof="0" smtClean="0"/>
               <a:pPr/>
-              <a:t>December 4, 2019</a:t>
+              <a:t>January 28, 2020</a:t>
             </a:fld>
             <a:endParaRPr lang="en-US" noProof="0"/>
           </a:p>
@@ -10779,7 +10779,7 @@
             <a:fld id="{B71451C9-93A8-4493-A949-834F0A4C621C}" type="datetime4">
               <a:rPr lang="en-US" noProof="0" smtClean="0"/>
               <a:pPr/>
-              <a:t>December 4, 2019</a:t>
+              <a:t>January 28, 2020</a:t>
             </a:fld>
             <a:endParaRPr lang="en-US" noProof="0"/>
           </a:p>
@@ -11071,7 +11071,7 @@
             <a:fld id="{823E2FF0-B26C-4EFC-BF0E-956DFE4C933C}" type="datetime4">
               <a:rPr lang="en-US" noProof="0" smtClean="0"/>
               <a:pPr/>
-              <a:t>December 4, 2019</a:t>
+              <a:t>January 28, 2020</a:t>
             </a:fld>
             <a:endParaRPr lang="en-US" noProof="0"/>
           </a:p>
@@ -11732,7 +11732,7 @@
             <a:fld id="{18724406-19C3-4AAF-923B-8B877F8F9929}" type="datetime4">
               <a:rPr lang="en-US" noProof="0" smtClean="0"/>
               <a:pPr/>
-              <a:t>December 4, 2019</a:t>
+              <a:t>January 28, 2020</a:t>
             </a:fld>
             <a:endParaRPr lang="en-US" noProof="0"/>
           </a:p>
@@ -12035,7 +12035,7 @@
             <a:fld id="{C61B0F03-4438-41D6-A13D-82FE00E669C6}" type="datetime4">
               <a:rPr lang="en-US" noProof="0" smtClean="0"/>
               <a:pPr/>
-              <a:t>December 4, 2019</a:t>
+              <a:t>January 28, 2020</a:t>
             </a:fld>
             <a:endParaRPr lang="en-US" noProof="0"/>
           </a:p>
@@ -12939,7 +12939,7 @@
             <a:fld id="{1778E95C-90A9-47F3-94FC-26BB930BF367}" type="datetime4">
               <a:rPr lang="en-US" noProof="0" smtClean="0"/>
               <a:pPr/>
-              <a:t>December 4, 2019</a:t>
+              <a:t>January 28, 2020</a:t>
             </a:fld>
             <a:endParaRPr lang="en-US" noProof="0"/>
           </a:p>
@@ -13708,7 +13708,7 @@
             <a:fld id="{1778E95C-90A9-47F3-94FC-26BB930BF367}" type="datetime4">
               <a:rPr lang="en-US" noProof="0" smtClean="0"/>
               <a:pPr/>
-              <a:t>December 4, 2019</a:t>
+              <a:t>January 28, 2020</a:t>
             </a:fld>
             <a:endParaRPr lang="en-US" noProof="0" dirty="0"/>
           </a:p>
@@ -13859,19 +13859,7 @@
               <a:rPr lang="en-US" sz="1600" dirty="0">
                 <a:cs typeface="Arial" pitchFamily="34" charset="0"/>
               </a:rPr>
-              <a:t> unicast/multicast, lcm, </a:t>
-            </a:r>
-            <a:r>
-              <a:rPr lang="en-US" sz="1600" dirty="0" err="1">
-                <a:cs typeface="Arial" pitchFamily="34" charset="0"/>
-              </a:rPr>
-              <a:t>rtps</a:t>
-            </a:r>
-            <a:r>
-              <a:rPr lang="en-US" sz="1600" dirty="0">
-                <a:cs typeface="Arial" pitchFamily="34" charset="0"/>
-              </a:rPr>
-              <a:t>)</a:t>
+              <a:t> unicast/multicast)</a:t>
             </a:r>
           </a:p>
           <a:p>
@@ -14668,7 +14656,7 @@
             <a:fld id="{1778E95C-90A9-47F3-94FC-26BB930BF367}" type="datetime4">
               <a:rPr lang="en-US" noProof="0" smtClean="0"/>
               <a:pPr/>
-              <a:t>December 4, 2019</a:t>
+              <a:t>January 28, 2020</a:t>
             </a:fld>
             <a:endParaRPr lang="en-US" noProof="0" dirty="0"/>
           </a:p>
@@ -15956,7 +15944,7 @@
                   </a:schemeClr>
                 </a:solidFill>
               </a:rPr>
-              <a:t> Native / LCM / </a:t>
+              <a:t> </a:t>
             </a:r>
             <a:r>
               <a:rPr lang="de-DE" sz="1400" dirty="0" err="1">
@@ -15966,7 +15954,7 @@
                   </a:schemeClr>
                 </a:solidFill>
               </a:rPr>
-              <a:t>fastRTPS</a:t>
+              <a:t>Shared</a:t>
             </a:r>
             <a:r>
               <a:rPr lang="de-DE" sz="1400" dirty="0">
@@ -15976,7 +15964,7 @@
                   </a:schemeClr>
                 </a:solidFill>
               </a:rPr>
-              <a:t> (</a:t>
+              <a:t> Memory / </a:t>
             </a:r>
             <a:r>
               <a:rPr lang="de-DE" sz="1400" dirty="0" err="1">
@@ -15986,7 +15974,7 @@
                   </a:schemeClr>
                 </a:solidFill>
               </a:rPr>
-              <a:t>eProsima</a:t>
+              <a:t>Iceoryx</a:t>
             </a:r>
             <a:r>
               <a:rPr lang="de-DE" sz="1400" dirty="0">
@@ -15996,7 +15984,7 @@
                   </a:schemeClr>
                 </a:solidFill>
               </a:rPr>
-              <a:t>) / </a:t>
+              <a:t> </a:t>
             </a:r>
             <a:r>
               <a:rPr lang="de-DE" sz="1400" dirty="0" err="1">
@@ -16006,7 +15994,7 @@
                   </a:schemeClr>
                 </a:solidFill>
               </a:rPr>
-              <a:t>Iceoryx</a:t>
+              <a:t>Shared</a:t>
             </a:r>
             <a:r>
               <a:rPr lang="de-DE" sz="1400" dirty="0">
@@ -16016,7 +16004,27 @@
                   </a:schemeClr>
                 </a:solidFill>
               </a:rPr>
-              <a:t> (Bosch)</a:t>
+              <a:t> Memory / </a:t>
+            </a:r>
+            <a:r>
+              <a:rPr lang="de-DE" sz="1400" dirty="0" err="1">
+                <a:solidFill>
+                  <a:schemeClr val="bg1">
+                    <a:lumMod val="95000"/>
+                  </a:schemeClr>
+                </a:solidFill>
+              </a:rPr>
+              <a:t>eCAL</a:t>
+            </a:r>
+            <a:r>
+              <a:rPr lang="de-DE" sz="1400" dirty="0">
+                <a:solidFill>
+                  <a:schemeClr val="bg1">
+                    <a:lumMod val="95000"/>
+                  </a:schemeClr>
+                </a:solidFill>
+              </a:rPr>
+              <a:t> UDP Multicast</a:t>
             </a:r>
           </a:p>
         </p:txBody>
@@ -17788,7 +17796,7 @@
             <a:fld id="{1778E95C-90A9-47F3-94FC-26BB930BF367}" type="datetime4">
               <a:rPr lang="en-US" noProof="0" smtClean="0"/>
               <a:pPr/>
-              <a:t>December 4, 2019</a:t>
+              <a:t>January 28, 2020</a:t>
             </a:fld>
             <a:endParaRPr lang="en-US" noProof="0" dirty="0"/>
           </a:p>
@@ -18013,7 +18021,7 @@
               <a:rPr lang="en-US" sz="1600" dirty="0" err="1">
                 <a:cs typeface="Arial" pitchFamily="34" charset="0"/>
               </a:rPr>
-              <a:t>google:lcm</a:t>
+              <a:t>Iceoryx</a:t>
             </a:r>
             <a:r>
               <a:rPr lang="en-US" sz="1600" dirty="0">
@@ -18023,137 +18031,7 @@
             </a:r>
             <a:r>
               <a:rPr lang="en-US" sz="1600" dirty="0">
-                <a:cs typeface="Arial" pitchFamily="34" charset="0"/>
                 <a:hlinkClick r:id="rId2"/>
-              </a:rPr>
-              <a:t>http://lcm-proj.github.io/</a:t>
-            </a:r>
-            <a:r>
-              <a:rPr lang="en-US" sz="1600" dirty="0">
-                <a:cs typeface="Arial" pitchFamily="34" charset="0"/>
-              </a:rPr>
-              <a:t>)</a:t>
-            </a:r>
-          </a:p>
-          <a:p>
-            <a:pPr marL="635000" lvl="1" indent="-177800">
-              <a:spcAft>
-                <a:spcPts val="1100"/>
-              </a:spcAft>
-              <a:buClr>
-                <a:schemeClr val="accent1"/>
-              </a:buClr>
-              <a:buSzPct val="125000"/>
-              <a:buFont typeface="Arial" pitchFamily="34" charset="0"/>
-              <a:buChar char="›"/>
-              <a:defRPr/>
-            </a:pPr>
-            <a:r>
-              <a:rPr lang="en-US" sz="1600" dirty="0" err="1">
-                <a:cs typeface="Arial" pitchFamily="34" charset="0"/>
-              </a:rPr>
-              <a:t>udp</a:t>
-            </a:r>
-            <a:r>
-              <a:rPr lang="en-US" sz="1600" dirty="0">
-                <a:cs typeface="Arial" pitchFamily="34" charset="0"/>
-              </a:rPr>
-              <a:t> multicast based (single multicast group), none reliable, single threaded, multi process / host</a:t>
-            </a:r>
-          </a:p>
-          <a:p>
-            <a:pPr marL="177800" indent="-177800">
-              <a:spcAft>
-                <a:spcPts val="1100"/>
-              </a:spcAft>
-              <a:buClr>
-                <a:schemeClr val="accent1"/>
-              </a:buClr>
-              <a:buSzPct val="125000"/>
-              <a:buFont typeface="Arial" pitchFamily="34" charset="0"/>
-              <a:buChar char="›"/>
-              <a:defRPr/>
-            </a:pPr>
-            <a:r>
-              <a:rPr lang="en-US" sz="1600" dirty="0" err="1">
-                <a:cs typeface="Arial" pitchFamily="34" charset="0"/>
-              </a:rPr>
-              <a:t>fastRTPS</a:t>
-            </a:r>
-            <a:r>
-              <a:rPr lang="en-US" sz="1600" dirty="0">
-                <a:cs typeface="Arial" pitchFamily="34" charset="0"/>
-              </a:rPr>
-              <a:t> (</a:t>
-            </a:r>
-            <a:r>
-              <a:rPr lang="en-US" sz="1600" dirty="0">
-                <a:cs typeface="Arial" pitchFamily="34" charset="0"/>
-                <a:hlinkClick r:id="rId3"/>
-              </a:rPr>
-              <a:t>http://www.eprosima.com</a:t>
-            </a:r>
-            <a:r>
-              <a:rPr lang="en-US" sz="1600" dirty="0">
-                <a:cs typeface="Arial" pitchFamily="34" charset="0"/>
-              </a:rPr>
-              <a:t>)</a:t>
-            </a:r>
-          </a:p>
-          <a:p>
-            <a:pPr marL="635000" lvl="1" indent="-177800">
-              <a:spcAft>
-                <a:spcPts val="1100"/>
-              </a:spcAft>
-              <a:buClr>
-                <a:schemeClr val="accent1"/>
-              </a:buClr>
-              <a:buSzPct val="125000"/>
-              <a:buFont typeface="Arial" pitchFamily="34" charset="0"/>
-              <a:buChar char="›"/>
-              <a:defRPr/>
-            </a:pPr>
-            <a:r>
-              <a:rPr lang="en-US" sz="1600" dirty="0" err="1">
-                <a:cs typeface="Arial" pitchFamily="34" charset="0"/>
-              </a:rPr>
-              <a:t>dds</a:t>
-            </a:r>
-            <a:r>
-              <a:rPr lang="en-US" sz="1600" dirty="0">
-                <a:cs typeface="Arial" pitchFamily="34" charset="0"/>
-              </a:rPr>
-              <a:t> standard - supports QOS, multi process / host (currently multicast transport only)</a:t>
-            </a:r>
-          </a:p>
-          <a:p>
-            <a:pPr marL="177800" indent="-177800">
-              <a:spcAft>
-                <a:spcPts val="1100"/>
-              </a:spcAft>
-              <a:buClr>
-                <a:schemeClr val="accent1"/>
-              </a:buClr>
-              <a:buSzPct val="125000"/>
-              <a:buFont typeface="Arial" pitchFamily="34" charset="0"/>
-              <a:buChar char="›"/>
-              <a:defRPr/>
-            </a:pPr>
-            <a:r>
-              <a:rPr lang="en-US" sz="1600" dirty="0" err="1">
-                <a:cs typeface="Arial" pitchFamily="34" charset="0"/>
-              </a:rPr>
-              <a:t>Iceoryx</a:t>
-            </a:r>
-            <a:r>
-              <a:rPr lang="en-US" sz="1600" dirty="0">
-                <a:cs typeface="Arial" pitchFamily="34" charset="0"/>
-              </a:rPr>
-              <a:t> (</a:t>
-            </a:r>
-            <a:r>
-              <a:rPr lang="en-US" sz="1600" dirty="0">
-                <a:hlinkClick r:id="rId4"/>
               </a:rPr>
               <a:t>https://github.com/eclipse/iceoryx</a:t>
             </a:r>
@@ -18420,33 +18298,15 @@
                                   </p:childTnLst>
                                 </p:cTn>
                               </p:par>
-                            </p:childTnLst>
-                          </p:cTn>
-                        </p:par>
-                      </p:childTnLst>
-                    </p:cTn>
-                  </p:par>
-                  <p:par>
-                    <p:cTn id="17" fill="hold">
-                      <p:stCondLst>
-                        <p:cond delay="indefinite"/>
-                      </p:stCondLst>
-                      <p:childTnLst>
-                        <p:par>
-                          <p:cTn id="18" fill="hold">
-                            <p:stCondLst>
-                              <p:cond delay="0"/>
-                            </p:stCondLst>
-                            <p:childTnLst>
                               <p:par>
-                                <p:cTn id="19" presetID="1" presetClass="entr" presetSubtype="0" fill="hold" nodeType="clickEffect">
+                                <p:cTn id="17" presetID="1" presetClass="entr" presetSubtype="0" fill="hold" nodeType="withEffect">
                                   <p:stCondLst>
                                     <p:cond delay="0"/>
                                   </p:stCondLst>
                                   <p:childTnLst>
                                     <p:set>
                                       <p:cBhvr>
-                                        <p:cTn id="20" dur="1" fill="hold">
+                                        <p:cTn id="18" dur="1" fill="hold">
                                           <p:stCondLst>
                                             <p:cond delay="0"/>
                                           </p:stCondLst>
@@ -18470,14 +18330,14 @@
                                 </p:cTn>
                               </p:par>
                               <p:par>
-                                <p:cTn id="21" presetID="1" presetClass="entr" presetSubtype="0" fill="hold" nodeType="withEffect">
+                                <p:cTn id="19" presetID="1" presetClass="entr" presetSubtype="0" fill="hold" nodeType="withEffect">
                                   <p:stCondLst>
                                     <p:cond delay="0"/>
                                   </p:stCondLst>
                                   <p:childTnLst>
                                     <p:set>
                                       <p:cBhvr>
-                                        <p:cTn id="22" dur="1" fill="hold">
+                                        <p:cTn id="20" dur="1" fill="hold">
                                           <p:stCondLst>
                                             <p:cond delay="0"/>
                                           </p:stCondLst>
@@ -18486,130 +18346,6 @@
                                           <p:spTgt spid="8">
                                             <p:txEl>
                                               <p:pRg st="7" end="7"/>
-                                            </p:txEl>
-                                          </p:spTgt>
-                                        </p:tgtEl>
-                                        <p:attrNameLst>
-                                          <p:attrName>style.visibility</p:attrName>
-                                        </p:attrNameLst>
-                                      </p:cBhvr>
-                                      <p:to>
-                                        <p:strVal val="visible"/>
-                                      </p:to>
-                                    </p:set>
-                                  </p:childTnLst>
-                                </p:cTn>
-                              </p:par>
-                              <p:par>
-                                <p:cTn id="23" presetID="1" presetClass="entr" presetSubtype="0" fill="hold" nodeType="withEffect">
-                                  <p:stCondLst>
-                                    <p:cond delay="0"/>
-                                  </p:stCondLst>
-                                  <p:childTnLst>
-                                    <p:set>
-                                      <p:cBhvr>
-                                        <p:cTn id="24" dur="1" fill="hold">
-                                          <p:stCondLst>
-                                            <p:cond delay="0"/>
-                                          </p:stCondLst>
-                                        </p:cTn>
-                                        <p:tgtEl>
-                                          <p:spTgt spid="8">
-                                            <p:txEl>
-                                              <p:pRg st="8" end="8"/>
-                                            </p:txEl>
-                                          </p:spTgt>
-                                        </p:tgtEl>
-                                        <p:attrNameLst>
-                                          <p:attrName>style.visibility</p:attrName>
-                                        </p:attrNameLst>
-                                      </p:cBhvr>
-                                      <p:to>
-                                        <p:strVal val="visible"/>
-                                      </p:to>
-                                    </p:set>
-                                  </p:childTnLst>
-                                </p:cTn>
-                              </p:par>
-                              <p:par>
-                                <p:cTn id="25" presetID="1" presetClass="entr" presetSubtype="0" fill="hold" nodeType="withEffect">
-                                  <p:stCondLst>
-                                    <p:cond delay="0"/>
-                                  </p:stCondLst>
-                                  <p:childTnLst>
-                                    <p:set>
-                                      <p:cBhvr>
-                                        <p:cTn id="26" dur="1" fill="hold">
-                                          <p:stCondLst>
-                                            <p:cond delay="0"/>
-                                          </p:stCondLst>
-                                        </p:cTn>
-                                        <p:tgtEl>
-                                          <p:spTgt spid="8">
-                                            <p:txEl>
-                                              <p:pRg st="9" end="9"/>
-                                            </p:txEl>
-                                          </p:spTgt>
-                                        </p:tgtEl>
-                                        <p:attrNameLst>
-                                          <p:attrName>style.visibility</p:attrName>
-                                        </p:attrNameLst>
-                                      </p:cBhvr>
-                                      <p:to>
-                                        <p:strVal val="visible"/>
-                                      </p:to>
-                                    </p:set>
-                                  </p:childTnLst>
-                                </p:cTn>
-                              </p:par>
-                              <p:par>
-                                <p:cTn id="27" presetID="1" presetClass="entr" presetSubtype="0" fill="hold" nodeType="withEffect">
-                                  <p:stCondLst>
-                                    <p:cond delay="0"/>
-                                  </p:stCondLst>
-                                  <p:childTnLst>
-                                    <p:set>
-                                      <p:cBhvr>
-                                        <p:cTn id="28" dur="1" fill="hold">
-                                          <p:stCondLst>
-                                            <p:cond delay="0"/>
-                                          </p:stCondLst>
-                                        </p:cTn>
-                                        <p:tgtEl>
-                                          <p:spTgt spid="8">
-                                            <p:txEl>
-                                              <p:pRg st="10" end="10"/>
-                                            </p:txEl>
-                                          </p:spTgt>
-                                        </p:tgtEl>
-                                        <p:attrNameLst>
-                                          <p:attrName>style.visibility</p:attrName>
-                                        </p:attrNameLst>
-                                      </p:cBhvr>
-                                      <p:to>
-                                        <p:strVal val="visible"/>
-                                      </p:to>
-                                    </p:set>
-                                  </p:childTnLst>
-                                </p:cTn>
-                              </p:par>
-                              <p:par>
-                                <p:cTn id="29" presetID="1" presetClass="entr" presetSubtype="0" fill="hold" nodeType="withEffect">
-                                  <p:stCondLst>
-                                    <p:cond delay="0"/>
-                                  </p:stCondLst>
-                                  <p:childTnLst>
-                                    <p:set>
-                                      <p:cBhvr>
-                                        <p:cTn id="30" dur="1" fill="hold">
-                                          <p:stCondLst>
-                                            <p:cond delay="0"/>
-                                          </p:stCondLst>
-                                        </p:cTn>
-                                        <p:tgtEl>
-                                          <p:spTgt spid="8">
-                                            <p:txEl>
-                                              <p:pRg st="11" end="11"/>
                                             </p:txEl>
                                           </p:spTgt>
                                         </p:tgtEl>
@@ -18716,7 +18452,7 @@
             <a:fld id="{1778E95C-90A9-47F3-94FC-26BB930BF367}" type="datetime4">
               <a:rPr lang="en-US" noProof="0" smtClean="0"/>
               <a:pPr/>
-              <a:t>December 4, 2019</a:t>
+              <a:t>January 28, 2020</a:t>
             </a:fld>
             <a:endParaRPr lang="en-US" noProof="0" dirty="0"/>
           </a:p>
@@ -19591,7 +19327,7 @@
             <a:fld id="{9033B76D-9EB0-4BAD-8B86-32B8483D105A}" type="datetime4">
               <a:rPr lang="en-US" noProof="0" smtClean="0"/>
               <a:pPr/>
-              <a:t>December 4, 2019</a:t>
+              <a:t>January 28, 2020</a:t>
             </a:fld>
             <a:endParaRPr lang="en-US" noProof="0"/>
           </a:p>
@@ -21434,7 +21170,7 @@
             <a:fld id="{16319B54-2BFB-42AC-8934-6FE8400019D1}" type="datetime4">
               <a:rPr lang="en-US" noProof="0" smtClean="0"/>
               <a:pPr/>
-              <a:t>December 4, 2019</a:t>
+              <a:t>January 28, 2020</a:t>
             </a:fld>
             <a:endParaRPr lang="en-US" noProof="0"/>
           </a:p>
@@ -22472,27 +22208,6 @@
 </file>
 
 <file path=customXml/item1.xml><?xml version="1.0" encoding="utf-8"?>
-<?mso-contentType ?>
-<FormTemplates xmlns="http://schemas.microsoft.com/sharepoint/v3/contenttype/forms">
-  <Display>DocumentLibraryForm</Display>
-  <Edit>DocumentLibraryForm</Edit>
-  <New>DocumentLibraryForm</New>
-</FormTemplates>
-</file>
-
-<file path=customXml/item2.xml><?xml version="1.0" encoding="utf-8"?>
-<p:properties xmlns:p="http://schemas.microsoft.com/office/2006/metadata/properties" xmlns:xsi="http://www.w3.org/2001/XMLSchema-instance">
-  <documentManagement>
-    <Language xmlns="http://schemas.microsoft.com/sharepoint/v3">English (en)</Language>
-    <Owner xmlns="http://schemas.microsoft.com/sharepoint/v3">Schilasky</Owner>
-    <_Status xmlns="http://schemas.microsoft.com/sharepoint/v3/fields">Draft</_Status>
-    <SCCoverageSpatialOrgUnit xmlns="http://schemas.microsoft.com/sharepoint/v3">Continental AG</SCCoverageSpatialOrgUnit>
-    <ContinentalSecurityClass xmlns="http://schemas.microsoft.com/sharepoint/v3/fields">For internal use only</ContinentalSecurityClass>
-  </documentManagement>
-</p:properties>
-</file>
-
-<file path=customXml/item3.xml><?xml version="1.0" encoding="utf-8"?>
 <ct:contentTypeSchema xmlns:ct="http://schemas.microsoft.com/office/2006/metadata/contentType" xmlns:ma="http://schemas.microsoft.com/office/2006/metadata/properties/metaAttributes" ct:_="" ma:_="" ma:contentTypeName="Document (CCT)" ma:contentTypeID="0x01010060D3A2B5B42A0B4796CE5EB3AD8B0F9700F6EA441231AEA447A0EA374EF1BA3AC9" ma:contentTypeVersion="1" ma:contentTypeDescription="Core content type for documents (CCT)" ma:contentTypeScope="" ma:versionID="b41894697092ef65df9fccd8c33c01ee">
   <xsd:schema xmlns:xsd="http://www.w3.org/2001/XMLSchema" xmlns:p="http://schemas.microsoft.com/office/2006/metadata/properties" xmlns:ns1="http://schemas.microsoft.com/sharepoint/v3" xmlns:ns2="http://schemas.microsoft.com/sharepoint/v3/fields" targetNamespace="http://schemas.microsoft.com/office/2006/metadata/properties" ma:root="true" ma:fieldsID="185ee762ca8a4ed30c3923a76ca715e1" ns1:_="" ns2:_="">
     <xsd:import namespace="http://schemas.microsoft.com/sharepoint/v3"/>
@@ -22642,10 +22357,41 @@
 </ct:contentTypeSchema>
 </file>
 
+<file path=customXml/item2.xml><?xml version="1.0" encoding="utf-8"?>
+<p:properties xmlns:p="http://schemas.microsoft.com/office/2006/metadata/properties" xmlns:xsi="http://www.w3.org/2001/XMLSchema-instance">
+  <documentManagement>
+    <Language xmlns="http://schemas.microsoft.com/sharepoint/v3">English (en)</Language>
+    <Owner xmlns="http://schemas.microsoft.com/sharepoint/v3">Schilasky</Owner>
+    <_Status xmlns="http://schemas.microsoft.com/sharepoint/v3/fields">Draft</_Status>
+    <SCCoverageSpatialOrgUnit xmlns="http://schemas.microsoft.com/sharepoint/v3">Continental AG</SCCoverageSpatialOrgUnit>
+    <ContinentalSecurityClass xmlns="http://schemas.microsoft.com/sharepoint/v3/fields">For internal use only</ContinentalSecurityClass>
+  </documentManagement>
+</p:properties>
+</file>
+
+<file path=customXml/item3.xml><?xml version="1.0" encoding="utf-8"?>
+<?mso-contentType ?>
+<FormTemplates xmlns="http://schemas.microsoft.com/sharepoint/v3/contenttype/forms">
+  <Display>DocumentLibraryForm</Display>
+  <Edit>DocumentLibraryForm</Edit>
+  <New>DocumentLibraryForm</New>
+</FormTemplates>
+</file>
+
 <file path=customXml/itemProps1.xml><?xml version="1.0" encoding="utf-8"?>
-<ds:datastoreItem xmlns:ds="http://schemas.openxmlformats.org/officeDocument/2006/customXml" ds:itemID="{3FA6BFF3-45C2-4C38-9AAD-E3B7AC9EA1A1}">
+<ds:datastoreItem xmlns:ds="http://schemas.openxmlformats.org/officeDocument/2006/customXml" ds:itemID="{DF44401B-1D5E-4307-A806-10E826502A74}">
   <ds:schemaRefs>
-    <ds:schemaRef ds:uri="http://schemas.microsoft.com/sharepoint/v3/contenttype/forms"/>
+    <ds:schemaRef ds:uri="http://schemas.microsoft.com/office/2006/metadata/contentType"/>
+    <ds:schemaRef ds:uri="http://schemas.microsoft.com/office/2006/metadata/properties/metaAttributes"/>
+    <ds:schemaRef ds:uri="http://www.w3.org/2001/XMLSchema"/>
+    <ds:schemaRef ds:uri="http://schemas.microsoft.com/office/2006/metadata/properties"/>
+    <ds:schemaRef ds:uri="http://schemas.microsoft.com/sharepoint/v3"/>
+    <ds:schemaRef ds:uri="http://schemas.microsoft.com/sharepoint/v3/fields"/>
+    <ds:schemaRef ds:uri="http://schemas.microsoft.com/office/2006/documentManagement/types"/>
+    <ds:schemaRef ds:uri="http://schemas.openxmlformats.org/package/2006/metadata/core-properties"/>
+    <ds:schemaRef ds:uri="http://purl.org/dc/elements/1.1/"/>
+    <ds:schemaRef ds:uri="http://purl.org/dc/terms/"/>
+    <ds:schemaRef ds:uri="http://schemas.microsoft.com/office/internal/2005/internalDocumentation"/>
   </ds:schemaRefs>
 </ds:datastoreItem>
 </file>
@@ -22667,19 +22413,9 @@
 </file>
 
 <file path=customXml/itemProps3.xml><?xml version="1.0" encoding="utf-8"?>
-<ds:datastoreItem xmlns:ds="http://schemas.openxmlformats.org/officeDocument/2006/customXml" ds:itemID="{DF44401B-1D5E-4307-A806-10E826502A74}">
+<ds:datastoreItem xmlns:ds="http://schemas.openxmlformats.org/officeDocument/2006/customXml" ds:itemID="{3FA6BFF3-45C2-4C38-9AAD-E3B7AC9EA1A1}">
   <ds:schemaRefs>
-    <ds:schemaRef ds:uri="http://schemas.microsoft.com/office/2006/metadata/contentType"/>
-    <ds:schemaRef ds:uri="http://schemas.microsoft.com/office/2006/metadata/properties/metaAttributes"/>
-    <ds:schemaRef ds:uri="http://www.w3.org/2001/XMLSchema"/>
-    <ds:schemaRef ds:uri="http://schemas.microsoft.com/office/2006/metadata/properties"/>
-    <ds:schemaRef ds:uri="http://schemas.microsoft.com/sharepoint/v3"/>
-    <ds:schemaRef ds:uri="http://schemas.microsoft.com/sharepoint/v3/fields"/>
-    <ds:schemaRef ds:uri="http://schemas.microsoft.com/office/2006/documentManagement/types"/>
-    <ds:schemaRef ds:uri="http://schemas.openxmlformats.org/package/2006/metadata/core-properties"/>
-    <ds:schemaRef ds:uri="http://purl.org/dc/elements/1.1/"/>
-    <ds:schemaRef ds:uri="http://purl.org/dc/terms/"/>
-    <ds:schemaRef ds:uri="http://schemas.microsoft.com/office/internal/2005/internalDocumentation"/>
+    <ds:schemaRef ds:uri="http://schemas.microsoft.com/sharepoint/v3/contenttype/forms"/>
   </ds:schemaRefs>
 </ds:datastoreItem>
 </file>